--- a/TaiLieu/QuyenThuyetMinh/CNTT_2019601953_TranHuuVinh.pptx
+++ b/TaiLieu/QuyenThuyetMinh/CNTT_2019601953_TranHuuVinh.pptx
@@ -3344,6 +3344,13 @@
         </dgm:presLayoutVars>
       </dgm:prSet>
       <dgm:spPr/>
+      <dgm:t>
+        <a:bodyPr/>
+        <a:lstStyle/>
+        <a:p>
+          <a:endParaRPr lang="en-US"/>
+        </a:p>
+      </dgm:t>
     </dgm:pt>
     <dgm:pt modelId="{83565C9E-0594-4D8C-8938-6ABF457BFB7B}" type="pres">
       <dgm:prSet presAssocID="{85B85FB1-27C3-4007-BDD4-C5F190CCF06D}" presName="thickLine" presStyleLbl="alignNode1" presStyleIdx="0" presStyleCnt="1"/>
@@ -3356,6 +3363,13 @@
     <dgm:pt modelId="{50748A84-9144-4941-93ED-BF34E89EC692}" type="pres">
       <dgm:prSet presAssocID="{85B85FB1-27C3-4007-BDD4-C5F190CCF06D}" presName="tx1" presStyleLbl="revTx" presStyleIdx="0" presStyleCnt="5"/>
       <dgm:spPr/>
+      <dgm:t>
+        <a:bodyPr/>
+        <a:lstStyle/>
+        <a:p>
+          <a:endParaRPr lang="en-US"/>
+        </a:p>
+      </dgm:t>
     </dgm:pt>
     <dgm:pt modelId="{C0AD0985-5A02-47E5-9897-71BB6BDB8AAD}" type="pres">
       <dgm:prSet presAssocID="{85B85FB1-27C3-4007-BDD4-C5F190CCF06D}" presName="vert1" presStyleCnt="0"/>
@@ -3491,17 +3505,17 @@
     </dgm:pt>
   </dgm:ptLst>
   <dgm:cxnLst>
-    <dgm:cxn modelId="{9884700F-3F9F-472C-8D20-247C7E417E50}" srcId="{85B85FB1-27C3-4007-BDD4-C5F190CCF06D}" destId="{749E6B51-62B8-4ECF-B4B7-6CF4B46AD415}" srcOrd="0" destOrd="0" parTransId="{0220E762-F3CD-4285-BF1D-350E72D48C64}" sibTransId="{FDDFBBA0-2C62-4320-84AF-7A2B0FA70882}"/>
-    <dgm:cxn modelId="{4280CB58-23FC-46F2-9A06-08FA9F6D06E4}" srcId="{85B85FB1-27C3-4007-BDD4-C5F190CCF06D}" destId="{A14EF4FC-CB54-4E3B-8B44-BD2A8D2A4A9A}" srcOrd="2" destOrd="0" parTransId="{A6F4F858-378E-4D8B-962B-1A04A53624F5}" sibTransId="{AA78BD86-B874-4832-9B2E-5085D5E5433A}"/>
-    <dgm:cxn modelId="{FF452BE8-86E7-478E-B463-3028F155C835}" srcId="{85B85FB1-27C3-4007-BDD4-C5F190CCF06D}" destId="{52EDDF28-F7E5-4F14-87CB-C13C7867D7AE}" srcOrd="1" destOrd="0" parTransId="{10DEA058-6A32-487F-B1D5-4A11EE73A49B}" sibTransId="{8524FF06-F6E8-4A18-A02A-EF72B095F38F}"/>
     <dgm:cxn modelId="{16703CD8-328B-4B71-B645-063C3630A28F}" type="presOf" srcId="{85B85FB1-27C3-4007-BDD4-C5F190CCF06D}" destId="{50748A84-9144-4941-93ED-BF34E89EC692}" srcOrd="0" destOrd="0" presId="urn:microsoft.com/office/officeart/2008/layout/LinedList"/>
     <dgm:cxn modelId="{4AAF6A00-73DF-4499-9DF1-1C50051445F1}" srcId="{4545B0AA-E05F-4647-B285-9FBA61DFAABB}" destId="{85B85FB1-27C3-4007-BDD4-C5F190CCF06D}" srcOrd="0" destOrd="0" parTransId="{2DA4C49B-C0E0-4757-BCC8-01374C8D248A}" sibTransId="{E8F91CE5-078C-461B-8EBB-812272CC3855}"/>
+    <dgm:cxn modelId="{AC1302B5-8971-44D5-AC4B-FFE8C2B1AD8E}" type="presOf" srcId="{AFF81867-B6D5-4CAC-BDD3-1A566BD50FAA}" destId="{83DE6E1B-BA5D-4032-A3FA-169C902361B6}" srcOrd="0" destOrd="0" presId="urn:microsoft.com/office/officeart/2008/layout/LinedList"/>
+    <dgm:cxn modelId="{4280CB58-23FC-46F2-9A06-08FA9F6D06E4}" srcId="{85B85FB1-27C3-4007-BDD4-C5F190CCF06D}" destId="{A14EF4FC-CB54-4E3B-8B44-BD2A8D2A4A9A}" srcOrd="2" destOrd="0" parTransId="{A6F4F858-378E-4D8B-962B-1A04A53624F5}" sibTransId="{AA78BD86-B874-4832-9B2E-5085D5E5433A}"/>
+    <dgm:cxn modelId="{F331E965-006E-436D-B6BE-4DC552CFCD56}" type="presOf" srcId="{749E6B51-62B8-4ECF-B4B7-6CF4B46AD415}" destId="{FA2E4889-7C1D-4C73-B393-D8003E434836}" srcOrd="0" destOrd="0" presId="urn:microsoft.com/office/officeart/2008/layout/LinedList"/>
+    <dgm:cxn modelId="{9884700F-3F9F-472C-8D20-247C7E417E50}" srcId="{85B85FB1-27C3-4007-BDD4-C5F190CCF06D}" destId="{749E6B51-62B8-4ECF-B4B7-6CF4B46AD415}" srcOrd="0" destOrd="0" parTransId="{0220E762-F3CD-4285-BF1D-350E72D48C64}" sibTransId="{FDDFBBA0-2C62-4320-84AF-7A2B0FA70882}"/>
+    <dgm:cxn modelId="{FF452BE8-86E7-478E-B463-3028F155C835}" srcId="{85B85FB1-27C3-4007-BDD4-C5F190CCF06D}" destId="{52EDDF28-F7E5-4F14-87CB-C13C7867D7AE}" srcOrd="1" destOrd="0" parTransId="{10DEA058-6A32-487F-B1D5-4A11EE73A49B}" sibTransId="{8524FF06-F6E8-4A18-A02A-EF72B095F38F}"/>
+    <dgm:cxn modelId="{FB6F1C99-55DD-4B43-9DCB-065F9D79629E}" type="presOf" srcId="{4545B0AA-E05F-4647-B285-9FBA61DFAABB}" destId="{E730BC89-7BB5-439D-81EE-353AB0FB2C98}" srcOrd="0" destOrd="0" presId="urn:microsoft.com/office/officeart/2008/layout/LinedList"/>
+    <dgm:cxn modelId="{895DF6DC-5E93-45B4-9C19-19EA673000E7}" type="presOf" srcId="{A14EF4FC-CB54-4E3B-8B44-BD2A8D2A4A9A}" destId="{AA7B1648-EB08-4CCB-A4A3-7702202449DF}" srcOrd="0" destOrd="0" presId="urn:microsoft.com/office/officeart/2008/layout/LinedList"/>
+    <dgm:cxn modelId="{692FB81A-BD98-4CC7-8790-31EC2C8567ED}" type="presOf" srcId="{52EDDF28-F7E5-4F14-87CB-C13C7867D7AE}" destId="{34A6A494-EA79-43DC-94CF-E449C664DA2B}" srcOrd="0" destOrd="0" presId="urn:microsoft.com/office/officeart/2008/layout/LinedList"/>
     <dgm:cxn modelId="{73F77E59-EC18-4428-B7E6-6DB5B0BA759B}" srcId="{85B85FB1-27C3-4007-BDD4-C5F190CCF06D}" destId="{AFF81867-B6D5-4CAC-BDD3-1A566BD50FAA}" srcOrd="3" destOrd="0" parTransId="{CE5E5220-A158-4336-8B24-C787046B4307}" sibTransId="{30969556-9749-4B9C-9568-E50B7DFEA9A3}"/>
-    <dgm:cxn modelId="{895DF6DC-5E93-45B4-9C19-19EA673000E7}" type="presOf" srcId="{A14EF4FC-CB54-4E3B-8B44-BD2A8D2A4A9A}" destId="{AA7B1648-EB08-4CCB-A4A3-7702202449DF}" srcOrd="0" destOrd="0" presId="urn:microsoft.com/office/officeart/2008/layout/LinedList"/>
-    <dgm:cxn modelId="{F331E965-006E-436D-B6BE-4DC552CFCD56}" type="presOf" srcId="{749E6B51-62B8-4ECF-B4B7-6CF4B46AD415}" destId="{FA2E4889-7C1D-4C73-B393-D8003E434836}" srcOrd="0" destOrd="0" presId="urn:microsoft.com/office/officeart/2008/layout/LinedList"/>
-    <dgm:cxn modelId="{AC1302B5-8971-44D5-AC4B-FFE8C2B1AD8E}" type="presOf" srcId="{AFF81867-B6D5-4CAC-BDD3-1A566BD50FAA}" destId="{83DE6E1B-BA5D-4032-A3FA-169C902361B6}" srcOrd="0" destOrd="0" presId="urn:microsoft.com/office/officeart/2008/layout/LinedList"/>
-    <dgm:cxn modelId="{FB6F1C99-55DD-4B43-9DCB-065F9D79629E}" type="presOf" srcId="{4545B0AA-E05F-4647-B285-9FBA61DFAABB}" destId="{E730BC89-7BB5-439D-81EE-353AB0FB2C98}" srcOrd="0" destOrd="0" presId="urn:microsoft.com/office/officeart/2008/layout/LinedList"/>
-    <dgm:cxn modelId="{692FB81A-BD98-4CC7-8790-31EC2C8567ED}" type="presOf" srcId="{52EDDF28-F7E5-4F14-87CB-C13C7867D7AE}" destId="{34A6A494-EA79-43DC-94CF-E449C664DA2B}" srcOrd="0" destOrd="0" presId="urn:microsoft.com/office/officeart/2008/layout/LinedList"/>
     <dgm:cxn modelId="{A542A1DE-9888-4F9B-BB5D-C466F00FC432}" type="presParOf" srcId="{E730BC89-7BB5-439D-81EE-353AB0FB2C98}" destId="{83565C9E-0594-4D8C-8938-6ABF457BFB7B}" srcOrd="0" destOrd="0" presId="urn:microsoft.com/office/officeart/2008/layout/LinedList"/>
     <dgm:cxn modelId="{FC5C970E-8F6A-4E9B-B977-A4E2FA7B9FB2}" type="presParOf" srcId="{E730BC89-7BB5-439D-81EE-353AB0FB2C98}" destId="{B7DAC995-BF8F-485F-8EC4-6973BFC37A8F}" srcOrd="1" destOrd="0" presId="urn:microsoft.com/office/officeart/2008/layout/LinedList"/>
     <dgm:cxn modelId="{D1222701-8032-4AB0-9E32-8578BB050DF6}" type="presParOf" srcId="{B7DAC995-BF8F-485F-8EC4-6973BFC37A8F}" destId="{50748A84-9144-4941-93ED-BF34E89EC692}" srcOrd="0" destOrd="0" presId="urn:microsoft.com/office/officeart/2008/layout/LinedList"/>
@@ -4071,6 +4085,13 @@
         </dgm:presLayoutVars>
       </dgm:prSet>
       <dgm:spPr/>
+      <dgm:t>
+        <a:bodyPr/>
+        <a:lstStyle/>
+        <a:p>
+          <a:endParaRPr lang="en-US"/>
+        </a:p>
+      </dgm:t>
     </dgm:pt>
     <dgm:pt modelId="{869A021D-10C6-4390-A314-7838B5D0CF6A}" type="pres">
       <dgm:prSet presAssocID="{05D8173F-07EF-4BC6-BB9F-1F0615E675F8}" presName="linNode" presStyleCnt="0"/>
@@ -4084,6 +4105,13 @@
         </dgm:presLayoutVars>
       </dgm:prSet>
       <dgm:spPr/>
+      <dgm:t>
+        <a:bodyPr/>
+        <a:lstStyle/>
+        <a:p>
+          <a:endParaRPr lang="en-US"/>
+        </a:p>
+      </dgm:t>
     </dgm:pt>
     <dgm:pt modelId="{71C37F8A-B3D1-4155-A8D1-739256496130}" type="pres">
       <dgm:prSet presAssocID="{05D8173F-07EF-4BC6-BB9F-1F0615E675F8}" presName="descendantText" presStyleLbl="alignAccFollowNode1" presStyleIdx="0" presStyleCnt="5">
@@ -4116,6 +4144,13 @@
         </dgm:presLayoutVars>
       </dgm:prSet>
       <dgm:spPr/>
+      <dgm:t>
+        <a:bodyPr/>
+        <a:lstStyle/>
+        <a:p>
+          <a:endParaRPr lang="en-US"/>
+        </a:p>
+      </dgm:t>
     </dgm:pt>
     <dgm:pt modelId="{AA46F2AA-B658-4E21-83C2-6797D36CC435}" type="pres">
       <dgm:prSet presAssocID="{9246E599-906C-48B5-94BF-D8B43871E6D9}" presName="descendantText" presStyleLbl="alignAccFollowNode1" presStyleIdx="1" presStyleCnt="5">
@@ -4148,6 +4183,13 @@
         </dgm:presLayoutVars>
       </dgm:prSet>
       <dgm:spPr/>
+      <dgm:t>
+        <a:bodyPr/>
+        <a:lstStyle/>
+        <a:p>
+          <a:endParaRPr lang="en-US"/>
+        </a:p>
+      </dgm:t>
     </dgm:pt>
     <dgm:pt modelId="{AC82D7C3-F7AA-4E9F-82C8-D0C59B9F8F51}" type="pres">
       <dgm:prSet presAssocID="{9CA87B24-BF19-4DF7-8856-E297CC206127}" presName="descendantText" presStyleLbl="alignAccFollowNode1" presStyleIdx="2" presStyleCnt="5">
@@ -4180,6 +4222,13 @@
         </dgm:presLayoutVars>
       </dgm:prSet>
       <dgm:spPr/>
+      <dgm:t>
+        <a:bodyPr/>
+        <a:lstStyle/>
+        <a:p>
+          <a:endParaRPr lang="en-US"/>
+        </a:p>
+      </dgm:t>
     </dgm:pt>
     <dgm:pt modelId="{5180AC36-58E6-4437-A1E0-CCF032463FA5}" type="pres">
       <dgm:prSet presAssocID="{D4EF59D1-9076-47CB-8891-A0EB2B96F3C5}" presName="descendantText" presStyleLbl="alignAccFollowNode1" presStyleIdx="3" presStyleCnt="5">
@@ -4212,6 +4261,13 @@
         </dgm:presLayoutVars>
       </dgm:prSet>
       <dgm:spPr/>
+      <dgm:t>
+        <a:bodyPr/>
+        <a:lstStyle/>
+        <a:p>
+          <a:endParaRPr lang="en-US"/>
+        </a:p>
+      </dgm:t>
     </dgm:pt>
     <dgm:pt modelId="{1E59A7EC-2B0B-4948-AF48-8C0F685A7254}" type="pres">
       <dgm:prSet presAssocID="{A20EA30D-23F8-43B2-AEE0-307B50B49A1E}" presName="descendantText" presStyleLbl="alignAccFollowNode1" presStyleIdx="4" presStyleCnt="5">
@@ -4935,6 +4991,13 @@
         </dgm:presLayoutVars>
       </dgm:prSet>
       <dgm:spPr/>
+      <dgm:t>
+        <a:bodyPr/>
+        <a:lstStyle/>
+        <a:p>
+          <a:endParaRPr lang="en-US"/>
+        </a:p>
+      </dgm:t>
     </dgm:pt>
     <dgm:pt modelId="{B5BDD5C7-8E4B-4761-B990-E2617857A342}" type="pres">
       <dgm:prSet presAssocID="{817C72F6-540C-43F2-A5C9-10C01C423184}" presName="node" presStyleLbl="node1" presStyleIdx="0" presStyleCnt="12">
@@ -5170,8 +5233,8 @@
     <dgm:cxn modelId="{AFBFB4C0-B607-40D7-B917-BE595BB708B3}" srcId="{338FEE4D-5C59-40FB-A114-7ABC33D72379}" destId="{2E726443-C4A8-4FC0-A43A-B12352035F77}" srcOrd="1" destOrd="0" parTransId="{B1AA0C2D-9681-4D7D-8854-8D62F489305C}" sibTransId="{A1C56E35-E5AE-4C30-8EBD-81182AA79DEE}"/>
     <dgm:cxn modelId="{55E975D3-25ED-4205-8CEB-DA090FC0A6BD}" srcId="{338FEE4D-5C59-40FB-A114-7ABC33D72379}" destId="{C609AA51-AF2D-455C-BDB7-412ED87D2870}" srcOrd="11" destOrd="0" parTransId="{CCE98ACA-3405-49F9-A9FA-90FB359A97CA}" sibTransId="{AE495C58-9025-47FF-B3D4-3138B3D0B136}"/>
     <dgm:cxn modelId="{0C88799B-B02B-48FA-A49E-9141C7CF1A04}" type="presOf" srcId="{935ED607-8DEB-4669-861A-8F5578266EDB}" destId="{45E8142A-E824-442D-87CF-84B021930F87}" srcOrd="0" destOrd="0" presId="urn:microsoft.com/office/officeart/2005/8/layout/default"/>
+    <dgm:cxn modelId="{B7EFFD82-1419-43DB-9862-BAFE49EF4418}" type="presOf" srcId="{6FBC9E17-8062-450F-9484-3252E3C3779E}" destId="{072A17A3-99CA-413D-881B-3376492849F3}" srcOrd="0" destOrd="0" presId="urn:microsoft.com/office/officeart/2005/8/layout/default"/>
     <dgm:cxn modelId="{5104B81E-3A81-4127-8778-D1420FE17D68}" type="presOf" srcId="{41D866F3-6A28-4D47-9575-F544AEC97921}" destId="{2EF538D7-C6B6-4DC0-BFED-09D96B44C1A9}" srcOrd="0" destOrd="0" presId="urn:microsoft.com/office/officeart/2005/8/layout/default"/>
-    <dgm:cxn modelId="{B7EFFD82-1419-43DB-9862-BAFE49EF4418}" type="presOf" srcId="{6FBC9E17-8062-450F-9484-3252E3C3779E}" destId="{072A17A3-99CA-413D-881B-3376492849F3}" srcOrd="0" destOrd="0" presId="urn:microsoft.com/office/officeart/2005/8/layout/default"/>
     <dgm:cxn modelId="{7934D708-85CE-468F-8301-80D6D7A35E1B}" srcId="{338FEE4D-5C59-40FB-A114-7ABC33D72379}" destId="{4DF28DD9-6014-4E95-BA81-5BAAB4FF54D4}" srcOrd="3" destOrd="0" parTransId="{61C53D7C-7241-4985-AB25-7525B9726DC4}" sibTransId="{28CAD5A4-B6F2-4E89-94AF-579BB246E91F}"/>
     <dgm:cxn modelId="{7127C504-6470-4C5C-8B98-DC807847296B}" srcId="{338FEE4D-5C59-40FB-A114-7ABC33D72379}" destId="{41D866F3-6A28-4D47-9575-F544AEC97921}" srcOrd="9" destOrd="0" parTransId="{5D22FF03-1BEA-49A0-8378-FA131C861A43}" sibTransId="{234BA114-339C-4514-8228-E5F740DEE683}"/>
     <dgm:cxn modelId="{E7B6E994-E269-48C1-A673-89460DEA145D}" type="presOf" srcId="{2E726443-C4A8-4FC0-A43A-B12352035F77}" destId="{224ED1AD-D157-40DF-B9FA-785210B6C035}" srcOrd="0" destOrd="0" presId="urn:microsoft.com/office/officeart/2005/8/layout/default"/>
@@ -6409,21 +6472,7 @@
               <a:latin typeface="Arial" panose="020B0604020202020204" pitchFamily="34" charset="0"/>
               <a:cs typeface="Arial" panose="020B0604020202020204" pitchFamily="34" charset="0"/>
             </a:rPr>
-            <a:t> giúp thông </a:t>
-          </a:r>
-          <a:r>
-            <a:rPr lang="en-US" dirty="0" err="1" smtClean="0">
-              <a:latin typeface="Arial" panose="020B0604020202020204" pitchFamily="34" charset="0"/>
-              <a:cs typeface="Arial" panose="020B0604020202020204" pitchFamily="34" charset="0"/>
-            </a:rPr>
-            <a:t>kê</a:t>
-          </a:r>
-          <a:r>
-            <a:rPr lang="en-US" dirty="0" smtClean="0">
-              <a:latin typeface="Arial" panose="020B0604020202020204" pitchFamily="34" charset="0"/>
-              <a:cs typeface="Arial" panose="020B0604020202020204" pitchFamily="34" charset="0"/>
-            </a:rPr>
-            <a:t>, </a:t>
+            <a:t> </a:t>
           </a:r>
           <a:r>
             <a:rPr lang="en-US" dirty="0" err="1" smtClean="0">
@@ -6533,6 +6582,13 @@
         </dgm:presLayoutVars>
       </dgm:prSet>
       <dgm:spPr/>
+      <dgm:t>
+        <a:bodyPr/>
+        <a:lstStyle/>
+        <a:p>
+          <a:endParaRPr lang="en-US"/>
+        </a:p>
+      </dgm:t>
     </dgm:pt>
     <dgm:pt modelId="{6801D03D-3546-4FC9-BAA7-5BEA60DF1DEA}" type="pres">
       <dgm:prSet presAssocID="{80EDD9E6-6353-485E-B2CC-CB46574D0A15}" presName="compNode" presStyleCnt="0"/>
@@ -6714,25 +6770,25 @@
     </dgm:pt>
   </dgm:ptLst>
   <dgm:cxnLst>
+    <dgm:cxn modelId="{54C52DE8-8ADF-43EC-AF30-02DA861315BD}" type="presOf" srcId="{DA4F8D4C-F7D0-4C00-9547-2BA301C63012}" destId="{AACE4E8A-7C5A-4D74-AFAF-EA22EDEDD21C}" srcOrd="0" destOrd="0" presId="urn:microsoft.com/office/officeart/2005/8/layout/lProcess2"/>
+    <dgm:cxn modelId="{74F7E63A-A9C0-46DF-A7B7-6F21D8EE84BD}" srcId="{40112CFE-C7F3-4E3C-BDF5-9788690A5B38}" destId="{DA4F8D4C-F7D0-4C00-9547-2BA301C63012}" srcOrd="1" destOrd="0" parTransId="{57D2D8FC-2FEA-4B27-85C4-6D50F2C0DEE4}" sibTransId="{FF3215E3-9A61-4510-AFA7-2D04365EB5F4}"/>
+    <dgm:cxn modelId="{18906DDF-5665-471C-948F-446B6B0CE60A}" type="presOf" srcId="{40112CFE-C7F3-4E3C-BDF5-9788690A5B38}" destId="{9A804D34-3C65-49F7-94F1-239C7C4572ED}" srcOrd="0" destOrd="0" presId="urn:microsoft.com/office/officeart/2005/8/layout/lProcess2"/>
+    <dgm:cxn modelId="{42175E71-3777-4E2B-AE1D-35D0F9431760}" srcId="{40112CFE-C7F3-4E3C-BDF5-9788690A5B38}" destId="{F0CE9466-30AE-4E51-99CD-EC135D95FC77}" srcOrd="0" destOrd="0" parTransId="{35B080EC-316C-49E1-B233-50948F7D2C3C}" sibTransId="{FE796301-C044-4FE3-90B1-15BB6A204A35}"/>
+    <dgm:cxn modelId="{A4A82D32-AFA5-462B-8825-B096BFDBF78E}" type="presOf" srcId="{69D5B1E9-B4D8-4B96-9206-B3AA8E10EE2D}" destId="{EB17C285-B7D4-41BA-A336-8A8AF64AAD7D}" srcOrd="0" destOrd="0" presId="urn:microsoft.com/office/officeart/2005/8/layout/lProcess2"/>
+    <dgm:cxn modelId="{F5A8F49C-5A3D-45D5-B782-0895F3F7E3E6}" srcId="{40112CFE-C7F3-4E3C-BDF5-9788690A5B38}" destId="{3C112C4D-C41F-4713-93BC-8FFD5A97B353}" srcOrd="2" destOrd="0" parTransId="{9FB4933B-ECA3-4508-9D3A-0A004F60F52E}" sibTransId="{FAD4F7E7-6D43-4F70-9492-36B45F5C325B}"/>
+    <dgm:cxn modelId="{BB835EE5-1DD7-43CE-A2DD-BFA0986A1EB8}" srcId="{80EDD9E6-6353-485E-B2CC-CB46574D0A15}" destId="{817459CB-A9F4-47CE-A2CE-B3C42B07B876}" srcOrd="1" destOrd="0" parTransId="{6954010A-66FF-4462-A9DC-272C15452434}" sibTransId="{AEE42C56-EE98-4988-8546-3402E507D661}"/>
+    <dgm:cxn modelId="{8B0C86E8-F09B-4ACB-93CB-5464B29553EA}" type="presOf" srcId="{3C112C4D-C41F-4713-93BC-8FFD5A97B353}" destId="{6D599228-6D6C-47C5-A566-1A7926F520BF}" srcOrd="0" destOrd="0" presId="urn:microsoft.com/office/officeart/2005/8/layout/lProcess2"/>
+    <dgm:cxn modelId="{B017DDE4-331A-4084-9DBD-DCC5B0028DE4}" srcId="{69D5B1E9-B4D8-4B96-9206-B3AA8E10EE2D}" destId="{40112CFE-C7F3-4E3C-BDF5-9788690A5B38}" srcOrd="1" destOrd="0" parTransId="{B8248448-3A04-4320-A60F-2F8EB3A0E418}" sibTransId="{531E4CD6-7347-49FF-9153-7B8CE54028A7}"/>
+    <dgm:cxn modelId="{80817F33-4C65-4E12-A8F6-9A62D212CE5F}" type="presOf" srcId="{80EDD9E6-6353-485E-B2CC-CB46574D0A15}" destId="{B531E442-7DBD-4364-882D-734FA22F2D65}" srcOrd="1" destOrd="0" presId="urn:microsoft.com/office/officeart/2005/8/layout/lProcess2"/>
+    <dgm:cxn modelId="{42A94E9F-DC90-4F41-A371-1E5015D9551D}" type="presOf" srcId="{F1EF7BE0-DFEA-404D-9470-F025C1F407F6}" destId="{4D4B16E3-CE27-47F3-B4F9-312AC0AF1785}" srcOrd="0" destOrd="0" presId="urn:microsoft.com/office/officeart/2005/8/layout/lProcess2"/>
     <dgm:cxn modelId="{051FA913-E4A8-4234-B391-77C57162AC06}" type="presOf" srcId="{40112CFE-C7F3-4E3C-BDF5-9788690A5B38}" destId="{95A97158-CC80-467A-972D-294AA9747009}" srcOrd="1" destOrd="0" presId="urn:microsoft.com/office/officeart/2005/8/layout/lProcess2"/>
-    <dgm:cxn modelId="{A4A82D32-AFA5-462B-8825-B096BFDBF78E}" type="presOf" srcId="{69D5B1E9-B4D8-4B96-9206-B3AA8E10EE2D}" destId="{EB17C285-B7D4-41BA-A336-8A8AF64AAD7D}" srcOrd="0" destOrd="0" presId="urn:microsoft.com/office/officeart/2005/8/layout/lProcess2"/>
-    <dgm:cxn modelId="{D15626C7-AEC0-4B2D-A402-4AAD766834D2}" srcId="{69D5B1E9-B4D8-4B96-9206-B3AA8E10EE2D}" destId="{80EDD9E6-6353-485E-B2CC-CB46574D0A15}" srcOrd="0" destOrd="0" parTransId="{1C2AE9F7-ED24-4EBC-9E33-FE0B2BA15EFC}" sibTransId="{D8E6568B-68D8-4D67-B7D4-725C9B893E4B}"/>
-    <dgm:cxn modelId="{F5A8F49C-5A3D-45D5-B782-0895F3F7E3E6}" srcId="{40112CFE-C7F3-4E3C-BDF5-9788690A5B38}" destId="{3C112C4D-C41F-4713-93BC-8FFD5A97B353}" srcOrd="2" destOrd="0" parTransId="{9FB4933B-ECA3-4508-9D3A-0A004F60F52E}" sibTransId="{FAD4F7E7-6D43-4F70-9492-36B45F5C325B}"/>
-    <dgm:cxn modelId="{74F7E63A-A9C0-46DF-A7B7-6F21D8EE84BD}" srcId="{40112CFE-C7F3-4E3C-BDF5-9788690A5B38}" destId="{DA4F8D4C-F7D0-4C00-9547-2BA301C63012}" srcOrd="1" destOrd="0" parTransId="{57D2D8FC-2FEA-4B27-85C4-6D50F2C0DEE4}" sibTransId="{FF3215E3-9A61-4510-AFA7-2D04365EB5F4}"/>
     <dgm:cxn modelId="{B07CC1F8-160C-4D87-8FCD-4A0EA2292320}" type="presOf" srcId="{64E66F6F-E268-46EB-AA3C-C654E73088F5}" destId="{9537BBF9-C8FE-4A76-BE94-7D62E1C220CA}" srcOrd="0" destOrd="0" presId="urn:microsoft.com/office/officeart/2005/8/layout/lProcess2"/>
     <dgm:cxn modelId="{B603AE0F-2D58-413F-B8CE-70845C43D2E8}" srcId="{80EDD9E6-6353-485E-B2CC-CB46574D0A15}" destId="{F1EF7BE0-DFEA-404D-9470-F025C1F407F6}" srcOrd="2" destOrd="0" parTransId="{244C1DFA-E4C6-4798-8235-84EF603C33CC}" sibTransId="{CC837C56-DF4C-4206-90C3-F8E6BBB31994}"/>
-    <dgm:cxn modelId="{42175E71-3777-4E2B-AE1D-35D0F9431760}" srcId="{40112CFE-C7F3-4E3C-BDF5-9788690A5B38}" destId="{F0CE9466-30AE-4E51-99CD-EC135D95FC77}" srcOrd="0" destOrd="0" parTransId="{35B080EC-316C-49E1-B233-50948F7D2C3C}" sibTransId="{FE796301-C044-4FE3-90B1-15BB6A204A35}"/>
+    <dgm:cxn modelId="{31C672A0-2396-4A0F-B072-CEE75394403D}" type="presOf" srcId="{F0CE9466-30AE-4E51-99CD-EC135D95FC77}" destId="{6A288B04-CEA4-42B1-B94C-9D0DBD4635EE}" srcOrd="0" destOrd="0" presId="urn:microsoft.com/office/officeart/2005/8/layout/lProcess2"/>
     <dgm:cxn modelId="{545D7D99-9C8A-4CCA-BE53-F42342D987E4}" type="presOf" srcId="{80EDD9E6-6353-485E-B2CC-CB46574D0A15}" destId="{1F40A12F-34AA-4EE6-AB1D-FFC421747C1F}" srcOrd="0" destOrd="0" presId="urn:microsoft.com/office/officeart/2005/8/layout/lProcess2"/>
-    <dgm:cxn modelId="{BB835EE5-1DD7-43CE-A2DD-BFA0986A1EB8}" srcId="{80EDD9E6-6353-485E-B2CC-CB46574D0A15}" destId="{817459CB-A9F4-47CE-A2CE-B3C42B07B876}" srcOrd="1" destOrd="0" parTransId="{6954010A-66FF-4462-A9DC-272C15452434}" sibTransId="{AEE42C56-EE98-4988-8546-3402E507D661}"/>
-    <dgm:cxn modelId="{54C52DE8-8ADF-43EC-AF30-02DA861315BD}" type="presOf" srcId="{DA4F8D4C-F7D0-4C00-9547-2BA301C63012}" destId="{AACE4E8A-7C5A-4D74-AFAF-EA22EDEDD21C}" srcOrd="0" destOrd="0" presId="urn:microsoft.com/office/officeart/2005/8/layout/lProcess2"/>
-    <dgm:cxn modelId="{8B0C86E8-F09B-4ACB-93CB-5464B29553EA}" type="presOf" srcId="{3C112C4D-C41F-4713-93BC-8FFD5A97B353}" destId="{6D599228-6D6C-47C5-A566-1A7926F520BF}" srcOrd="0" destOrd="0" presId="urn:microsoft.com/office/officeart/2005/8/layout/lProcess2"/>
-    <dgm:cxn modelId="{42A94E9F-DC90-4F41-A371-1E5015D9551D}" type="presOf" srcId="{F1EF7BE0-DFEA-404D-9470-F025C1F407F6}" destId="{4D4B16E3-CE27-47F3-B4F9-312AC0AF1785}" srcOrd="0" destOrd="0" presId="urn:microsoft.com/office/officeart/2005/8/layout/lProcess2"/>
-    <dgm:cxn modelId="{80817F33-4C65-4E12-A8F6-9A62D212CE5F}" type="presOf" srcId="{80EDD9E6-6353-485E-B2CC-CB46574D0A15}" destId="{B531E442-7DBD-4364-882D-734FA22F2D65}" srcOrd="1" destOrd="0" presId="urn:microsoft.com/office/officeart/2005/8/layout/lProcess2"/>
-    <dgm:cxn modelId="{31C672A0-2396-4A0F-B072-CEE75394403D}" type="presOf" srcId="{F0CE9466-30AE-4E51-99CD-EC135D95FC77}" destId="{6A288B04-CEA4-42B1-B94C-9D0DBD4635EE}" srcOrd="0" destOrd="0" presId="urn:microsoft.com/office/officeart/2005/8/layout/lProcess2"/>
-    <dgm:cxn modelId="{B017DDE4-331A-4084-9DBD-DCC5B0028DE4}" srcId="{69D5B1E9-B4D8-4B96-9206-B3AA8E10EE2D}" destId="{40112CFE-C7F3-4E3C-BDF5-9788690A5B38}" srcOrd="1" destOrd="0" parTransId="{B8248448-3A04-4320-A60F-2F8EB3A0E418}" sibTransId="{531E4CD6-7347-49FF-9153-7B8CE54028A7}"/>
-    <dgm:cxn modelId="{18906DDF-5665-471C-948F-446B6B0CE60A}" type="presOf" srcId="{40112CFE-C7F3-4E3C-BDF5-9788690A5B38}" destId="{9A804D34-3C65-49F7-94F1-239C7C4572ED}" srcOrd="0" destOrd="0" presId="urn:microsoft.com/office/officeart/2005/8/layout/lProcess2"/>
+    <dgm:cxn modelId="{6057D5C7-6C19-4F90-B8F5-7B8F54812713}" srcId="{80EDD9E6-6353-485E-B2CC-CB46574D0A15}" destId="{64E66F6F-E268-46EB-AA3C-C654E73088F5}" srcOrd="0" destOrd="0" parTransId="{DCE191BF-B44D-4340-94F2-895A856EB7EC}" sibTransId="{A83188B6-0FDE-4130-AFDF-C1F60956B3C2}"/>
+    <dgm:cxn modelId="{D15626C7-AEC0-4B2D-A402-4AAD766834D2}" srcId="{69D5B1E9-B4D8-4B96-9206-B3AA8E10EE2D}" destId="{80EDD9E6-6353-485E-B2CC-CB46574D0A15}" srcOrd="0" destOrd="0" parTransId="{1C2AE9F7-ED24-4EBC-9E33-FE0B2BA15EFC}" sibTransId="{D8E6568B-68D8-4D67-B7D4-725C9B893E4B}"/>
     <dgm:cxn modelId="{6C92F3A3-54C8-42F1-A31B-E1AB4A9B3AE6}" type="presOf" srcId="{817459CB-A9F4-47CE-A2CE-B3C42B07B876}" destId="{9EDC9ED4-2924-44BA-BC1F-B7E4A321C400}" srcOrd="0" destOrd="0" presId="urn:microsoft.com/office/officeart/2005/8/layout/lProcess2"/>
-    <dgm:cxn modelId="{6057D5C7-6C19-4F90-B8F5-7B8F54812713}" srcId="{80EDD9E6-6353-485E-B2CC-CB46574D0A15}" destId="{64E66F6F-E268-46EB-AA3C-C654E73088F5}" srcOrd="0" destOrd="0" parTransId="{DCE191BF-B44D-4340-94F2-895A856EB7EC}" sibTransId="{A83188B6-0FDE-4130-AFDF-C1F60956B3C2}"/>
     <dgm:cxn modelId="{FFEDE89C-ED54-4CD8-B68C-B8CFB7D71197}" type="presParOf" srcId="{EB17C285-B7D4-41BA-A336-8A8AF64AAD7D}" destId="{6801D03D-3546-4FC9-BAA7-5BEA60DF1DEA}" srcOrd="0" destOrd="0" presId="urn:microsoft.com/office/officeart/2005/8/layout/lProcess2"/>
     <dgm:cxn modelId="{5A1189EB-6CF2-4184-88CB-506FC1386504}" type="presParOf" srcId="{6801D03D-3546-4FC9-BAA7-5BEA60DF1DEA}" destId="{1F40A12F-34AA-4EE6-AB1D-FFC421747C1F}" srcOrd="0" destOrd="0" presId="urn:microsoft.com/office/officeart/2005/8/layout/lProcess2"/>
     <dgm:cxn modelId="{B4119996-C35F-49D5-9BEA-0B8606DA38D1}" type="presParOf" srcId="{6801D03D-3546-4FC9-BAA7-5BEA60DF1DEA}" destId="{B531E442-7DBD-4364-882D-734FA22F2D65}" srcOrd="1" destOrd="0" presId="urn:microsoft.com/office/officeart/2005/8/layout/lProcess2"/>
@@ -6773,552 +6829,6 @@
       <dsp:cNvGrpSpPr/>
     </dsp:nvGrpSpPr>
     <dsp:grpSpPr/>
-    <dsp:sp modelId="{83565C9E-0594-4D8C-8938-6ABF457BFB7B}">
-      <dsp:nvSpPr>
-        <dsp:cNvPr id="0" name=""/>
-        <dsp:cNvSpPr/>
-      </dsp:nvSpPr>
-      <dsp:spPr>
-        <a:xfrm>
-          <a:off x="0" y="0"/>
-          <a:ext cx="6137211" cy="0"/>
-        </a:xfrm>
-        <a:prstGeom prst="line">
-          <a:avLst/>
-        </a:prstGeom>
-        <a:solidFill>
-          <a:schemeClr val="accent1">
-            <a:hueOff val="0"/>
-            <a:satOff val="0"/>
-            <a:lumOff val="0"/>
-            <a:alphaOff val="0"/>
-          </a:schemeClr>
-        </a:solidFill>
-        <a:ln w="12700" cap="flat" cmpd="sng" algn="ctr">
-          <a:solidFill>
-            <a:schemeClr val="accent1">
-              <a:hueOff val="0"/>
-              <a:satOff val="0"/>
-              <a:lumOff val="0"/>
-              <a:alphaOff val="0"/>
-            </a:schemeClr>
-          </a:solidFill>
-          <a:prstDash val="solid"/>
-          <a:miter lim="800000"/>
-        </a:ln>
-        <a:effectLst/>
-      </dsp:spPr>
-      <dsp:style>
-        <a:lnRef idx="2">
-          <a:scrgbClr r="0" g="0" b="0"/>
-        </a:lnRef>
-        <a:fillRef idx="1">
-          <a:scrgbClr r="0" g="0" b="0"/>
-        </a:fillRef>
-        <a:effectRef idx="0">
-          <a:scrgbClr r="0" g="0" b="0"/>
-        </a:effectRef>
-        <a:fontRef idx="minor">
-          <a:schemeClr val="lt1"/>
-        </a:fontRef>
-      </dsp:style>
-    </dsp:sp>
-    <dsp:sp modelId="{50748A84-9144-4941-93ED-BF34E89EC692}">
-      <dsp:nvSpPr>
-        <dsp:cNvPr id="0" name=""/>
-        <dsp:cNvSpPr/>
-      </dsp:nvSpPr>
-      <dsp:spPr>
-        <a:xfrm>
-          <a:off x="0" y="0"/>
-          <a:ext cx="1227442" cy="3393424"/>
-        </a:xfrm>
-        <a:prstGeom prst="rect">
-          <a:avLst/>
-        </a:prstGeom>
-        <a:noFill/>
-        <a:ln>
-          <a:noFill/>
-        </a:ln>
-        <a:effectLst/>
-      </dsp:spPr>
-      <dsp:style>
-        <a:lnRef idx="0">
-          <a:scrgbClr r="0" g="0" b="0"/>
-        </a:lnRef>
-        <a:fillRef idx="0">
-          <a:scrgbClr r="0" g="0" b="0"/>
-        </a:fillRef>
-        <a:effectRef idx="0">
-          <a:scrgbClr r="0" g="0" b="0"/>
-        </a:effectRef>
-        <a:fontRef idx="minor"/>
-      </dsp:style>
-      <dsp:txBody>
-        <a:bodyPr spcFirstLastPara="0" vert="horz" wrap="square" lIns="247650" tIns="247650" rIns="247650" bIns="247650" numCol="1" spcCol="1270" anchor="t" anchorCtr="0">
-          <a:noAutofit/>
-        </a:bodyPr>
-        <a:lstStyle/>
-        <a:p>
-          <a:pPr lvl="0" algn="l" defTabSz="2889250">
-            <a:lnSpc>
-              <a:spcPct val="90000"/>
-            </a:lnSpc>
-            <a:spcBef>
-              <a:spcPct val="0"/>
-            </a:spcBef>
-            <a:spcAft>
-              <a:spcPct val="35000"/>
-            </a:spcAft>
-          </a:pPr>
-          <a:r>
-            <a:rPr lang="en-US" sz="6500" kern="1200" dirty="0" smtClean="0"/>
-            <a:t> </a:t>
-          </a:r>
-          <a:endParaRPr lang="en-US" sz="6500" kern="1200" dirty="0"/>
-        </a:p>
-      </dsp:txBody>
-      <dsp:txXfrm>
-        <a:off x="0" y="0"/>
-        <a:ext cx="1227442" cy="3393424"/>
-      </dsp:txXfrm>
-    </dsp:sp>
-    <dsp:sp modelId="{FA2E4889-7C1D-4C73-B393-D8003E434836}">
-      <dsp:nvSpPr>
-        <dsp:cNvPr id="0" name=""/>
-        <dsp:cNvSpPr/>
-      </dsp:nvSpPr>
-      <dsp:spPr>
-        <a:xfrm>
-          <a:off x="1319500" y="39890"/>
-          <a:ext cx="4817710" cy="797819"/>
-        </a:xfrm>
-        <a:prstGeom prst="rect">
-          <a:avLst/>
-        </a:prstGeom>
-        <a:noFill/>
-        <a:ln>
-          <a:noFill/>
-        </a:ln>
-        <a:effectLst/>
-      </dsp:spPr>
-      <dsp:style>
-        <a:lnRef idx="0">
-          <a:scrgbClr r="0" g="0" b="0"/>
-        </a:lnRef>
-        <a:fillRef idx="0">
-          <a:scrgbClr r="0" g="0" b="0"/>
-        </a:fillRef>
-        <a:effectRef idx="0">
-          <a:scrgbClr r="0" g="0" b="0"/>
-        </a:effectRef>
-        <a:fontRef idx="minor"/>
-      </dsp:style>
-      <dsp:txBody>
-        <a:bodyPr spcFirstLastPara="0" vert="horz" wrap="square" lIns="91440" tIns="91440" rIns="91440" bIns="91440" numCol="1" spcCol="1270" anchor="t" anchorCtr="0">
-          <a:noAutofit/>
-        </a:bodyPr>
-        <a:lstStyle/>
-        <a:p>
-          <a:pPr lvl="0" algn="l" defTabSz="1066800">
-            <a:lnSpc>
-              <a:spcPct val="90000"/>
-            </a:lnSpc>
-            <a:spcBef>
-              <a:spcPct val="0"/>
-            </a:spcBef>
-            <a:spcAft>
-              <a:spcPct val="35000"/>
-            </a:spcAft>
-          </a:pPr>
-          <a:r>
-            <a:rPr lang="en-US" sz="2400" kern="1200" dirty="0" smtClean="0"/>
-            <a:t>I. TỔNG QUAN</a:t>
-          </a:r>
-          <a:endParaRPr lang="en-US" sz="2400" kern="1200" dirty="0"/>
-        </a:p>
-      </dsp:txBody>
-      <dsp:txXfrm>
-        <a:off x="1319500" y="39890"/>
-        <a:ext cx="4817710" cy="797819"/>
-      </dsp:txXfrm>
-    </dsp:sp>
-    <dsp:sp modelId="{3B09C323-ADD7-40EC-8BA0-AA4B89D9FECD}">
-      <dsp:nvSpPr>
-        <dsp:cNvPr id="0" name=""/>
-        <dsp:cNvSpPr/>
-      </dsp:nvSpPr>
-      <dsp:spPr>
-        <a:xfrm>
-          <a:off x="1227442" y="837710"/>
-          <a:ext cx="4909768" cy="0"/>
-        </a:xfrm>
-        <a:prstGeom prst="line">
-          <a:avLst/>
-        </a:prstGeom>
-        <a:solidFill>
-          <a:schemeClr val="accent1">
-            <a:hueOff val="0"/>
-            <a:satOff val="0"/>
-            <a:lumOff val="0"/>
-            <a:alphaOff val="0"/>
-          </a:schemeClr>
-        </a:solidFill>
-        <a:ln w="12700" cap="flat" cmpd="sng" algn="ctr">
-          <a:solidFill>
-            <a:schemeClr val="accent1">
-              <a:tint val="50000"/>
-              <a:hueOff val="0"/>
-              <a:satOff val="0"/>
-              <a:lumOff val="0"/>
-              <a:alphaOff val="0"/>
-            </a:schemeClr>
-          </a:solidFill>
-          <a:prstDash val="solid"/>
-          <a:miter lim="800000"/>
-        </a:ln>
-        <a:effectLst/>
-      </dsp:spPr>
-      <dsp:style>
-        <a:lnRef idx="2">
-          <a:scrgbClr r="0" g="0" b="0"/>
-        </a:lnRef>
-        <a:fillRef idx="1">
-          <a:scrgbClr r="0" g="0" b="0"/>
-        </a:fillRef>
-        <a:effectRef idx="0">
-          <a:scrgbClr r="0" g="0" b="0"/>
-        </a:effectRef>
-        <a:fontRef idx="minor"/>
-      </dsp:style>
-    </dsp:sp>
-    <dsp:sp modelId="{34A6A494-EA79-43DC-94CF-E449C664DA2B}">
-      <dsp:nvSpPr>
-        <dsp:cNvPr id="0" name=""/>
-        <dsp:cNvSpPr/>
-      </dsp:nvSpPr>
-      <dsp:spPr>
-        <a:xfrm>
-          <a:off x="1319500" y="877601"/>
-          <a:ext cx="4817710" cy="797819"/>
-        </a:xfrm>
-        <a:prstGeom prst="rect">
-          <a:avLst/>
-        </a:prstGeom>
-        <a:noFill/>
-        <a:ln>
-          <a:noFill/>
-        </a:ln>
-        <a:effectLst/>
-      </dsp:spPr>
-      <dsp:style>
-        <a:lnRef idx="0">
-          <a:scrgbClr r="0" g="0" b="0"/>
-        </a:lnRef>
-        <a:fillRef idx="0">
-          <a:scrgbClr r="0" g="0" b="0"/>
-        </a:fillRef>
-        <a:effectRef idx="0">
-          <a:scrgbClr r="0" g="0" b="0"/>
-        </a:effectRef>
-        <a:fontRef idx="minor"/>
-      </dsp:style>
-      <dsp:txBody>
-        <a:bodyPr spcFirstLastPara="0" vert="horz" wrap="square" lIns="91440" tIns="91440" rIns="91440" bIns="91440" numCol="1" spcCol="1270" anchor="t" anchorCtr="0">
-          <a:noAutofit/>
-        </a:bodyPr>
-        <a:lstStyle/>
-        <a:p>
-          <a:pPr lvl="0" algn="l" defTabSz="1066800">
-            <a:lnSpc>
-              <a:spcPct val="90000"/>
-            </a:lnSpc>
-            <a:spcBef>
-              <a:spcPct val="0"/>
-            </a:spcBef>
-            <a:spcAft>
-              <a:spcPct val="35000"/>
-            </a:spcAft>
-          </a:pPr>
-          <a:r>
-            <a:rPr lang="en-US" sz="2400" kern="1200" dirty="0" smtClean="0"/>
-            <a:t>II. PHÂN TÍCH THIẾT KẾ</a:t>
-          </a:r>
-          <a:endParaRPr lang="en-US" sz="2400" kern="1200" dirty="0"/>
-        </a:p>
-      </dsp:txBody>
-      <dsp:txXfrm>
-        <a:off x="1319500" y="877601"/>
-        <a:ext cx="4817710" cy="797819"/>
-      </dsp:txXfrm>
-    </dsp:sp>
-    <dsp:sp modelId="{E544A12B-D8EC-4C95-A3FF-6BE64EF079D5}">
-      <dsp:nvSpPr>
-        <dsp:cNvPr id="0" name=""/>
-        <dsp:cNvSpPr/>
-      </dsp:nvSpPr>
-      <dsp:spPr>
-        <a:xfrm>
-          <a:off x="1227442" y="1675420"/>
-          <a:ext cx="4909768" cy="0"/>
-        </a:xfrm>
-        <a:prstGeom prst="line">
-          <a:avLst/>
-        </a:prstGeom>
-        <a:solidFill>
-          <a:schemeClr val="accent1">
-            <a:hueOff val="0"/>
-            <a:satOff val="0"/>
-            <a:lumOff val="0"/>
-            <a:alphaOff val="0"/>
-          </a:schemeClr>
-        </a:solidFill>
-        <a:ln w="12700" cap="flat" cmpd="sng" algn="ctr">
-          <a:solidFill>
-            <a:schemeClr val="accent1">
-              <a:tint val="50000"/>
-              <a:hueOff val="0"/>
-              <a:satOff val="0"/>
-              <a:lumOff val="0"/>
-              <a:alphaOff val="0"/>
-            </a:schemeClr>
-          </a:solidFill>
-          <a:prstDash val="solid"/>
-          <a:miter lim="800000"/>
-        </a:ln>
-        <a:effectLst/>
-      </dsp:spPr>
-      <dsp:style>
-        <a:lnRef idx="2">
-          <a:scrgbClr r="0" g="0" b="0"/>
-        </a:lnRef>
-        <a:fillRef idx="1">
-          <a:scrgbClr r="0" g="0" b="0"/>
-        </a:fillRef>
-        <a:effectRef idx="0">
-          <a:scrgbClr r="0" g="0" b="0"/>
-        </a:effectRef>
-        <a:fontRef idx="minor"/>
-      </dsp:style>
-    </dsp:sp>
-    <dsp:sp modelId="{AA7B1648-EB08-4CCB-A4A3-7702202449DF}">
-      <dsp:nvSpPr>
-        <dsp:cNvPr id="0" name=""/>
-        <dsp:cNvSpPr/>
-      </dsp:nvSpPr>
-      <dsp:spPr>
-        <a:xfrm>
-          <a:off x="1319500" y="1715311"/>
-          <a:ext cx="4817710" cy="797819"/>
-        </a:xfrm>
-        <a:prstGeom prst="rect">
-          <a:avLst/>
-        </a:prstGeom>
-        <a:noFill/>
-        <a:ln>
-          <a:noFill/>
-        </a:ln>
-        <a:effectLst/>
-      </dsp:spPr>
-      <dsp:style>
-        <a:lnRef idx="0">
-          <a:scrgbClr r="0" g="0" b="0"/>
-        </a:lnRef>
-        <a:fillRef idx="0">
-          <a:scrgbClr r="0" g="0" b="0"/>
-        </a:fillRef>
-        <a:effectRef idx="0">
-          <a:scrgbClr r="0" g="0" b="0"/>
-        </a:effectRef>
-        <a:fontRef idx="minor"/>
-      </dsp:style>
-      <dsp:txBody>
-        <a:bodyPr spcFirstLastPara="0" vert="horz" wrap="square" lIns="91440" tIns="91440" rIns="91440" bIns="91440" numCol="1" spcCol="1270" anchor="t" anchorCtr="0">
-          <a:noAutofit/>
-        </a:bodyPr>
-        <a:lstStyle/>
-        <a:p>
-          <a:pPr lvl="0" algn="l" defTabSz="1066800">
-            <a:lnSpc>
-              <a:spcPct val="90000"/>
-            </a:lnSpc>
-            <a:spcBef>
-              <a:spcPct val="0"/>
-            </a:spcBef>
-            <a:spcAft>
-              <a:spcPct val="35000"/>
-            </a:spcAft>
-          </a:pPr>
-          <a:r>
-            <a:rPr lang="en-US" sz="2400" kern="1200" dirty="0" smtClean="0"/>
-            <a:t>III. DEMO SẢN PHẨM</a:t>
-          </a:r>
-          <a:endParaRPr lang="en-US" sz="2400" kern="1200" dirty="0"/>
-        </a:p>
-      </dsp:txBody>
-      <dsp:txXfrm>
-        <a:off x="1319500" y="1715311"/>
-        <a:ext cx="4817710" cy="797819"/>
-      </dsp:txXfrm>
-    </dsp:sp>
-    <dsp:sp modelId="{15BF5A0F-D5CD-42BF-B8E9-8EA1B3BC0140}">
-      <dsp:nvSpPr>
-        <dsp:cNvPr id="0" name=""/>
-        <dsp:cNvSpPr/>
-      </dsp:nvSpPr>
-      <dsp:spPr>
-        <a:xfrm>
-          <a:off x="1227442" y="2513130"/>
-          <a:ext cx="4909768" cy="0"/>
-        </a:xfrm>
-        <a:prstGeom prst="line">
-          <a:avLst/>
-        </a:prstGeom>
-        <a:solidFill>
-          <a:schemeClr val="accent1">
-            <a:hueOff val="0"/>
-            <a:satOff val="0"/>
-            <a:lumOff val="0"/>
-            <a:alphaOff val="0"/>
-          </a:schemeClr>
-        </a:solidFill>
-        <a:ln w="12700" cap="flat" cmpd="sng" algn="ctr">
-          <a:solidFill>
-            <a:schemeClr val="accent1">
-              <a:tint val="50000"/>
-              <a:hueOff val="0"/>
-              <a:satOff val="0"/>
-              <a:lumOff val="0"/>
-              <a:alphaOff val="0"/>
-            </a:schemeClr>
-          </a:solidFill>
-          <a:prstDash val="solid"/>
-          <a:miter lim="800000"/>
-        </a:ln>
-        <a:effectLst/>
-      </dsp:spPr>
-      <dsp:style>
-        <a:lnRef idx="2">
-          <a:scrgbClr r="0" g="0" b="0"/>
-        </a:lnRef>
-        <a:fillRef idx="1">
-          <a:scrgbClr r="0" g="0" b="0"/>
-        </a:fillRef>
-        <a:effectRef idx="0">
-          <a:scrgbClr r="0" g="0" b="0"/>
-        </a:effectRef>
-        <a:fontRef idx="minor"/>
-      </dsp:style>
-    </dsp:sp>
-    <dsp:sp modelId="{83DE6E1B-BA5D-4032-A3FA-169C902361B6}">
-      <dsp:nvSpPr>
-        <dsp:cNvPr id="0" name=""/>
-        <dsp:cNvSpPr/>
-      </dsp:nvSpPr>
-      <dsp:spPr>
-        <a:xfrm>
-          <a:off x="1319500" y="2553021"/>
-          <a:ext cx="4817710" cy="797819"/>
-        </a:xfrm>
-        <a:prstGeom prst="rect">
-          <a:avLst/>
-        </a:prstGeom>
-        <a:noFill/>
-        <a:ln>
-          <a:noFill/>
-        </a:ln>
-        <a:effectLst/>
-      </dsp:spPr>
-      <dsp:style>
-        <a:lnRef idx="0">
-          <a:scrgbClr r="0" g="0" b="0"/>
-        </a:lnRef>
-        <a:fillRef idx="0">
-          <a:scrgbClr r="0" g="0" b="0"/>
-        </a:fillRef>
-        <a:effectRef idx="0">
-          <a:scrgbClr r="0" g="0" b="0"/>
-        </a:effectRef>
-        <a:fontRef idx="minor"/>
-      </dsp:style>
-      <dsp:txBody>
-        <a:bodyPr spcFirstLastPara="0" vert="horz" wrap="square" lIns="91440" tIns="91440" rIns="91440" bIns="91440" numCol="1" spcCol="1270" anchor="t" anchorCtr="0">
-          <a:noAutofit/>
-        </a:bodyPr>
-        <a:lstStyle/>
-        <a:p>
-          <a:pPr lvl="0" algn="l" defTabSz="1066800">
-            <a:lnSpc>
-              <a:spcPct val="90000"/>
-            </a:lnSpc>
-            <a:spcBef>
-              <a:spcPct val="0"/>
-            </a:spcBef>
-            <a:spcAft>
-              <a:spcPct val="35000"/>
-            </a:spcAft>
-          </a:pPr>
-          <a:r>
-            <a:rPr lang="en-US" sz="2400" kern="1200" dirty="0" smtClean="0"/>
-            <a:t>IV. HẠN CHẾ VÀ HƯỚNG PHÁT TRIỂN</a:t>
-          </a:r>
-          <a:endParaRPr lang="en-US" sz="2400" kern="1200" dirty="0"/>
-        </a:p>
-      </dsp:txBody>
-      <dsp:txXfrm>
-        <a:off x="1319500" y="2553021"/>
-        <a:ext cx="4817710" cy="797819"/>
-      </dsp:txXfrm>
-    </dsp:sp>
-    <dsp:sp modelId="{56D011DE-6AC0-4FB2-A4EE-1946C5707B6E}">
-      <dsp:nvSpPr>
-        <dsp:cNvPr id="0" name=""/>
-        <dsp:cNvSpPr/>
-      </dsp:nvSpPr>
-      <dsp:spPr>
-        <a:xfrm>
-          <a:off x="1227442" y="3350840"/>
-          <a:ext cx="4909768" cy="0"/>
-        </a:xfrm>
-        <a:prstGeom prst="line">
-          <a:avLst/>
-        </a:prstGeom>
-        <a:solidFill>
-          <a:schemeClr val="accent1">
-            <a:hueOff val="0"/>
-            <a:satOff val="0"/>
-            <a:lumOff val="0"/>
-            <a:alphaOff val="0"/>
-          </a:schemeClr>
-        </a:solidFill>
-        <a:ln w="12700" cap="flat" cmpd="sng" algn="ctr">
-          <a:solidFill>
-            <a:schemeClr val="accent1">
-              <a:tint val="50000"/>
-              <a:hueOff val="0"/>
-              <a:satOff val="0"/>
-              <a:lumOff val="0"/>
-              <a:alphaOff val="0"/>
-            </a:schemeClr>
-          </a:solidFill>
-          <a:prstDash val="solid"/>
-          <a:miter lim="800000"/>
-        </a:ln>
-        <a:effectLst/>
-      </dsp:spPr>
-      <dsp:style>
-        <a:lnRef idx="2">
-          <a:scrgbClr r="0" g="0" b="0"/>
-        </a:lnRef>
-        <a:fillRef idx="1">
-          <a:scrgbClr r="0" g="0" b="0"/>
-        </a:fillRef>
-        <a:effectRef idx="0">
-          <a:scrgbClr r="0" g="0" b="0"/>
-        </a:effectRef>
-        <a:fontRef idx="minor"/>
-      </dsp:style>
-    </dsp:sp>
   </dsp:spTree>
 </dsp:drawing>
 </file>
@@ -7331,937 +6841,6 @@
       <dsp:cNvGrpSpPr/>
     </dsp:nvGrpSpPr>
     <dsp:grpSpPr/>
-    <dsp:sp modelId="{71C37F8A-B3D1-4155-A8D1-739256496130}">
-      <dsp:nvSpPr>
-        <dsp:cNvPr id="0" name=""/>
-        <dsp:cNvSpPr/>
-      </dsp:nvSpPr>
-      <dsp:spPr>
-        <a:xfrm rot="5400000">
-          <a:off x="5385484" y="-2313640"/>
-          <a:ext cx="562213" cy="5333262"/>
-        </a:xfrm>
-        <a:prstGeom prst="round2SameRect">
-          <a:avLst/>
-        </a:prstGeom>
-        <a:solidFill>
-          <a:schemeClr val="accent1">
-            <a:alpha val="90000"/>
-            <a:tint val="40000"/>
-            <a:hueOff val="0"/>
-            <a:satOff val="0"/>
-            <a:lumOff val="0"/>
-            <a:alphaOff val="0"/>
-          </a:schemeClr>
-        </a:solidFill>
-        <a:ln w="12700" cap="flat" cmpd="sng" algn="ctr">
-          <a:solidFill>
-            <a:schemeClr val="accent1">
-              <a:alpha val="90000"/>
-              <a:tint val="40000"/>
-              <a:hueOff val="0"/>
-              <a:satOff val="0"/>
-              <a:lumOff val="0"/>
-              <a:alphaOff val="0"/>
-            </a:schemeClr>
-          </a:solidFill>
-          <a:prstDash val="solid"/>
-          <a:miter lim="800000"/>
-        </a:ln>
-        <a:effectLst/>
-      </dsp:spPr>
-      <dsp:style>
-        <a:lnRef idx="2">
-          <a:scrgbClr r="0" g="0" b="0"/>
-        </a:lnRef>
-        <a:fillRef idx="1">
-          <a:scrgbClr r="0" g="0" b="0"/>
-        </a:fillRef>
-        <a:effectRef idx="0">
-          <a:scrgbClr r="0" g="0" b="0"/>
-        </a:effectRef>
-        <a:fontRef idx="minor"/>
-      </dsp:style>
-      <dsp:txBody>
-        <a:bodyPr spcFirstLastPara="0" vert="horz" wrap="square" lIns="87630" tIns="43815" rIns="87630" bIns="43815" numCol="1" spcCol="1270" anchor="ctr" anchorCtr="0">
-          <a:noAutofit/>
-        </a:bodyPr>
-        <a:lstStyle/>
-        <a:p>
-          <a:pPr marL="228600" lvl="1" indent="-228600" algn="l" defTabSz="1022350">
-            <a:lnSpc>
-              <a:spcPct val="90000"/>
-            </a:lnSpc>
-            <a:spcBef>
-              <a:spcPct val="0"/>
-            </a:spcBef>
-            <a:spcAft>
-              <a:spcPct val="15000"/>
-            </a:spcAft>
-            <a:buChar char="••"/>
-          </a:pPr>
-          <a:r>
-            <a:rPr lang="en-US" sz="2300" kern="1200" dirty="0" err="1" smtClean="0"/>
-            <a:t>Xuất</a:t>
-          </a:r>
-          <a:r>
-            <a:rPr lang="en-US" sz="2300" kern="1200" dirty="0" smtClean="0"/>
-            <a:t> phát từ </a:t>
-          </a:r>
-          <a:r>
-            <a:rPr lang="en-US" sz="2300" kern="1200" dirty="0" err="1" smtClean="0"/>
-            <a:t>nhu</a:t>
-          </a:r>
-          <a:r>
-            <a:rPr lang="en-US" sz="2300" kern="1200" dirty="0" smtClean="0"/>
-            <a:t> cầu </a:t>
-          </a:r>
-          <a:r>
-            <a:rPr lang="en-US" sz="2300" kern="1200" dirty="0" err="1" smtClean="0"/>
-            <a:t>thực</a:t>
-          </a:r>
-          <a:r>
-            <a:rPr lang="en-US" sz="2300" kern="1200" dirty="0" smtClean="0"/>
-            <a:t> </a:t>
-          </a:r>
-          <a:r>
-            <a:rPr lang="en-US" sz="2300" kern="1200" dirty="0" err="1" smtClean="0"/>
-            <a:t>tiễn</a:t>
-          </a:r>
-          <a:endParaRPr lang="en-US" sz="2300" kern="1200" dirty="0"/>
-        </a:p>
-      </dsp:txBody>
-      <dsp:txXfrm rot="-5400000">
-        <a:off x="2999960" y="99329"/>
-        <a:ext cx="5305817" cy="507323"/>
-      </dsp:txXfrm>
-    </dsp:sp>
-    <dsp:sp modelId="{73F6D6BF-BF27-42ED-A0B0-0C67AEDEA3A8}">
-      <dsp:nvSpPr>
-        <dsp:cNvPr id="0" name=""/>
-        <dsp:cNvSpPr/>
-      </dsp:nvSpPr>
-      <dsp:spPr>
-        <a:xfrm>
-          <a:off x="0" y="1607"/>
-          <a:ext cx="2999959" cy="702766"/>
-        </a:xfrm>
-        <a:prstGeom prst="roundRect">
-          <a:avLst/>
-        </a:prstGeom>
-        <a:solidFill>
-          <a:schemeClr val="accent1">
-            <a:hueOff val="0"/>
-            <a:satOff val="0"/>
-            <a:lumOff val="0"/>
-            <a:alphaOff val="0"/>
-          </a:schemeClr>
-        </a:solidFill>
-        <a:ln w="12700" cap="flat" cmpd="sng" algn="ctr">
-          <a:solidFill>
-            <a:schemeClr val="lt1">
-              <a:hueOff val="0"/>
-              <a:satOff val="0"/>
-              <a:lumOff val="0"/>
-              <a:alphaOff val="0"/>
-            </a:schemeClr>
-          </a:solidFill>
-          <a:prstDash val="solid"/>
-          <a:miter lim="800000"/>
-        </a:ln>
-        <a:effectLst/>
-      </dsp:spPr>
-      <dsp:style>
-        <a:lnRef idx="2">
-          <a:scrgbClr r="0" g="0" b="0"/>
-        </a:lnRef>
-        <a:fillRef idx="1">
-          <a:scrgbClr r="0" g="0" b="0"/>
-        </a:fillRef>
-        <a:effectRef idx="0">
-          <a:scrgbClr r="0" g="0" b="0"/>
-        </a:effectRef>
-        <a:fontRef idx="minor">
-          <a:schemeClr val="lt1"/>
-        </a:fontRef>
-      </dsp:style>
-      <dsp:txBody>
-        <a:bodyPr spcFirstLastPara="0" vert="horz" wrap="square" lIns="133350" tIns="66675" rIns="133350" bIns="66675" numCol="1" spcCol="1270" anchor="ctr" anchorCtr="0">
-          <a:noAutofit/>
-        </a:bodyPr>
-        <a:lstStyle/>
-        <a:p>
-          <a:pPr lvl="0" algn="ctr" defTabSz="1555750">
-            <a:lnSpc>
-              <a:spcPct val="90000"/>
-            </a:lnSpc>
-            <a:spcBef>
-              <a:spcPct val="0"/>
-            </a:spcBef>
-            <a:spcAft>
-              <a:spcPct val="35000"/>
-            </a:spcAft>
-          </a:pPr>
-          <a:r>
-            <a:rPr lang="en-US" sz="3500" kern="1200" dirty="0" smtClean="0"/>
-            <a:t>1</a:t>
-          </a:r>
-          <a:endParaRPr lang="en-US" sz="3500" kern="1200" dirty="0"/>
-        </a:p>
-      </dsp:txBody>
-      <dsp:txXfrm>
-        <a:off x="34306" y="35913"/>
-        <a:ext cx="2931347" cy="634154"/>
-      </dsp:txXfrm>
-    </dsp:sp>
-    <dsp:sp modelId="{AA46F2AA-B658-4E21-83C2-6797D36CC435}">
-      <dsp:nvSpPr>
-        <dsp:cNvPr id="0" name=""/>
-        <dsp:cNvSpPr/>
-      </dsp:nvSpPr>
-      <dsp:spPr>
-        <a:xfrm rot="5400000">
-          <a:off x="5385484" y="-1575735"/>
-          <a:ext cx="562213" cy="5333262"/>
-        </a:xfrm>
-        <a:prstGeom prst="round2SameRect">
-          <a:avLst/>
-        </a:prstGeom>
-        <a:solidFill>
-          <a:schemeClr val="accent1">
-            <a:alpha val="90000"/>
-            <a:tint val="40000"/>
-            <a:hueOff val="0"/>
-            <a:satOff val="0"/>
-            <a:lumOff val="0"/>
-            <a:alphaOff val="0"/>
-          </a:schemeClr>
-        </a:solidFill>
-        <a:ln w="12700" cap="flat" cmpd="sng" algn="ctr">
-          <a:solidFill>
-            <a:schemeClr val="accent1">
-              <a:alpha val="90000"/>
-              <a:tint val="40000"/>
-              <a:hueOff val="0"/>
-              <a:satOff val="0"/>
-              <a:lumOff val="0"/>
-              <a:alphaOff val="0"/>
-            </a:schemeClr>
-          </a:solidFill>
-          <a:prstDash val="solid"/>
-          <a:miter lim="800000"/>
-        </a:ln>
-        <a:effectLst/>
-      </dsp:spPr>
-      <dsp:style>
-        <a:lnRef idx="2">
-          <a:scrgbClr r="0" g="0" b="0"/>
-        </a:lnRef>
-        <a:fillRef idx="1">
-          <a:scrgbClr r="0" g="0" b="0"/>
-        </a:fillRef>
-        <a:effectRef idx="0">
-          <a:scrgbClr r="0" g="0" b="0"/>
-        </a:effectRef>
-        <a:fontRef idx="minor"/>
-      </dsp:style>
-      <dsp:txBody>
-        <a:bodyPr spcFirstLastPara="0" vert="horz" wrap="square" lIns="87630" tIns="43815" rIns="87630" bIns="43815" numCol="1" spcCol="1270" anchor="ctr" anchorCtr="0">
-          <a:noAutofit/>
-        </a:bodyPr>
-        <a:lstStyle/>
-        <a:p>
-          <a:pPr marL="228600" lvl="1" indent="-228600" algn="l" defTabSz="1022350">
-            <a:lnSpc>
-              <a:spcPct val="90000"/>
-            </a:lnSpc>
-            <a:spcBef>
-              <a:spcPct val="0"/>
-            </a:spcBef>
-            <a:spcAft>
-              <a:spcPct val="15000"/>
-            </a:spcAft>
-            <a:buChar char="••"/>
-          </a:pPr>
-          <a:r>
-            <a:rPr lang="en-US" sz="2300" kern="1200" dirty="0" smtClean="0"/>
-            <a:t>Xu </a:t>
-          </a:r>
-          <a:r>
-            <a:rPr lang="en-US" sz="2300" kern="1200" dirty="0" err="1" smtClean="0"/>
-            <a:t>hướng</a:t>
-          </a:r>
-          <a:r>
-            <a:rPr lang="en-US" sz="2300" kern="1200" dirty="0" smtClean="0"/>
-            <a:t> số </a:t>
-          </a:r>
-          <a:r>
-            <a:rPr lang="en-US" sz="2300" kern="1200" dirty="0" err="1" smtClean="0"/>
-            <a:t>hóa</a:t>
-          </a:r>
-          <a:endParaRPr lang="en-US" sz="2300" kern="1200" dirty="0"/>
-        </a:p>
-      </dsp:txBody>
-      <dsp:txXfrm rot="-5400000">
-        <a:off x="2999960" y="837234"/>
-        <a:ext cx="5305817" cy="507323"/>
-      </dsp:txXfrm>
-    </dsp:sp>
-    <dsp:sp modelId="{57E28B48-5DB5-42A1-975F-BC9F15047F74}">
-      <dsp:nvSpPr>
-        <dsp:cNvPr id="0" name=""/>
-        <dsp:cNvSpPr/>
-      </dsp:nvSpPr>
-      <dsp:spPr>
-        <a:xfrm>
-          <a:off x="0" y="739512"/>
-          <a:ext cx="2999959" cy="702766"/>
-        </a:xfrm>
-        <a:prstGeom prst="roundRect">
-          <a:avLst/>
-        </a:prstGeom>
-        <a:solidFill>
-          <a:schemeClr val="accent1">
-            <a:hueOff val="0"/>
-            <a:satOff val="0"/>
-            <a:lumOff val="0"/>
-            <a:alphaOff val="0"/>
-          </a:schemeClr>
-        </a:solidFill>
-        <a:ln w="12700" cap="flat" cmpd="sng" algn="ctr">
-          <a:solidFill>
-            <a:schemeClr val="lt1">
-              <a:hueOff val="0"/>
-              <a:satOff val="0"/>
-              <a:lumOff val="0"/>
-              <a:alphaOff val="0"/>
-            </a:schemeClr>
-          </a:solidFill>
-          <a:prstDash val="solid"/>
-          <a:miter lim="800000"/>
-        </a:ln>
-        <a:effectLst/>
-      </dsp:spPr>
-      <dsp:style>
-        <a:lnRef idx="2">
-          <a:scrgbClr r="0" g="0" b="0"/>
-        </a:lnRef>
-        <a:fillRef idx="1">
-          <a:scrgbClr r="0" g="0" b="0"/>
-        </a:fillRef>
-        <a:effectRef idx="0">
-          <a:scrgbClr r="0" g="0" b="0"/>
-        </a:effectRef>
-        <a:fontRef idx="minor">
-          <a:schemeClr val="lt1"/>
-        </a:fontRef>
-      </dsp:style>
-      <dsp:txBody>
-        <a:bodyPr spcFirstLastPara="0" vert="horz" wrap="square" lIns="133350" tIns="66675" rIns="133350" bIns="66675" numCol="1" spcCol="1270" anchor="ctr" anchorCtr="0">
-          <a:noAutofit/>
-        </a:bodyPr>
-        <a:lstStyle/>
-        <a:p>
-          <a:pPr lvl="0" algn="ctr" defTabSz="1555750">
-            <a:lnSpc>
-              <a:spcPct val="90000"/>
-            </a:lnSpc>
-            <a:spcBef>
-              <a:spcPct val="0"/>
-            </a:spcBef>
-            <a:spcAft>
-              <a:spcPct val="35000"/>
-            </a:spcAft>
-          </a:pPr>
-          <a:r>
-            <a:rPr lang="en-US" sz="3500" kern="1200" dirty="0" smtClean="0"/>
-            <a:t>2</a:t>
-          </a:r>
-          <a:endParaRPr lang="en-US" sz="3500" kern="1200" dirty="0"/>
-        </a:p>
-      </dsp:txBody>
-      <dsp:txXfrm>
-        <a:off x="34306" y="773818"/>
-        <a:ext cx="2931347" cy="634154"/>
-      </dsp:txXfrm>
-    </dsp:sp>
-    <dsp:sp modelId="{AC82D7C3-F7AA-4E9F-82C8-D0C59B9F8F51}">
-      <dsp:nvSpPr>
-        <dsp:cNvPr id="0" name=""/>
-        <dsp:cNvSpPr/>
-      </dsp:nvSpPr>
-      <dsp:spPr>
-        <a:xfrm rot="5400000">
-          <a:off x="5385484" y="-837830"/>
-          <a:ext cx="562213" cy="5333262"/>
-        </a:xfrm>
-        <a:prstGeom prst="round2SameRect">
-          <a:avLst/>
-        </a:prstGeom>
-        <a:solidFill>
-          <a:schemeClr val="accent1">
-            <a:alpha val="90000"/>
-            <a:tint val="40000"/>
-            <a:hueOff val="0"/>
-            <a:satOff val="0"/>
-            <a:lumOff val="0"/>
-            <a:alphaOff val="0"/>
-          </a:schemeClr>
-        </a:solidFill>
-        <a:ln w="12700" cap="flat" cmpd="sng" algn="ctr">
-          <a:solidFill>
-            <a:schemeClr val="accent1">
-              <a:alpha val="90000"/>
-              <a:tint val="40000"/>
-              <a:hueOff val="0"/>
-              <a:satOff val="0"/>
-              <a:lumOff val="0"/>
-              <a:alphaOff val="0"/>
-            </a:schemeClr>
-          </a:solidFill>
-          <a:prstDash val="solid"/>
-          <a:miter lim="800000"/>
-        </a:ln>
-        <a:effectLst/>
-      </dsp:spPr>
-      <dsp:style>
-        <a:lnRef idx="2">
-          <a:scrgbClr r="0" g="0" b="0"/>
-        </a:lnRef>
-        <a:fillRef idx="1">
-          <a:scrgbClr r="0" g="0" b="0"/>
-        </a:fillRef>
-        <a:effectRef idx="0">
-          <a:scrgbClr r="0" g="0" b="0"/>
-        </a:effectRef>
-        <a:fontRef idx="minor"/>
-      </dsp:style>
-      <dsp:txBody>
-        <a:bodyPr spcFirstLastPara="0" vert="horz" wrap="square" lIns="87630" tIns="43815" rIns="87630" bIns="43815" numCol="1" spcCol="1270" anchor="ctr" anchorCtr="0">
-          <a:noAutofit/>
-        </a:bodyPr>
-        <a:lstStyle/>
-        <a:p>
-          <a:pPr marL="228600" lvl="1" indent="-228600" algn="l" defTabSz="1022350">
-            <a:lnSpc>
-              <a:spcPct val="90000"/>
-            </a:lnSpc>
-            <a:spcBef>
-              <a:spcPct val="0"/>
-            </a:spcBef>
-            <a:spcAft>
-              <a:spcPct val="15000"/>
-            </a:spcAft>
-            <a:buChar char="••"/>
-          </a:pPr>
-          <a:r>
-            <a:rPr lang="en-US" sz="2300" kern="1200" dirty="0" smtClean="0"/>
-            <a:t>Tính bảo </a:t>
-          </a:r>
-          <a:r>
-            <a:rPr lang="en-US" sz="2300" kern="1200" dirty="0" err="1" smtClean="0"/>
-            <a:t>mật</a:t>
-          </a:r>
-          <a:r>
-            <a:rPr lang="en-US" sz="2300" kern="1200" dirty="0" smtClean="0"/>
-            <a:t> và </a:t>
-          </a:r>
-          <a:r>
-            <a:rPr lang="en-US" sz="2300" kern="1200" dirty="0" err="1" smtClean="0"/>
-            <a:t>độ</a:t>
-          </a:r>
-          <a:r>
-            <a:rPr lang="en-US" sz="2300" kern="1200" dirty="0" smtClean="0"/>
-            <a:t> tin </a:t>
-          </a:r>
-          <a:r>
-            <a:rPr lang="en-US" sz="2300" kern="1200" dirty="0" err="1" smtClean="0"/>
-            <a:t>cậy</a:t>
-          </a:r>
-          <a:endParaRPr lang="en-US" sz="2300" kern="1200" dirty="0"/>
-        </a:p>
-      </dsp:txBody>
-      <dsp:txXfrm rot="-5400000">
-        <a:off x="2999960" y="1575139"/>
-        <a:ext cx="5305817" cy="507323"/>
-      </dsp:txXfrm>
-    </dsp:sp>
-    <dsp:sp modelId="{0B7C8AAC-DF1E-433A-9381-0C9C19BBAD01}">
-      <dsp:nvSpPr>
-        <dsp:cNvPr id="0" name=""/>
-        <dsp:cNvSpPr/>
-      </dsp:nvSpPr>
-      <dsp:spPr>
-        <a:xfrm>
-          <a:off x="0" y="1477417"/>
-          <a:ext cx="2999959" cy="702766"/>
-        </a:xfrm>
-        <a:prstGeom prst="roundRect">
-          <a:avLst/>
-        </a:prstGeom>
-        <a:solidFill>
-          <a:schemeClr val="accent1">
-            <a:hueOff val="0"/>
-            <a:satOff val="0"/>
-            <a:lumOff val="0"/>
-            <a:alphaOff val="0"/>
-          </a:schemeClr>
-        </a:solidFill>
-        <a:ln w="12700" cap="flat" cmpd="sng" algn="ctr">
-          <a:solidFill>
-            <a:schemeClr val="lt1">
-              <a:hueOff val="0"/>
-              <a:satOff val="0"/>
-              <a:lumOff val="0"/>
-              <a:alphaOff val="0"/>
-            </a:schemeClr>
-          </a:solidFill>
-          <a:prstDash val="solid"/>
-          <a:miter lim="800000"/>
-        </a:ln>
-        <a:effectLst/>
-      </dsp:spPr>
-      <dsp:style>
-        <a:lnRef idx="2">
-          <a:scrgbClr r="0" g="0" b="0"/>
-        </a:lnRef>
-        <a:fillRef idx="1">
-          <a:scrgbClr r="0" g="0" b="0"/>
-        </a:fillRef>
-        <a:effectRef idx="0">
-          <a:scrgbClr r="0" g="0" b="0"/>
-        </a:effectRef>
-        <a:fontRef idx="minor">
-          <a:schemeClr val="lt1"/>
-        </a:fontRef>
-      </dsp:style>
-      <dsp:txBody>
-        <a:bodyPr spcFirstLastPara="0" vert="horz" wrap="square" lIns="133350" tIns="66675" rIns="133350" bIns="66675" numCol="1" spcCol="1270" anchor="ctr" anchorCtr="0">
-          <a:noAutofit/>
-        </a:bodyPr>
-        <a:lstStyle/>
-        <a:p>
-          <a:pPr lvl="0" algn="ctr" defTabSz="1555750">
-            <a:lnSpc>
-              <a:spcPct val="90000"/>
-            </a:lnSpc>
-            <a:spcBef>
-              <a:spcPct val="0"/>
-            </a:spcBef>
-            <a:spcAft>
-              <a:spcPct val="35000"/>
-            </a:spcAft>
-          </a:pPr>
-          <a:r>
-            <a:rPr lang="en-US" sz="3500" kern="1200" dirty="0" smtClean="0"/>
-            <a:t>3</a:t>
-          </a:r>
-          <a:endParaRPr lang="en-US" sz="3500" kern="1200" dirty="0"/>
-        </a:p>
-      </dsp:txBody>
-      <dsp:txXfrm>
-        <a:off x="34306" y="1511723"/>
-        <a:ext cx="2931347" cy="634154"/>
-      </dsp:txXfrm>
-    </dsp:sp>
-    <dsp:sp modelId="{5180AC36-58E6-4437-A1E0-CCF032463FA5}">
-      <dsp:nvSpPr>
-        <dsp:cNvPr id="0" name=""/>
-        <dsp:cNvSpPr/>
-      </dsp:nvSpPr>
-      <dsp:spPr>
-        <a:xfrm rot="5400000">
-          <a:off x="5385484" y="-99925"/>
-          <a:ext cx="562213" cy="5333262"/>
-        </a:xfrm>
-        <a:prstGeom prst="round2SameRect">
-          <a:avLst/>
-        </a:prstGeom>
-        <a:solidFill>
-          <a:schemeClr val="accent1">
-            <a:alpha val="90000"/>
-            <a:tint val="40000"/>
-            <a:hueOff val="0"/>
-            <a:satOff val="0"/>
-            <a:lumOff val="0"/>
-            <a:alphaOff val="0"/>
-          </a:schemeClr>
-        </a:solidFill>
-        <a:ln w="12700" cap="flat" cmpd="sng" algn="ctr">
-          <a:solidFill>
-            <a:schemeClr val="accent1">
-              <a:alpha val="90000"/>
-              <a:tint val="40000"/>
-              <a:hueOff val="0"/>
-              <a:satOff val="0"/>
-              <a:lumOff val="0"/>
-              <a:alphaOff val="0"/>
-            </a:schemeClr>
-          </a:solidFill>
-          <a:prstDash val="solid"/>
-          <a:miter lim="800000"/>
-        </a:ln>
-        <a:effectLst/>
-      </dsp:spPr>
-      <dsp:style>
-        <a:lnRef idx="2">
-          <a:scrgbClr r="0" g="0" b="0"/>
-        </a:lnRef>
-        <a:fillRef idx="1">
-          <a:scrgbClr r="0" g="0" b="0"/>
-        </a:fillRef>
-        <a:effectRef idx="0">
-          <a:scrgbClr r="0" g="0" b="0"/>
-        </a:effectRef>
-        <a:fontRef idx="minor"/>
-      </dsp:style>
-      <dsp:txBody>
-        <a:bodyPr spcFirstLastPara="0" vert="horz" wrap="square" lIns="87630" tIns="43815" rIns="87630" bIns="43815" numCol="1" spcCol="1270" anchor="ctr" anchorCtr="0">
-          <a:noAutofit/>
-        </a:bodyPr>
-        <a:lstStyle/>
-        <a:p>
-          <a:pPr marL="228600" lvl="1" indent="-228600" algn="l" defTabSz="1022350">
-            <a:lnSpc>
-              <a:spcPct val="90000"/>
-            </a:lnSpc>
-            <a:spcBef>
-              <a:spcPct val="0"/>
-            </a:spcBef>
-            <a:spcAft>
-              <a:spcPct val="15000"/>
-            </a:spcAft>
-            <a:buChar char="••"/>
-          </a:pPr>
-          <a:r>
-            <a:rPr lang="en-US" sz="2300" kern="1200" dirty="0" err="1" smtClean="0"/>
-            <a:t>Truy</a:t>
-          </a:r>
-          <a:r>
-            <a:rPr lang="en-US" sz="2300" kern="1200" dirty="0" smtClean="0"/>
-            <a:t> </a:t>
-          </a:r>
-          <a:r>
-            <a:rPr lang="en-US" sz="2300" kern="1200" dirty="0" err="1" smtClean="0"/>
-            <a:t>xuất</a:t>
-          </a:r>
-          <a:r>
-            <a:rPr lang="en-US" sz="2300" kern="1200" dirty="0" smtClean="0"/>
-            <a:t> dữ </a:t>
-          </a:r>
-          <a:r>
-            <a:rPr lang="en-US" sz="2300" kern="1200" dirty="0" err="1" smtClean="0"/>
-            <a:t>liệu</a:t>
-          </a:r>
-          <a:r>
-            <a:rPr lang="en-US" sz="2300" kern="1200" dirty="0" smtClean="0"/>
-            <a:t> </a:t>
-          </a:r>
-          <a:r>
-            <a:rPr lang="en-US" sz="2300" kern="1200" dirty="0" err="1" smtClean="0"/>
-            <a:t>nhanh</a:t>
-          </a:r>
-          <a:r>
-            <a:rPr lang="en-US" sz="2300" kern="1200" dirty="0" smtClean="0"/>
-            <a:t> </a:t>
-          </a:r>
-          <a:r>
-            <a:rPr lang="en-US" sz="2300" kern="1200" dirty="0" err="1" smtClean="0"/>
-            <a:t>chóng</a:t>
-          </a:r>
-          <a:r>
-            <a:rPr lang="en-US" sz="2300" kern="1200" dirty="0" smtClean="0"/>
-            <a:t>, </a:t>
-          </a:r>
-          <a:r>
-            <a:rPr lang="en-US" sz="2300" kern="1200" dirty="0" err="1" smtClean="0"/>
-            <a:t>chính</a:t>
-          </a:r>
-          <a:r>
-            <a:rPr lang="en-US" sz="2300" kern="1200" dirty="0" smtClean="0"/>
-            <a:t> </a:t>
-          </a:r>
-          <a:r>
-            <a:rPr lang="en-US" sz="2300" kern="1200" dirty="0" err="1" smtClean="0"/>
-            <a:t>xác</a:t>
-          </a:r>
-          <a:endParaRPr lang="en-US" sz="2300" kern="1200" dirty="0"/>
-        </a:p>
-      </dsp:txBody>
-      <dsp:txXfrm rot="-5400000">
-        <a:off x="2999960" y="2313044"/>
-        <a:ext cx="5305817" cy="507323"/>
-      </dsp:txXfrm>
-    </dsp:sp>
-    <dsp:sp modelId="{987635F6-06B9-4CC3-B800-B72A94683362}">
-      <dsp:nvSpPr>
-        <dsp:cNvPr id="0" name=""/>
-        <dsp:cNvSpPr/>
-      </dsp:nvSpPr>
-      <dsp:spPr>
-        <a:xfrm>
-          <a:off x="0" y="2215322"/>
-          <a:ext cx="2999959" cy="702766"/>
-        </a:xfrm>
-        <a:prstGeom prst="roundRect">
-          <a:avLst/>
-        </a:prstGeom>
-        <a:solidFill>
-          <a:schemeClr val="accent1">
-            <a:hueOff val="0"/>
-            <a:satOff val="0"/>
-            <a:lumOff val="0"/>
-            <a:alphaOff val="0"/>
-          </a:schemeClr>
-        </a:solidFill>
-        <a:ln w="12700" cap="flat" cmpd="sng" algn="ctr">
-          <a:solidFill>
-            <a:schemeClr val="lt1">
-              <a:hueOff val="0"/>
-              <a:satOff val="0"/>
-              <a:lumOff val="0"/>
-              <a:alphaOff val="0"/>
-            </a:schemeClr>
-          </a:solidFill>
-          <a:prstDash val="solid"/>
-          <a:miter lim="800000"/>
-        </a:ln>
-        <a:effectLst/>
-      </dsp:spPr>
-      <dsp:style>
-        <a:lnRef idx="2">
-          <a:scrgbClr r="0" g="0" b="0"/>
-        </a:lnRef>
-        <a:fillRef idx="1">
-          <a:scrgbClr r="0" g="0" b="0"/>
-        </a:fillRef>
-        <a:effectRef idx="0">
-          <a:scrgbClr r="0" g="0" b="0"/>
-        </a:effectRef>
-        <a:fontRef idx="minor">
-          <a:schemeClr val="lt1"/>
-        </a:fontRef>
-      </dsp:style>
-      <dsp:txBody>
-        <a:bodyPr spcFirstLastPara="0" vert="horz" wrap="square" lIns="133350" tIns="66675" rIns="133350" bIns="66675" numCol="1" spcCol="1270" anchor="ctr" anchorCtr="0">
-          <a:noAutofit/>
-        </a:bodyPr>
-        <a:lstStyle/>
-        <a:p>
-          <a:pPr lvl="0" algn="ctr" defTabSz="1555750">
-            <a:lnSpc>
-              <a:spcPct val="90000"/>
-            </a:lnSpc>
-            <a:spcBef>
-              <a:spcPct val="0"/>
-            </a:spcBef>
-            <a:spcAft>
-              <a:spcPct val="35000"/>
-            </a:spcAft>
-          </a:pPr>
-          <a:r>
-            <a:rPr lang="en-US" sz="3500" kern="1200" dirty="0" smtClean="0"/>
-            <a:t>4</a:t>
-          </a:r>
-          <a:endParaRPr lang="en-US" sz="3500" kern="1200" dirty="0"/>
-        </a:p>
-      </dsp:txBody>
-      <dsp:txXfrm>
-        <a:off x="34306" y="2249628"/>
-        <a:ext cx="2931347" cy="634154"/>
-      </dsp:txXfrm>
-    </dsp:sp>
-    <dsp:sp modelId="{1E59A7EC-2B0B-4948-AF48-8C0F685A7254}">
-      <dsp:nvSpPr>
-        <dsp:cNvPr id="0" name=""/>
-        <dsp:cNvSpPr/>
-      </dsp:nvSpPr>
-      <dsp:spPr>
-        <a:xfrm rot="5400000">
-          <a:off x="5385484" y="637979"/>
-          <a:ext cx="562213" cy="5333262"/>
-        </a:xfrm>
-        <a:prstGeom prst="round2SameRect">
-          <a:avLst/>
-        </a:prstGeom>
-        <a:solidFill>
-          <a:schemeClr val="accent1">
-            <a:alpha val="90000"/>
-            <a:tint val="40000"/>
-            <a:hueOff val="0"/>
-            <a:satOff val="0"/>
-            <a:lumOff val="0"/>
-            <a:alphaOff val="0"/>
-          </a:schemeClr>
-        </a:solidFill>
-        <a:ln w="12700" cap="flat" cmpd="sng" algn="ctr">
-          <a:solidFill>
-            <a:schemeClr val="accent1">
-              <a:alpha val="90000"/>
-              <a:tint val="40000"/>
-              <a:hueOff val="0"/>
-              <a:satOff val="0"/>
-              <a:lumOff val="0"/>
-              <a:alphaOff val="0"/>
-            </a:schemeClr>
-          </a:solidFill>
-          <a:prstDash val="solid"/>
-          <a:miter lim="800000"/>
-        </a:ln>
-        <a:effectLst/>
-      </dsp:spPr>
-      <dsp:style>
-        <a:lnRef idx="2">
-          <a:scrgbClr r="0" g="0" b="0"/>
-        </a:lnRef>
-        <a:fillRef idx="1">
-          <a:scrgbClr r="0" g="0" b="0"/>
-        </a:fillRef>
-        <a:effectRef idx="0">
-          <a:scrgbClr r="0" g="0" b="0"/>
-        </a:effectRef>
-        <a:fontRef idx="minor"/>
-      </dsp:style>
-      <dsp:txBody>
-        <a:bodyPr spcFirstLastPara="0" vert="horz" wrap="square" lIns="87630" tIns="43815" rIns="87630" bIns="43815" numCol="1" spcCol="1270" anchor="ctr" anchorCtr="0">
-          <a:noAutofit/>
-        </a:bodyPr>
-        <a:lstStyle/>
-        <a:p>
-          <a:pPr marL="228600" lvl="1" indent="-228600" algn="l" defTabSz="1022350">
-            <a:lnSpc>
-              <a:spcPct val="90000"/>
-            </a:lnSpc>
-            <a:spcBef>
-              <a:spcPct val="0"/>
-            </a:spcBef>
-            <a:spcAft>
-              <a:spcPct val="15000"/>
-            </a:spcAft>
-            <a:buChar char="••"/>
-          </a:pPr>
-          <a:r>
-            <a:rPr lang="en-US" sz="2300" kern="1200" dirty="0" err="1" smtClean="0"/>
-            <a:t>Thuận</a:t>
-          </a:r>
-          <a:r>
-            <a:rPr lang="en-US" sz="2300" kern="1200" dirty="0" smtClean="0"/>
-            <a:t> </a:t>
-          </a:r>
-          <a:r>
-            <a:rPr lang="en-US" sz="2300" kern="1200" dirty="0" err="1" smtClean="0"/>
-            <a:t>tiện</a:t>
-          </a:r>
-          <a:r>
-            <a:rPr lang="en-US" sz="2300" kern="1200" dirty="0" smtClean="0"/>
-            <a:t> </a:t>
-          </a:r>
-          <a:r>
-            <a:rPr lang="en-US" sz="2300" kern="1200" dirty="0" err="1" smtClean="0"/>
-            <a:t>khi</a:t>
-          </a:r>
-          <a:r>
-            <a:rPr lang="en-US" sz="2300" kern="1200" dirty="0" smtClean="0"/>
-            <a:t> </a:t>
-          </a:r>
-          <a:r>
-            <a:rPr lang="en-US" sz="2300" kern="1200" dirty="0" err="1" smtClean="0"/>
-            <a:t>sử</a:t>
-          </a:r>
-          <a:r>
-            <a:rPr lang="en-US" sz="2300" kern="1200" dirty="0" smtClean="0"/>
-            <a:t> </a:t>
-          </a:r>
-          <a:r>
-            <a:rPr lang="en-US" sz="2300" kern="1200" dirty="0" err="1" smtClean="0"/>
-            <a:t>dụng</a:t>
-          </a:r>
-          <a:endParaRPr lang="en-US" sz="2300" kern="1200" dirty="0"/>
-        </a:p>
-      </dsp:txBody>
-      <dsp:txXfrm rot="-5400000">
-        <a:off x="2999960" y="3050949"/>
-        <a:ext cx="5305817" cy="507323"/>
-      </dsp:txXfrm>
-    </dsp:sp>
-    <dsp:sp modelId="{1A629BE0-81FF-4833-95BB-13419433503F}">
-      <dsp:nvSpPr>
-        <dsp:cNvPr id="0" name=""/>
-        <dsp:cNvSpPr/>
-      </dsp:nvSpPr>
-      <dsp:spPr>
-        <a:xfrm>
-          <a:off x="0" y="2953227"/>
-          <a:ext cx="2999959" cy="702766"/>
-        </a:xfrm>
-        <a:prstGeom prst="roundRect">
-          <a:avLst/>
-        </a:prstGeom>
-        <a:solidFill>
-          <a:schemeClr val="accent1">
-            <a:hueOff val="0"/>
-            <a:satOff val="0"/>
-            <a:lumOff val="0"/>
-            <a:alphaOff val="0"/>
-          </a:schemeClr>
-        </a:solidFill>
-        <a:ln w="12700" cap="flat" cmpd="sng" algn="ctr">
-          <a:solidFill>
-            <a:schemeClr val="lt1">
-              <a:hueOff val="0"/>
-              <a:satOff val="0"/>
-              <a:lumOff val="0"/>
-              <a:alphaOff val="0"/>
-            </a:schemeClr>
-          </a:solidFill>
-          <a:prstDash val="solid"/>
-          <a:miter lim="800000"/>
-        </a:ln>
-        <a:effectLst/>
-      </dsp:spPr>
-      <dsp:style>
-        <a:lnRef idx="2">
-          <a:scrgbClr r="0" g="0" b="0"/>
-        </a:lnRef>
-        <a:fillRef idx="1">
-          <a:scrgbClr r="0" g="0" b="0"/>
-        </a:fillRef>
-        <a:effectRef idx="0">
-          <a:scrgbClr r="0" g="0" b="0"/>
-        </a:effectRef>
-        <a:fontRef idx="minor">
-          <a:schemeClr val="lt1"/>
-        </a:fontRef>
-      </dsp:style>
-      <dsp:txBody>
-        <a:bodyPr spcFirstLastPara="0" vert="horz" wrap="square" lIns="133350" tIns="66675" rIns="133350" bIns="66675" numCol="1" spcCol="1270" anchor="ctr" anchorCtr="0">
-          <a:noAutofit/>
-        </a:bodyPr>
-        <a:lstStyle/>
-        <a:p>
-          <a:pPr lvl="0" algn="ctr" defTabSz="1555750">
-            <a:lnSpc>
-              <a:spcPct val="90000"/>
-            </a:lnSpc>
-            <a:spcBef>
-              <a:spcPct val="0"/>
-            </a:spcBef>
-            <a:spcAft>
-              <a:spcPct val="35000"/>
-            </a:spcAft>
-          </a:pPr>
-          <a:r>
-            <a:rPr lang="en-US" sz="3500" kern="1200" dirty="0" smtClean="0"/>
-            <a:t>5</a:t>
-          </a:r>
-          <a:endParaRPr lang="en-US" sz="3500" kern="1200" dirty="0"/>
-        </a:p>
-      </dsp:txBody>
-      <dsp:txXfrm>
-        <a:off x="34306" y="2987533"/>
-        <a:ext cx="2931347" cy="634154"/>
-      </dsp:txXfrm>
-    </dsp:sp>
   </dsp:spTree>
 </dsp:drawing>
 </file>
@@ -8274,1130 +6853,6 @@
       <dsp:cNvGrpSpPr/>
     </dsp:nvGrpSpPr>
     <dsp:grpSpPr/>
-    <dsp:sp modelId="{B5BDD5C7-8E4B-4761-B990-E2617857A342}">
-      <dsp:nvSpPr>
-        <dsp:cNvPr id="0" name=""/>
-        <dsp:cNvSpPr/>
-      </dsp:nvSpPr>
-      <dsp:spPr>
-        <a:xfrm>
-          <a:off x="1998" y="331275"/>
-          <a:ext cx="1585093" cy="951056"/>
-        </a:xfrm>
-        <a:prstGeom prst="rect">
-          <a:avLst/>
-        </a:prstGeom>
-        <a:solidFill>
-          <a:schemeClr val="accent6">
-            <a:hueOff val="0"/>
-            <a:satOff val="0"/>
-            <a:lumOff val="0"/>
-            <a:alphaOff val="0"/>
-          </a:schemeClr>
-        </a:solidFill>
-        <a:ln w="19050" cap="flat" cmpd="sng" algn="ctr">
-          <a:solidFill>
-            <a:schemeClr val="lt1">
-              <a:hueOff val="0"/>
-              <a:satOff val="0"/>
-              <a:lumOff val="0"/>
-              <a:alphaOff val="0"/>
-            </a:schemeClr>
-          </a:solidFill>
-          <a:prstDash val="solid"/>
-          <a:miter lim="800000"/>
-        </a:ln>
-        <a:effectLst/>
-      </dsp:spPr>
-      <dsp:style>
-        <a:lnRef idx="3">
-          <a:scrgbClr r="0" g="0" b="0"/>
-        </a:lnRef>
-        <a:fillRef idx="1">
-          <a:scrgbClr r="0" g="0" b="0"/>
-        </a:fillRef>
-        <a:effectRef idx="1">
-          <a:scrgbClr r="0" g="0" b="0"/>
-        </a:effectRef>
-        <a:fontRef idx="minor">
-          <a:schemeClr val="lt1"/>
-        </a:fontRef>
-      </dsp:style>
-      <dsp:txBody>
-        <a:bodyPr spcFirstLastPara="0" vert="horz" wrap="square" lIns="72390" tIns="72390" rIns="72390" bIns="72390" numCol="1" spcCol="1270" anchor="ctr" anchorCtr="0">
-          <a:noAutofit/>
-        </a:bodyPr>
-        <a:lstStyle/>
-        <a:p>
-          <a:pPr lvl="0" algn="ctr" defTabSz="844550">
-            <a:lnSpc>
-              <a:spcPct val="90000"/>
-            </a:lnSpc>
-            <a:spcBef>
-              <a:spcPct val="0"/>
-            </a:spcBef>
-            <a:spcAft>
-              <a:spcPct val="35000"/>
-            </a:spcAft>
-          </a:pPr>
-          <a:r>
-            <a:rPr lang="en-US" sz="1900" kern="1200" dirty="0" smtClean="0"/>
-            <a:t>Đăng </a:t>
-          </a:r>
-          <a:r>
-            <a:rPr lang="en-US" sz="1900" kern="1200" dirty="0" err="1" smtClean="0"/>
-            <a:t>ký</a:t>
-          </a:r>
-          <a:endParaRPr lang="en-US" sz="1900" kern="1200" dirty="0"/>
-        </a:p>
-      </dsp:txBody>
-      <dsp:txXfrm>
-        <a:off x="1998" y="331275"/>
-        <a:ext cx="1585093" cy="951056"/>
-      </dsp:txXfrm>
-    </dsp:sp>
-    <dsp:sp modelId="{224ED1AD-D157-40DF-B9FA-785210B6C035}">
-      <dsp:nvSpPr>
-        <dsp:cNvPr id="0" name=""/>
-        <dsp:cNvSpPr/>
-      </dsp:nvSpPr>
-      <dsp:spPr>
-        <a:xfrm>
-          <a:off x="1745601" y="331275"/>
-          <a:ext cx="1585093" cy="951056"/>
-        </a:xfrm>
-        <a:prstGeom prst="rect">
-          <a:avLst/>
-        </a:prstGeom>
-        <a:solidFill>
-          <a:schemeClr val="accent6">
-            <a:hueOff val="0"/>
-            <a:satOff val="0"/>
-            <a:lumOff val="0"/>
-            <a:alphaOff val="0"/>
-          </a:schemeClr>
-        </a:solidFill>
-        <a:ln w="19050" cap="flat" cmpd="sng" algn="ctr">
-          <a:solidFill>
-            <a:schemeClr val="lt1">
-              <a:hueOff val="0"/>
-              <a:satOff val="0"/>
-              <a:lumOff val="0"/>
-              <a:alphaOff val="0"/>
-            </a:schemeClr>
-          </a:solidFill>
-          <a:prstDash val="solid"/>
-          <a:miter lim="800000"/>
-        </a:ln>
-        <a:effectLst/>
-      </dsp:spPr>
-      <dsp:style>
-        <a:lnRef idx="3">
-          <a:scrgbClr r="0" g="0" b="0"/>
-        </a:lnRef>
-        <a:fillRef idx="1">
-          <a:scrgbClr r="0" g="0" b="0"/>
-        </a:fillRef>
-        <a:effectRef idx="1">
-          <a:scrgbClr r="0" g="0" b="0"/>
-        </a:effectRef>
-        <a:fontRef idx="minor">
-          <a:schemeClr val="lt1"/>
-        </a:fontRef>
-      </dsp:style>
-      <dsp:txBody>
-        <a:bodyPr spcFirstLastPara="0" vert="horz" wrap="square" lIns="72390" tIns="72390" rIns="72390" bIns="72390" numCol="1" spcCol="1270" anchor="ctr" anchorCtr="0">
-          <a:noAutofit/>
-        </a:bodyPr>
-        <a:lstStyle/>
-        <a:p>
-          <a:pPr lvl="0" algn="ctr" defTabSz="844550">
-            <a:lnSpc>
-              <a:spcPct val="90000"/>
-            </a:lnSpc>
-            <a:spcBef>
-              <a:spcPct val="0"/>
-            </a:spcBef>
-            <a:spcAft>
-              <a:spcPct val="35000"/>
-            </a:spcAft>
-          </a:pPr>
-          <a:r>
-            <a:rPr lang="en-US" sz="1900" kern="1200" dirty="0" smtClean="0"/>
-            <a:t>Đăng </a:t>
-          </a:r>
-          <a:r>
-            <a:rPr lang="en-US" sz="1900" kern="1200" dirty="0" err="1" smtClean="0"/>
-            <a:t>nhập</a:t>
-          </a:r>
-          <a:endParaRPr lang="en-US" sz="1900" kern="1200" dirty="0"/>
-        </a:p>
-      </dsp:txBody>
-      <dsp:txXfrm>
-        <a:off x="1745601" y="331275"/>
-        <a:ext cx="1585093" cy="951056"/>
-      </dsp:txXfrm>
-    </dsp:sp>
-    <dsp:sp modelId="{C0A326F7-473E-4A4A-ADE4-DF8BB529B558}">
-      <dsp:nvSpPr>
-        <dsp:cNvPr id="0" name=""/>
-        <dsp:cNvSpPr/>
-      </dsp:nvSpPr>
-      <dsp:spPr>
-        <a:xfrm>
-          <a:off x="3489204" y="331275"/>
-          <a:ext cx="1585093" cy="951056"/>
-        </a:xfrm>
-        <a:prstGeom prst="rect">
-          <a:avLst/>
-        </a:prstGeom>
-        <a:solidFill>
-          <a:schemeClr val="accent6">
-            <a:hueOff val="0"/>
-            <a:satOff val="0"/>
-            <a:lumOff val="0"/>
-            <a:alphaOff val="0"/>
-          </a:schemeClr>
-        </a:solidFill>
-        <a:ln w="19050" cap="flat" cmpd="sng" algn="ctr">
-          <a:solidFill>
-            <a:schemeClr val="lt1">
-              <a:hueOff val="0"/>
-              <a:satOff val="0"/>
-              <a:lumOff val="0"/>
-              <a:alphaOff val="0"/>
-            </a:schemeClr>
-          </a:solidFill>
-          <a:prstDash val="solid"/>
-          <a:miter lim="800000"/>
-        </a:ln>
-        <a:effectLst/>
-      </dsp:spPr>
-      <dsp:style>
-        <a:lnRef idx="3">
-          <a:scrgbClr r="0" g="0" b="0"/>
-        </a:lnRef>
-        <a:fillRef idx="1">
-          <a:scrgbClr r="0" g="0" b="0"/>
-        </a:fillRef>
-        <a:effectRef idx="1">
-          <a:scrgbClr r="0" g="0" b="0"/>
-        </a:effectRef>
-        <a:fontRef idx="minor">
-          <a:schemeClr val="lt1"/>
-        </a:fontRef>
-      </dsp:style>
-      <dsp:txBody>
-        <a:bodyPr spcFirstLastPara="0" vert="horz" wrap="square" lIns="72390" tIns="72390" rIns="72390" bIns="72390" numCol="1" spcCol="1270" anchor="ctr" anchorCtr="0">
-          <a:noAutofit/>
-        </a:bodyPr>
-        <a:lstStyle/>
-        <a:p>
-          <a:pPr lvl="0" algn="ctr" defTabSz="844550">
-            <a:lnSpc>
-              <a:spcPct val="90000"/>
-            </a:lnSpc>
-            <a:spcBef>
-              <a:spcPct val="0"/>
-            </a:spcBef>
-            <a:spcAft>
-              <a:spcPct val="35000"/>
-            </a:spcAft>
-          </a:pPr>
-          <a:r>
-            <a:rPr lang="en-US" sz="1900" kern="1200" dirty="0" smtClean="0"/>
-            <a:t>Thanh </a:t>
-          </a:r>
-          <a:r>
-            <a:rPr lang="en-US" sz="1900" kern="1200" dirty="0" err="1" smtClean="0"/>
-            <a:t>toán</a:t>
-          </a:r>
-          <a:r>
-            <a:rPr lang="en-US" sz="1900" kern="1200" dirty="0" smtClean="0"/>
-            <a:t> </a:t>
-          </a:r>
-          <a:r>
-            <a:rPr lang="en-US" sz="1900" kern="1200" dirty="0" err="1" smtClean="0"/>
-            <a:t>hóa</a:t>
-          </a:r>
-          <a:r>
-            <a:rPr lang="en-US" sz="1900" kern="1200" dirty="0" smtClean="0"/>
-            <a:t> </a:t>
-          </a:r>
-          <a:r>
-            <a:rPr lang="en-US" sz="1900" kern="1200" dirty="0" err="1" smtClean="0"/>
-            <a:t>đơn</a:t>
-          </a:r>
-          <a:endParaRPr lang="en-US" sz="1900" kern="1200" dirty="0"/>
-        </a:p>
-      </dsp:txBody>
-      <dsp:txXfrm>
-        <a:off x="3489204" y="331275"/>
-        <a:ext cx="1585093" cy="951056"/>
-      </dsp:txXfrm>
-    </dsp:sp>
-    <dsp:sp modelId="{59291F53-FE06-437D-8945-598A6D555F9F}">
-      <dsp:nvSpPr>
-        <dsp:cNvPr id="0" name=""/>
-        <dsp:cNvSpPr/>
-      </dsp:nvSpPr>
-      <dsp:spPr>
-        <a:xfrm>
-          <a:off x="5232808" y="331275"/>
-          <a:ext cx="1585093" cy="951056"/>
-        </a:xfrm>
-        <a:prstGeom prst="rect">
-          <a:avLst/>
-        </a:prstGeom>
-        <a:solidFill>
-          <a:schemeClr val="accent6">
-            <a:hueOff val="0"/>
-            <a:satOff val="0"/>
-            <a:lumOff val="0"/>
-            <a:alphaOff val="0"/>
-          </a:schemeClr>
-        </a:solidFill>
-        <a:ln w="19050" cap="flat" cmpd="sng" algn="ctr">
-          <a:solidFill>
-            <a:schemeClr val="lt1">
-              <a:hueOff val="0"/>
-              <a:satOff val="0"/>
-              <a:lumOff val="0"/>
-              <a:alphaOff val="0"/>
-            </a:schemeClr>
-          </a:solidFill>
-          <a:prstDash val="solid"/>
-          <a:miter lim="800000"/>
-        </a:ln>
-        <a:effectLst/>
-      </dsp:spPr>
-      <dsp:style>
-        <a:lnRef idx="3">
-          <a:scrgbClr r="0" g="0" b="0"/>
-        </a:lnRef>
-        <a:fillRef idx="1">
-          <a:scrgbClr r="0" g="0" b="0"/>
-        </a:fillRef>
-        <a:effectRef idx="1">
-          <a:scrgbClr r="0" g="0" b="0"/>
-        </a:effectRef>
-        <a:fontRef idx="minor">
-          <a:schemeClr val="lt1"/>
-        </a:fontRef>
-      </dsp:style>
-      <dsp:txBody>
-        <a:bodyPr spcFirstLastPara="0" vert="horz" wrap="square" lIns="72390" tIns="72390" rIns="72390" bIns="72390" numCol="1" spcCol="1270" anchor="ctr" anchorCtr="0">
-          <a:noAutofit/>
-        </a:bodyPr>
-        <a:lstStyle/>
-        <a:p>
-          <a:pPr lvl="0" algn="ctr" defTabSz="844550">
-            <a:lnSpc>
-              <a:spcPct val="90000"/>
-            </a:lnSpc>
-            <a:spcBef>
-              <a:spcPct val="0"/>
-            </a:spcBef>
-            <a:spcAft>
-              <a:spcPct val="35000"/>
-            </a:spcAft>
-          </a:pPr>
-          <a:r>
-            <a:rPr lang="en-US" sz="1900" kern="1200" dirty="0" err="1" smtClean="0"/>
-            <a:t>Hủy</a:t>
-          </a:r>
-          <a:r>
-            <a:rPr lang="en-US" sz="1900" kern="1200" dirty="0" smtClean="0"/>
-            <a:t> </a:t>
-          </a:r>
-          <a:r>
-            <a:rPr lang="en-US" sz="1900" kern="1200" dirty="0" err="1" smtClean="0"/>
-            <a:t>thanh</a:t>
-          </a:r>
-          <a:r>
-            <a:rPr lang="en-US" sz="1900" kern="1200" dirty="0" smtClean="0"/>
-            <a:t> </a:t>
-          </a:r>
-          <a:r>
-            <a:rPr lang="en-US" sz="1900" kern="1200" dirty="0" err="1" smtClean="0"/>
-            <a:t>toán</a:t>
-          </a:r>
-          <a:endParaRPr lang="en-US" sz="1900" kern="1200" dirty="0"/>
-        </a:p>
-      </dsp:txBody>
-      <dsp:txXfrm>
-        <a:off x="5232808" y="331275"/>
-        <a:ext cx="1585093" cy="951056"/>
-      </dsp:txXfrm>
-    </dsp:sp>
-    <dsp:sp modelId="{48E22355-39D1-4338-BA44-D4585C80947E}">
-      <dsp:nvSpPr>
-        <dsp:cNvPr id="0" name=""/>
-        <dsp:cNvSpPr/>
-      </dsp:nvSpPr>
-      <dsp:spPr>
-        <a:xfrm>
-          <a:off x="1998" y="1440841"/>
-          <a:ext cx="1585093" cy="951056"/>
-        </a:xfrm>
-        <a:prstGeom prst="rect">
-          <a:avLst/>
-        </a:prstGeom>
-        <a:solidFill>
-          <a:schemeClr val="accent6">
-            <a:hueOff val="0"/>
-            <a:satOff val="0"/>
-            <a:lumOff val="0"/>
-            <a:alphaOff val="0"/>
-          </a:schemeClr>
-        </a:solidFill>
-        <a:ln w="19050" cap="flat" cmpd="sng" algn="ctr">
-          <a:solidFill>
-            <a:schemeClr val="lt1">
-              <a:hueOff val="0"/>
-              <a:satOff val="0"/>
-              <a:lumOff val="0"/>
-              <a:alphaOff val="0"/>
-            </a:schemeClr>
-          </a:solidFill>
-          <a:prstDash val="solid"/>
-          <a:miter lim="800000"/>
-        </a:ln>
-        <a:effectLst/>
-      </dsp:spPr>
-      <dsp:style>
-        <a:lnRef idx="3">
-          <a:scrgbClr r="0" g="0" b="0"/>
-        </a:lnRef>
-        <a:fillRef idx="1">
-          <a:scrgbClr r="0" g="0" b="0"/>
-        </a:fillRef>
-        <a:effectRef idx="1">
-          <a:scrgbClr r="0" g="0" b="0"/>
-        </a:effectRef>
-        <a:fontRef idx="minor">
-          <a:schemeClr val="lt1"/>
-        </a:fontRef>
-      </dsp:style>
-      <dsp:txBody>
-        <a:bodyPr spcFirstLastPara="0" vert="horz" wrap="square" lIns="72390" tIns="72390" rIns="72390" bIns="72390" numCol="1" spcCol="1270" anchor="ctr" anchorCtr="0">
-          <a:noAutofit/>
-        </a:bodyPr>
-        <a:lstStyle/>
-        <a:p>
-          <a:pPr lvl="0" algn="ctr" defTabSz="844550">
-            <a:lnSpc>
-              <a:spcPct val="90000"/>
-            </a:lnSpc>
-            <a:spcBef>
-              <a:spcPct val="0"/>
-            </a:spcBef>
-            <a:spcAft>
-              <a:spcPct val="35000"/>
-            </a:spcAft>
-          </a:pPr>
-          <a:r>
-            <a:rPr lang="en-US" sz="1900" kern="1200" dirty="0" err="1" smtClean="0"/>
-            <a:t>Quản</a:t>
-          </a:r>
-          <a:r>
-            <a:rPr lang="en-US" sz="1900" kern="1200" dirty="0" smtClean="0"/>
-            <a:t> </a:t>
-          </a:r>
-          <a:r>
-            <a:rPr lang="en-US" sz="1900" kern="1200" dirty="0" err="1" smtClean="0"/>
-            <a:t>lý</a:t>
-          </a:r>
-          <a:r>
-            <a:rPr lang="en-US" sz="1900" kern="1200" dirty="0" smtClean="0"/>
-            <a:t> thông tin </a:t>
-          </a:r>
-          <a:r>
-            <a:rPr lang="en-US" sz="1900" kern="1200" dirty="0" err="1" smtClean="0"/>
-            <a:t>sản</a:t>
-          </a:r>
-          <a:r>
-            <a:rPr lang="en-US" sz="1900" kern="1200" dirty="0" smtClean="0"/>
-            <a:t> </a:t>
-          </a:r>
-          <a:r>
-            <a:rPr lang="en-US" sz="1900" kern="1200" dirty="0" err="1" smtClean="0"/>
-            <a:t>phẩm</a:t>
-          </a:r>
-          <a:endParaRPr lang="en-US" sz="1900" kern="1200" dirty="0"/>
-        </a:p>
-      </dsp:txBody>
-      <dsp:txXfrm>
-        <a:off x="1998" y="1440841"/>
-        <a:ext cx="1585093" cy="951056"/>
-      </dsp:txXfrm>
-    </dsp:sp>
-    <dsp:sp modelId="{45E8142A-E824-442D-87CF-84B021930F87}">
-      <dsp:nvSpPr>
-        <dsp:cNvPr id="0" name=""/>
-        <dsp:cNvSpPr/>
-      </dsp:nvSpPr>
-      <dsp:spPr>
-        <a:xfrm>
-          <a:off x="1745601" y="1440841"/>
-          <a:ext cx="1585093" cy="951056"/>
-        </a:xfrm>
-        <a:prstGeom prst="rect">
-          <a:avLst/>
-        </a:prstGeom>
-        <a:solidFill>
-          <a:schemeClr val="accent6">
-            <a:hueOff val="0"/>
-            <a:satOff val="0"/>
-            <a:lumOff val="0"/>
-            <a:alphaOff val="0"/>
-          </a:schemeClr>
-        </a:solidFill>
-        <a:ln w="19050" cap="flat" cmpd="sng" algn="ctr">
-          <a:solidFill>
-            <a:schemeClr val="lt1">
-              <a:hueOff val="0"/>
-              <a:satOff val="0"/>
-              <a:lumOff val="0"/>
-              <a:alphaOff val="0"/>
-            </a:schemeClr>
-          </a:solidFill>
-          <a:prstDash val="solid"/>
-          <a:miter lim="800000"/>
-        </a:ln>
-        <a:effectLst/>
-      </dsp:spPr>
-      <dsp:style>
-        <a:lnRef idx="3">
-          <a:scrgbClr r="0" g="0" b="0"/>
-        </a:lnRef>
-        <a:fillRef idx="1">
-          <a:scrgbClr r="0" g="0" b="0"/>
-        </a:fillRef>
-        <a:effectRef idx="1">
-          <a:scrgbClr r="0" g="0" b="0"/>
-        </a:effectRef>
-        <a:fontRef idx="minor">
-          <a:schemeClr val="lt1"/>
-        </a:fontRef>
-      </dsp:style>
-      <dsp:txBody>
-        <a:bodyPr spcFirstLastPara="0" vert="horz" wrap="square" lIns="72390" tIns="72390" rIns="72390" bIns="72390" numCol="1" spcCol="1270" anchor="ctr" anchorCtr="0">
-          <a:noAutofit/>
-        </a:bodyPr>
-        <a:lstStyle/>
-        <a:p>
-          <a:pPr lvl="0" algn="ctr" defTabSz="844550">
-            <a:lnSpc>
-              <a:spcPct val="90000"/>
-            </a:lnSpc>
-            <a:spcBef>
-              <a:spcPct val="0"/>
-            </a:spcBef>
-            <a:spcAft>
-              <a:spcPct val="35000"/>
-            </a:spcAft>
-          </a:pPr>
-          <a:r>
-            <a:rPr lang="en-US" sz="1900" kern="1200" dirty="0" err="1" smtClean="0"/>
-            <a:t>Quản</a:t>
-          </a:r>
-          <a:r>
-            <a:rPr lang="en-US" sz="1900" kern="1200" dirty="0" smtClean="0"/>
-            <a:t> </a:t>
-          </a:r>
-          <a:r>
-            <a:rPr lang="en-US" sz="1900" kern="1200" dirty="0" err="1" smtClean="0"/>
-            <a:t>lý</a:t>
-          </a:r>
-          <a:r>
-            <a:rPr lang="en-US" sz="1900" kern="1200" dirty="0" smtClean="0"/>
-            <a:t> thông tin người dùng</a:t>
-          </a:r>
-          <a:endParaRPr lang="en-US" sz="1900" kern="1200" dirty="0"/>
-        </a:p>
-      </dsp:txBody>
-      <dsp:txXfrm>
-        <a:off x="1745601" y="1440841"/>
-        <a:ext cx="1585093" cy="951056"/>
-      </dsp:txXfrm>
-    </dsp:sp>
-    <dsp:sp modelId="{1CAC5FE6-3428-44C5-BF97-485E29C11B26}">
-      <dsp:nvSpPr>
-        <dsp:cNvPr id="0" name=""/>
-        <dsp:cNvSpPr/>
-      </dsp:nvSpPr>
-      <dsp:spPr>
-        <a:xfrm>
-          <a:off x="3489204" y="1440841"/>
-          <a:ext cx="1585093" cy="951056"/>
-        </a:xfrm>
-        <a:prstGeom prst="rect">
-          <a:avLst/>
-        </a:prstGeom>
-        <a:solidFill>
-          <a:schemeClr val="accent6">
-            <a:hueOff val="0"/>
-            <a:satOff val="0"/>
-            <a:lumOff val="0"/>
-            <a:alphaOff val="0"/>
-          </a:schemeClr>
-        </a:solidFill>
-        <a:ln w="19050" cap="flat" cmpd="sng" algn="ctr">
-          <a:solidFill>
-            <a:schemeClr val="lt1">
-              <a:hueOff val="0"/>
-              <a:satOff val="0"/>
-              <a:lumOff val="0"/>
-              <a:alphaOff val="0"/>
-            </a:schemeClr>
-          </a:solidFill>
-          <a:prstDash val="solid"/>
-          <a:miter lim="800000"/>
-        </a:ln>
-        <a:effectLst/>
-      </dsp:spPr>
-      <dsp:style>
-        <a:lnRef idx="3">
-          <a:scrgbClr r="0" g="0" b="0"/>
-        </a:lnRef>
-        <a:fillRef idx="1">
-          <a:scrgbClr r="0" g="0" b="0"/>
-        </a:fillRef>
-        <a:effectRef idx="1">
-          <a:scrgbClr r="0" g="0" b="0"/>
-        </a:effectRef>
-        <a:fontRef idx="minor">
-          <a:schemeClr val="lt1"/>
-        </a:fontRef>
-      </dsp:style>
-      <dsp:txBody>
-        <a:bodyPr spcFirstLastPara="0" vert="horz" wrap="square" lIns="72390" tIns="72390" rIns="72390" bIns="72390" numCol="1" spcCol="1270" anchor="ctr" anchorCtr="0">
-          <a:noAutofit/>
-        </a:bodyPr>
-        <a:lstStyle/>
-        <a:p>
-          <a:pPr lvl="0" algn="ctr" defTabSz="844550">
-            <a:lnSpc>
-              <a:spcPct val="90000"/>
-            </a:lnSpc>
-            <a:spcBef>
-              <a:spcPct val="0"/>
-            </a:spcBef>
-            <a:spcAft>
-              <a:spcPct val="35000"/>
-            </a:spcAft>
-          </a:pPr>
-          <a:r>
-            <a:rPr lang="en-US" sz="1900" kern="1200" dirty="0" err="1" smtClean="0"/>
-            <a:t>Quản</a:t>
-          </a:r>
-          <a:r>
-            <a:rPr lang="en-US" sz="1900" kern="1200" dirty="0" smtClean="0"/>
-            <a:t> </a:t>
-          </a:r>
-          <a:r>
-            <a:rPr lang="en-US" sz="1900" kern="1200" dirty="0" err="1" smtClean="0"/>
-            <a:t>lý</a:t>
-          </a:r>
-          <a:r>
-            <a:rPr lang="en-US" sz="1900" kern="1200" dirty="0" smtClean="0"/>
-            <a:t> công </a:t>
-          </a:r>
-          <a:r>
-            <a:rPr lang="en-US" sz="1900" kern="1200" dirty="0" err="1" smtClean="0"/>
-            <a:t>nợ</a:t>
-          </a:r>
-          <a:endParaRPr lang="en-US" sz="1900" kern="1200" dirty="0"/>
-        </a:p>
-      </dsp:txBody>
-      <dsp:txXfrm>
-        <a:off x="3489204" y="1440841"/>
-        <a:ext cx="1585093" cy="951056"/>
-      </dsp:txXfrm>
-    </dsp:sp>
-    <dsp:sp modelId="{D309C964-D807-4C01-AE1E-DE8825D727C3}">
-      <dsp:nvSpPr>
-        <dsp:cNvPr id="0" name=""/>
-        <dsp:cNvSpPr/>
-      </dsp:nvSpPr>
-      <dsp:spPr>
-        <a:xfrm>
-          <a:off x="5232808" y="1440841"/>
-          <a:ext cx="1585093" cy="951056"/>
-        </a:xfrm>
-        <a:prstGeom prst="rect">
-          <a:avLst/>
-        </a:prstGeom>
-        <a:solidFill>
-          <a:schemeClr val="accent6">
-            <a:hueOff val="0"/>
-            <a:satOff val="0"/>
-            <a:lumOff val="0"/>
-            <a:alphaOff val="0"/>
-          </a:schemeClr>
-        </a:solidFill>
-        <a:ln w="19050" cap="flat" cmpd="sng" algn="ctr">
-          <a:solidFill>
-            <a:schemeClr val="lt1">
-              <a:hueOff val="0"/>
-              <a:satOff val="0"/>
-              <a:lumOff val="0"/>
-              <a:alphaOff val="0"/>
-            </a:schemeClr>
-          </a:solidFill>
-          <a:prstDash val="solid"/>
-          <a:miter lim="800000"/>
-        </a:ln>
-        <a:effectLst/>
-      </dsp:spPr>
-      <dsp:style>
-        <a:lnRef idx="3">
-          <a:scrgbClr r="0" g="0" b="0"/>
-        </a:lnRef>
-        <a:fillRef idx="1">
-          <a:scrgbClr r="0" g="0" b="0"/>
-        </a:fillRef>
-        <a:effectRef idx="1">
-          <a:scrgbClr r="0" g="0" b="0"/>
-        </a:effectRef>
-        <a:fontRef idx="minor">
-          <a:schemeClr val="lt1"/>
-        </a:fontRef>
-      </dsp:style>
-      <dsp:txBody>
-        <a:bodyPr spcFirstLastPara="0" vert="horz" wrap="square" lIns="72390" tIns="72390" rIns="72390" bIns="72390" numCol="1" spcCol="1270" anchor="ctr" anchorCtr="0">
-          <a:noAutofit/>
-        </a:bodyPr>
-        <a:lstStyle/>
-        <a:p>
-          <a:pPr lvl="0" algn="ctr" defTabSz="844550">
-            <a:lnSpc>
-              <a:spcPct val="90000"/>
-            </a:lnSpc>
-            <a:spcBef>
-              <a:spcPct val="0"/>
-            </a:spcBef>
-            <a:spcAft>
-              <a:spcPct val="35000"/>
-            </a:spcAft>
-          </a:pPr>
-          <a:r>
-            <a:rPr lang="en-US" sz="1900" kern="1200" dirty="0" smtClean="0"/>
-            <a:t>Thanh </a:t>
-          </a:r>
-          <a:r>
-            <a:rPr lang="en-US" sz="1900" kern="1200" dirty="0" err="1" smtClean="0"/>
-            <a:t>toán</a:t>
-          </a:r>
-          <a:r>
-            <a:rPr lang="en-US" sz="1900" kern="1200" dirty="0" smtClean="0"/>
-            <a:t> công </a:t>
-          </a:r>
-          <a:r>
-            <a:rPr lang="en-US" sz="1900" kern="1200" dirty="0" err="1" smtClean="0"/>
-            <a:t>nợ</a:t>
-          </a:r>
-          <a:endParaRPr lang="en-US" sz="1900" kern="1200" dirty="0"/>
-        </a:p>
-      </dsp:txBody>
-      <dsp:txXfrm>
-        <a:off x="5232808" y="1440841"/>
-        <a:ext cx="1585093" cy="951056"/>
-      </dsp:txXfrm>
-    </dsp:sp>
-    <dsp:sp modelId="{072A17A3-99CA-413D-881B-3376492849F3}">
-      <dsp:nvSpPr>
-        <dsp:cNvPr id="0" name=""/>
-        <dsp:cNvSpPr/>
-      </dsp:nvSpPr>
-      <dsp:spPr>
-        <a:xfrm>
-          <a:off x="1998" y="2550407"/>
-          <a:ext cx="1585093" cy="951056"/>
-        </a:xfrm>
-        <a:prstGeom prst="rect">
-          <a:avLst/>
-        </a:prstGeom>
-        <a:solidFill>
-          <a:schemeClr val="accent6">
-            <a:hueOff val="0"/>
-            <a:satOff val="0"/>
-            <a:lumOff val="0"/>
-            <a:alphaOff val="0"/>
-          </a:schemeClr>
-        </a:solidFill>
-        <a:ln w="19050" cap="flat" cmpd="sng" algn="ctr">
-          <a:solidFill>
-            <a:schemeClr val="lt1">
-              <a:hueOff val="0"/>
-              <a:satOff val="0"/>
-              <a:lumOff val="0"/>
-              <a:alphaOff val="0"/>
-            </a:schemeClr>
-          </a:solidFill>
-          <a:prstDash val="solid"/>
-          <a:miter lim="800000"/>
-        </a:ln>
-        <a:effectLst/>
-      </dsp:spPr>
-      <dsp:style>
-        <a:lnRef idx="3">
-          <a:scrgbClr r="0" g="0" b="0"/>
-        </a:lnRef>
-        <a:fillRef idx="1">
-          <a:scrgbClr r="0" g="0" b="0"/>
-        </a:fillRef>
-        <a:effectRef idx="1">
-          <a:scrgbClr r="0" g="0" b="0"/>
-        </a:effectRef>
-        <a:fontRef idx="minor">
-          <a:schemeClr val="lt1"/>
-        </a:fontRef>
-      </dsp:style>
-      <dsp:txBody>
-        <a:bodyPr spcFirstLastPara="0" vert="horz" wrap="square" lIns="72390" tIns="72390" rIns="72390" bIns="72390" numCol="1" spcCol="1270" anchor="ctr" anchorCtr="0">
-          <a:noAutofit/>
-        </a:bodyPr>
-        <a:lstStyle/>
-        <a:p>
-          <a:pPr lvl="0" algn="ctr" defTabSz="844550">
-            <a:lnSpc>
-              <a:spcPct val="90000"/>
-            </a:lnSpc>
-            <a:spcBef>
-              <a:spcPct val="0"/>
-            </a:spcBef>
-            <a:spcAft>
-              <a:spcPct val="35000"/>
-            </a:spcAft>
-          </a:pPr>
-          <a:r>
-            <a:rPr lang="en-US" sz="1900" kern="1200" dirty="0" err="1" smtClean="0"/>
-            <a:t>Quản</a:t>
-          </a:r>
-          <a:r>
-            <a:rPr lang="en-US" sz="1900" kern="1200" dirty="0" smtClean="0"/>
-            <a:t> </a:t>
-          </a:r>
-          <a:r>
-            <a:rPr lang="en-US" sz="1900" kern="1200" dirty="0" err="1" smtClean="0"/>
-            <a:t>lý</a:t>
-          </a:r>
-          <a:r>
-            <a:rPr lang="en-US" sz="1900" kern="1200" dirty="0" smtClean="0"/>
-            <a:t> tài </a:t>
-          </a:r>
-          <a:r>
-            <a:rPr lang="en-US" sz="1900" kern="1200" dirty="0" err="1" smtClean="0"/>
-            <a:t>khoản</a:t>
-          </a:r>
-          <a:r>
-            <a:rPr lang="en-US" sz="1900" kern="1200" dirty="0" smtClean="0"/>
-            <a:t> người dùng</a:t>
-          </a:r>
-          <a:endParaRPr lang="en-US" sz="1900" kern="1200" dirty="0"/>
-        </a:p>
-      </dsp:txBody>
-      <dsp:txXfrm>
-        <a:off x="1998" y="2550407"/>
-        <a:ext cx="1585093" cy="951056"/>
-      </dsp:txXfrm>
-    </dsp:sp>
-    <dsp:sp modelId="{2EF538D7-C6B6-4DC0-BFED-09D96B44C1A9}">
-      <dsp:nvSpPr>
-        <dsp:cNvPr id="0" name=""/>
-        <dsp:cNvSpPr/>
-      </dsp:nvSpPr>
-      <dsp:spPr>
-        <a:xfrm>
-          <a:off x="1745601" y="2550407"/>
-          <a:ext cx="1585093" cy="951056"/>
-        </a:xfrm>
-        <a:prstGeom prst="rect">
-          <a:avLst/>
-        </a:prstGeom>
-        <a:solidFill>
-          <a:schemeClr val="accent6">
-            <a:hueOff val="0"/>
-            <a:satOff val="0"/>
-            <a:lumOff val="0"/>
-            <a:alphaOff val="0"/>
-          </a:schemeClr>
-        </a:solidFill>
-        <a:ln w="19050" cap="flat" cmpd="sng" algn="ctr">
-          <a:solidFill>
-            <a:schemeClr val="lt1">
-              <a:hueOff val="0"/>
-              <a:satOff val="0"/>
-              <a:lumOff val="0"/>
-              <a:alphaOff val="0"/>
-            </a:schemeClr>
-          </a:solidFill>
-          <a:prstDash val="solid"/>
-          <a:miter lim="800000"/>
-        </a:ln>
-        <a:effectLst/>
-      </dsp:spPr>
-      <dsp:style>
-        <a:lnRef idx="3">
-          <a:scrgbClr r="0" g="0" b="0"/>
-        </a:lnRef>
-        <a:fillRef idx="1">
-          <a:scrgbClr r="0" g="0" b="0"/>
-        </a:fillRef>
-        <a:effectRef idx="1">
-          <a:scrgbClr r="0" g="0" b="0"/>
-        </a:effectRef>
-        <a:fontRef idx="minor">
-          <a:schemeClr val="lt1"/>
-        </a:fontRef>
-      </dsp:style>
-      <dsp:txBody>
-        <a:bodyPr spcFirstLastPara="0" vert="horz" wrap="square" lIns="72390" tIns="72390" rIns="72390" bIns="72390" numCol="1" spcCol="1270" anchor="ctr" anchorCtr="0">
-          <a:noAutofit/>
-        </a:bodyPr>
-        <a:lstStyle/>
-        <a:p>
-          <a:pPr lvl="0" algn="ctr" defTabSz="844550">
-            <a:lnSpc>
-              <a:spcPct val="90000"/>
-            </a:lnSpc>
-            <a:spcBef>
-              <a:spcPct val="0"/>
-            </a:spcBef>
-            <a:spcAft>
-              <a:spcPct val="35000"/>
-            </a:spcAft>
-          </a:pPr>
-          <a:r>
-            <a:rPr lang="en-US" sz="1900" kern="1200" dirty="0" err="1" smtClean="0"/>
-            <a:t>Tra</a:t>
-          </a:r>
-          <a:r>
-            <a:rPr lang="en-US" sz="1900" kern="1200" dirty="0" smtClean="0"/>
-            <a:t> </a:t>
-          </a:r>
-          <a:r>
-            <a:rPr lang="en-US" sz="1900" kern="1200" dirty="0" err="1" smtClean="0"/>
-            <a:t>cứu</a:t>
-          </a:r>
-          <a:r>
-            <a:rPr lang="en-US" sz="1900" kern="1200" dirty="0" smtClean="0"/>
-            <a:t> </a:t>
-          </a:r>
-          <a:r>
-            <a:rPr lang="en-US" sz="1900" kern="1200" dirty="0" err="1" smtClean="0"/>
-            <a:t>hóa</a:t>
-          </a:r>
-          <a:r>
-            <a:rPr lang="en-US" sz="1900" kern="1200" dirty="0" smtClean="0"/>
-            <a:t> </a:t>
-          </a:r>
-          <a:r>
-            <a:rPr lang="en-US" sz="1900" kern="1200" dirty="0" err="1" smtClean="0"/>
-            <a:t>đơn</a:t>
-          </a:r>
-          <a:endParaRPr lang="en-US" sz="1900" kern="1200" dirty="0"/>
-        </a:p>
-      </dsp:txBody>
-      <dsp:txXfrm>
-        <a:off x="1745601" y="2550407"/>
-        <a:ext cx="1585093" cy="951056"/>
-      </dsp:txXfrm>
-    </dsp:sp>
-    <dsp:sp modelId="{382BB8E5-8BB0-4D69-81DC-9F640062F725}">
-      <dsp:nvSpPr>
-        <dsp:cNvPr id="0" name=""/>
-        <dsp:cNvSpPr/>
-      </dsp:nvSpPr>
-      <dsp:spPr>
-        <a:xfrm>
-          <a:off x="3489204" y="2550407"/>
-          <a:ext cx="1585093" cy="951056"/>
-        </a:xfrm>
-        <a:prstGeom prst="rect">
-          <a:avLst/>
-        </a:prstGeom>
-        <a:solidFill>
-          <a:schemeClr val="accent6">
-            <a:hueOff val="0"/>
-            <a:satOff val="0"/>
-            <a:lumOff val="0"/>
-            <a:alphaOff val="0"/>
-          </a:schemeClr>
-        </a:solidFill>
-        <a:ln w="19050" cap="flat" cmpd="sng" algn="ctr">
-          <a:solidFill>
-            <a:schemeClr val="lt1">
-              <a:hueOff val="0"/>
-              <a:satOff val="0"/>
-              <a:lumOff val="0"/>
-              <a:alphaOff val="0"/>
-            </a:schemeClr>
-          </a:solidFill>
-          <a:prstDash val="solid"/>
-          <a:miter lim="800000"/>
-        </a:ln>
-        <a:effectLst/>
-      </dsp:spPr>
-      <dsp:style>
-        <a:lnRef idx="3">
-          <a:scrgbClr r="0" g="0" b="0"/>
-        </a:lnRef>
-        <a:fillRef idx="1">
-          <a:scrgbClr r="0" g="0" b="0"/>
-        </a:fillRef>
-        <a:effectRef idx="1">
-          <a:scrgbClr r="0" g="0" b="0"/>
-        </a:effectRef>
-        <a:fontRef idx="minor">
-          <a:schemeClr val="lt1"/>
-        </a:fontRef>
-      </dsp:style>
-      <dsp:txBody>
-        <a:bodyPr spcFirstLastPara="0" vert="horz" wrap="square" lIns="72390" tIns="72390" rIns="72390" bIns="72390" numCol="1" spcCol="1270" anchor="ctr" anchorCtr="0">
-          <a:noAutofit/>
-        </a:bodyPr>
-        <a:lstStyle/>
-        <a:p>
-          <a:pPr lvl="0" algn="ctr" defTabSz="844550">
-            <a:lnSpc>
-              <a:spcPct val="90000"/>
-            </a:lnSpc>
-            <a:spcBef>
-              <a:spcPct val="0"/>
-            </a:spcBef>
-            <a:spcAft>
-              <a:spcPct val="35000"/>
-            </a:spcAft>
-          </a:pPr>
-          <a:r>
-            <a:rPr lang="en-US" sz="1900" kern="1200" dirty="0" err="1" smtClean="0"/>
-            <a:t>Quản</a:t>
-          </a:r>
-          <a:r>
-            <a:rPr lang="en-US" sz="1900" kern="1200" dirty="0" smtClean="0"/>
-            <a:t> </a:t>
-          </a:r>
-          <a:r>
-            <a:rPr lang="en-US" sz="1900" kern="1200" dirty="0" err="1" smtClean="0"/>
-            <a:t>lý</a:t>
-          </a:r>
-          <a:r>
-            <a:rPr lang="en-US" sz="1900" kern="1200" dirty="0" smtClean="0"/>
-            <a:t> tài </a:t>
-          </a:r>
-          <a:r>
-            <a:rPr lang="en-US" sz="1900" kern="1200" dirty="0" err="1" smtClean="0"/>
-            <a:t>khoản</a:t>
-          </a:r>
-          <a:r>
-            <a:rPr lang="en-US" sz="1900" kern="1200" dirty="0" smtClean="0"/>
-            <a:t> </a:t>
-          </a:r>
-          <a:r>
-            <a:rPr lang="en-US" sz="1900" kern="1200" dirty="0" err="1" smtClean="0"/>
-            <a:t>cá</a:t>
-          </a:r>
-          <a:r>
-            <a:rPr lang="en-US" sz="1900" kern="1200" dirty="0" smtClean="0"/>
-            <a:t> nhân</a:t>
-          </a:r>
-          <a:endParaRPr lang="en-US" sz="1900" kern="1200" dirty="0"/>
-        </a:p>
-      </dsp:txBody>
-      <dsp:txXfrm>
-        <a:off x="3489204" y="2550407"/>
-        <a:ext cx="1585093" cy="951056"/>
-      </dsp:txXfrm>
-    </dsp:sp>
-    <dsp:sp modelId="{00832907-360F-4769-ADEB-35382A71972A}">
-      <dsp:nvSpPr>
-        <dsp:cNvPr id="0" name=""/>
-        <dsp:cNvSpPr/>
-      </dsp:nvSpPr>
-      <dsp:spPr>
-        <a:xfrm>
-          <a:off x="5232808" y="2550407"/>
-          <a:ext cx="1585093" cy="951056"/>
-        </a:xfrm>
-        <a:prstGeom prst="rect">
-          <a:avLst/>
-        </a:prstGeom>
-        <a:solidFill>
-          <a:schemeClr val="accent6">
-            <a:hueOff val="0"/>
-            <a:satOff val="0"/>
-            <a:lumOff val="0"/>
-            <a:alphaOff val="0"/>
-          </a:schemeClr>
-        </a:solidFill>
-        <a:ln w="19050" cap="flat" cmpd="sng" algn="ctr">
-          <a:solidFill>
-            <a:schemeClr val="lt1">
-              <a:hueOff val="0"/>
-              <a:satOff val="0"/>
-              <a:lumOff val="0"/>
-              <a:alphaOff val="0"/>
-            </a:schemeClr>
-          </a:solidFill>
-          <a:prstDash val="solid"/>
-          <a:miter lim="800000"/>
-        </a:ln>
-        <a:effectLst/>
-      </dsp:spPr>
-      <dsp:style>
-        <a:lnRef idx="3">
-          <a:scrgbClr r="0" g="0" b="0"/>
-        </a:lnRef>
-        <a:fillRef idx="1">
-          <a:scrgbClr r="0" g="0" b="0"/>
-        </a:fillRef>
-        <a:effectRef idx="1">
-          <a:scrgbClr r="0" g="0" b="0"/>
-        </a:effectRef>
-        <a:fontRef idx="minor">
-          <a:schemeClr val="lt1"/>
-        </a:fontRef>
-      </dsp:style>
-      <dsp:txBody>
-        <a:bodyPr spcFirstLastPara="0" vert="horz" wrap="square" lIns="72390" tIns="72390" rIns="72390" bIns="72390" numCol="1" spcCol="1270" anchor="ctr" anchorCtr="0">
-          <a:noAutofit/>
-        </a:bodyPr>
-        <a:lstStyle/>
-        <a:p>
-          <a:pPr lvl="0" algn="ctr" defTabSz="844550">
-            <a:lnSpc>
-              <a:spcPct val="90000"/>
-            </a:lnSpc>
-            <a:spcBef>
-              <a:spcPct val="0"/>
-            </a:spcBef>
-            <a:spcAft>
-              <a:spcPct val="35000"/>
-            </a:spcAft>
-          </a:pPr>
-          <a:r>
-            <a:rPr lang="en-US" sz="1900" kern="1200" dirty="0" err="1" smtClean="0"/>
-            <a:t>Lời</a:t>
-          </a:r>
-          <a:r>
-            <a:rPr lang="en-US" sz="1900" kern="1200" dirty="0" smtClean="0"/>
-            <a:t> </a:t>
-          </a:r>
-          <a:r>
-            <a:rPr lang="en-US" sz="1900" kern="1200" dirty="0" err="1" smtClean="0"/>
-            <a:t>nhắc</a:t>
-          </a:r>
-          <a:endParaRPr lang="en-US" sz="1900" kern="1200" dirty="0"/>
-        </a:p>
-      </dsp:txBody>
-      <dsp:txXfrm>
-        <a:off x="5232808" y="2550407"/>
-        <a:ext cx="1585093" cy="951056"/>
-      </dsp:txXfrm>
-    </dsp:sp>
   </dsp:spTree>
 </dsp:drawing>
 </file>
@@ -10926,21 +8381,7 @@
               <a:latin typeface="Arial" panose="020B0604020202020204" pitchFamily="34" charset="0"/>
               <a:cs typeface="Arial" panose="020B0604020202020204" pitchFamily="34" charset="0"/>
             </a:rPr>
-            <a:t> giúp thông </a:t>
-          </a:r>
-          <a:r>
-            <a:rPr lang="en-US" sz="1700" kern="1200" dirty="0" err="1" smtClean="0">
-              <a:latin typeface="Arial" panose="020B0604020202020204" pitchFamily="34" charset="0"/>
-              <a:cs typeface="Arial" panose="020B0604020202020204" pitchFamily="34" charset="0"/>
-            </a:rPr>
-            <a:t>kê</a:t>
-          </a:r>
-          <a:r>
-            <a:rPr lang="en-US" sz="1700" kern="1200" dirty="0" smtClean="0">
-              <a:latin typeface="Arial" panose="020B0604020202020204" pitchFamily="34" charset="0"/>
-              <a:cs typeface="Arial" panose="020B0604020202020204" pitchFamily="34" charset="0"/>
-            </a:rPr>
-            <a:t>, </a:t>
+            <a:t> </a:t>
           </a:r>
           <a:r>
             <a:rPr lang="en-US" sz="1700" kern="1200" dirty="0" err="1" smtClean="0">
@@ -16263,7 +13704,7 @@
           <p:cNvPr id="2" name="Header Placeholder 1">
             <a:extLst>
               <a:ext uri="{FF2B5EF4-FFF2-40B4-BE49-F238E27FC236}">
-                <a16:creationId xmlns:a16="http://schemas.microsoft.com/office/drawing/2014/main" xmlns="" id="{E8BEDA40-91A9-49DC-B402-0EBE674AAEA5}"/>
+                <a16:creationId xmlns="" xmlns:a16="http://schemas.microsoft.com/office/drawing/2014/main" id="{E8BEDA40-91A9-49DC-B402-0EBE674AAEA5}"/>
               </a:ext>
             </a:extLst>
           </p:cNvPr>
@@ -16300,7 +13741,7 @@
           <p:cNvPr id="3" name="Date Placeholder 2">
             <a:extLst>
               <a:ext uri="{FF2B5EF4-FFF2-40B4-BE49-F238E27FC236}">
-                <a16:creationId xmlns:a16="http://schemas.microsoft.com/office/drawing/2014/main" xmlns="" id="{E8CBB508-5589-42E7-A433-D119AC0FFB77}"/>
+                <a16:creationId xmlns="" xmlns:a16="http://schemas.microsoft.com/office/drawing/2014/main" id="{E8CBB508-5589-42E7-A433-D119AC0FFB77}"/>
               </a:ext>
             </a:extLst>
           </p:cNvPr>
@@ -16330,7 +13771,7 @@
           <a:p>
             <a:fld id="{872BFC85-49E4-447A-A7E3-16153CB2FE2A}" type="datetimeFigureOut">
               <a:rPr lang="en-US" smtClean="0"/>
-              <a:t>12/25/2024</a:t>
+              <a:t>12/26/2024</a:t>
             </a:fld>
             <a:endParaRPr lang="en-US" dirty="0"/>
           </a:p>
@@ -16341,7 +13782,7 @@
           <p:cNvPr id="4" name="Footer Placeholder 3">
             <a:extLst>
               <a:ext uri="{FF2B5EF4-FFF2-40B4-BE49-F238E27FC236}">
-                <a16:creationId xmlns:a16="http://schemas.microsoft.com/office/drawing/2014/main" xmlns="" id="{E9232ABA-B33A-4B3B-8412-C1773FBF3DB6}"/>
+                <a16:creationId xmlns="" xmlns:a16="http://schemas.microsoft.com/office/drawing/2014/main" id="{E9232ABA-B33A-4B3B-8412-C1773FBF3DB6}"/>
               </a:ext>
             </a:extLst>
           </p:cNvPr>
@@ -16378,7 +13819,7 @@
           <p:cNvPr id="5" name="Slide Number Placeholder 4">
             <a:extLst>
               <a:ext uri="{FF2B5EF4-FFF2-40B4-BE49-F238E27FC236}">
-                <a16:creationId xmlns:a16="http://schemas.microsoft.com/office/drawing/2014/main" xmlns="" id="{BAB1832E-3B48-42CB-80A7-CD8E48D52DDC}"/>
+                <a16:creationId xmlns="" xmlns:a16="http://schemas.microsoft.com/office/drawing/2014/main" id="{BAB1832E-3B48-42CB-80A7-CD8E48D52DDC}"/>
               </a:ext>
             </a:extLst>
           </p:cNvPr>
@@ -16507,7 +13948,7 @@
           <a:p>
             <a:fld id="{1071B50E-4C60-4F9E-B773-52059170945B}" type="datetimeFigureOut">
               <a:rPr lang="en-US" noProof="0" smtClean="0"/>
-              <a:t>12/25/2024</a:t>
+              <a:t>12/26/2024</a:t>
             </a:fld>
             <a:endParaRPr lang="en-US" noProof="0" dirty="0"/>
           </a:p>
@@ -16796,7 +14237,7 @@
           <p:cNvPr id="11" name="Right Triangle 10">
             <a:extLst>
               <a:ext uri="{FF2B5EF4-FFF2-40B4-BE49-F238E27FC236}">
-                <a16:creationId xmlns:a16="http://schemas.microsoft.com/office/drawing/2014/main" xmlns="" id="{037924D2-2AB4-4BE1-9687-836615C72DFC}"/>
+                <a16:creationId xmlns="" xmlns:a16="http://schemas.microsoft.com/office/drawing/2014/main" id="{037924D2-2AB4-4BE1-9687-836615C72DFC}"/>
               </a:ext>
             </a:extLst>
           </p:cNvPr>
@@ -16848,7 +14289,7 @@
           <p:cNvPr id="16" name="Straight Connector 15">
             <a:extLst>
               <a:ext uri="{FF2B5EF4-FFF2-40B4-BE49-F238E27FC236}">
-                <a16:creationId xmlns:a16="http://schemas.microsoft.com/office/drawing/2014/main" xmlns="" id="{A93BC534-BFA1-4292-899F-03AC711BF7C5}"/>
+                <a16:creationId xmlns="" xmlns:a16="http://schemas.microsoft.com/office/drawing/2014/main" id="{A93BC534-BFA1-4292-899F-03AC711BF7C5}"/>
               </a:ext>
             </a:extLst>
           </p:cNvPr>
@@ -16893,7 +14334,7 @@
           <p:cNvPr id="25" name="Picture Placeholder 24">
             <a:extLst>
               <a:ext uri="{FF2B5EF4-FFF2-40B4-BE49-F238E27FC236}">
-                <a16:creationId xmlns:a16="http://schemas.microsoft.com/office/drawing/2014/main" xmlns="" id="{73B47EE6-EDE6-4881-B456-B37D9C1ADE38}"/>
+                <a16:creationId xmlns="" xmlns:a16="http://schemas.microsoft.com/office/drawing/2014/main" id="{73B47EE6-EDE6-4881-B456-B37D9C1ADE38}"/>
               </a:ext>
             </a:extLst>
           </p:cNvPr>
@@ -17000,7 +14441,7 @@
           <p:cNvPr id="18" name="Straight Connector 17">
             <a:extLst>
               <a:ext uri="{FF2B5EF4-FFF2-40B4-BE49-F238E27FC236}">
-                <a16:creationId xmlns:a16="http://schemas.microsoft.com/office/drawing/2014/main" xmlns="" id="{EBEE4DB5-5DEF-4DDB-9764-FD834B9DCAEC}"/>
+                <a16:creationId xmlns="" xmlns:a16="http://schemas.microsoft.com/office/drawing/2014/main" id="{EBEE4DB5-5DEF-4DDB-9764-FD834B9DCAEC}"/>
               </a:ext>
             </a:extLst>
           </p:cNvPr>
@@ -17043,7 +14484,7 @@
           <p:cNvPr id="2" name="Title 1" title="Title">
             <a:extLst>
               <a:ext uri="{FF2B5EF4-FFF2-40B4-BE49-F238E27FC236}">
-                <a16:creationId xmlns:a16="http://schemas.microsoft.com/office/drawing/2014/main" xmlns="" id="{A648E0EA-49ED-4F2D-A107-8FCE6301FC88}"/>
+                <a16:creationId xmlns="" xmlns:a16="http://schemas.microsoft.com/office/drawing/2014/main" id="{A648E0EA-49ED-4F2D-A107-8FCE6301FC88}"/>
               </a:ext>
             </a:extLst>
           </p:cNvPr>
@@ -17089,7 +14530,7 @@
           <p:cNvPr id="3" name="Subtitle 2" title="Subtitle">
             <a:extLst>
               <a:ext uri="{FF2B5EF4-FFF2-40B4-BE49-F238E27FC236}">
-                <a16:creationId xmlns:a16="http://schemas.microsoft.com/office/drawing/2014/main" xmlns="" id="{06317687-D49E-41F7-A330-C78C728F0D12}"/>
+                <a16:creationId xmlns="" xmlns:a16="http://schemas.microsoft.com/office/drawing/2014/main" id="{06317687-D49E-41F7-A330-C78C728F0D12}"/>
               </a:ext>
             </a:extLst>
           </p:cNvPr>
@@ -17168,7 +14609,7 @@
           <p:cNvPr id="9" name="Straight Connector 8">
             <a:extLst>
               <a:ext uri="{FF2B5EF4-FFF2-40B4-BE49-F238E27FC236}">
-                <a16:creationId xmlns:a16="http://schemas.microsoft.com/office/drawing/2014/main" xmlns="" id="{162849C0-AA0D-4E1A-B4B6-E6A5917AC0A5}"/>
+                <a16:creationId xmlns="" xmlns:a16="http://schemas.microsoft.com/office/drawing/2014/main" id="{162849C0-AA0D-4E1A-B4B6-E6A5917AC0A5}"/>
               </a:ext>
             </a:extLst>
           </p:cNvPr>
@@ -17282,7 +14723,7 @@
           <p:cNvPr id="11" name="Right Triangle 10">
             <a:extLst>
               <a:ext uri="{FF2B5EF4-FFF2-40B4-BE49-F238E27FC236}">
-                <a16:creationId xmlns:a16="http://schemas.microsoft.com/office/drawing/2014/main" xmlns="" id="{037924D2-2AB4-4BE1-9687-836615C72DFC}"/>
+                <a16:creationId xmlns="" xmlns:a16="http://schemas.microsoft.com/office/drawing/2014/main" id="{037924D2-2AB4-4BE1-9687-836615C72DFC}"/>
               </a:ext>
             </a:extLst>
           </p:cNvPr>
@@ -17334,7 +14775,7 @@
           <p:cNvPr id="16" name="Straight Connector 15">
             <a:extLst>
               <a:ext uri="{FF2B5EF4-FFF2-40B4-BE49-F238E27FC236}">
-                <a16:creationId xmlns:a16="http://schemas.microsoft.com/office/drawing/2014/main" xmlns="" id="{A93BC534-BFA1-4292-899F-03AC711BF7C5}"/>
+                <a16:creationId xmlns="" xmlns:a16="http://schemas.microsoft.com/office/drawing/2014/main" id="{A93BC534-BFA1-4292-899F-03AC711BF7C5}"/>
               </a:ext>
             </a:extLst>
           </p:cNvPr>
@@ -17379,7 +14820,7 @@
           <p:cNvPr id="18" name="Straight Connector 17">
             <a:extLst>
               <a:ext uri="{FF2B5EF4-FFF2-40B4-BE49-F238E27FC236}">
-                <a16:creationId xmlns:a16="http://schemas.microsoft.com/office/drawing/2014/main" xmlns="" id="{EBEE4DB5-5DEF-4DDB-9764-FD834B9DCAEC}"/>
+                <a16:creationId xmlns="" xmlns:a16="http://schemas.microsoft.com/office/drawing/2014/main" id="{EBEE4DB5-5DEF-4DDB-9764-FD834B9DCAEC}"/>
               </a:ext>
             </a:extLst>
           </p:cNvPr>
@@ -17422,7 +14863,7 @@
           <p:cNvPr id="2" name="Title 1" title="Title">
             <a:extLst>
               <a:ext uri="{FF2B5EF4-FFF2-40B4-BE49-F238E27FC236}">
-                <a16:creationId xmlns:a16="http://schemas.microsoft.com/office/drawing/2014/main" xmlns="" id="{A648E0EA-49ED-4F2D-A107-8FCE6301FC88}"/>
+                <a16:creationId xmlns="" xmlns:a16="http://schemas.microsoft.com/office/drawing/2014/main" id="{A648E0EA-49ED-4F2D-A107-8FCE6301FC88}"/>
               </a:ext>
             </a:extLst>
           </p:cNvPr>
@@ -17468,7 +14909,7 @@
           <p:cNvPr id="3" name="Subtitle 2" title="Subtitle">
             <a:extLst>
               <a:ext uri="{FF2B5EF4-FFF2-40B4-BE49-F238E27FC236}">
-                <a16:creationId xmlns:a16="http://schemas.microsoft.com/office/drawing/2014/main" xmlns="" id="{06317687-D49E-41F7-A330-C78C728F0D12}"/>
+                <a16:creationId xmlns="" xmlns:a16="http://schemas.microsoft.com/office/drawing/2014/main" id="{06317687-D49E-41F7-A330-C78C728F0D12}"/>
               </a:ext>
             </a:extLst>
           </p:cNvPr>
@@ -17547,7 +14988,7 @@
           <p:cNvPr id="9" name="Straight Connector 8">
             <a:extLst>
               <a:ext uri="{FF2B5EF4-FFF2-40B4-BE49-F238E27FC236}">
-                <a16:creationId xmlns:a16="http://schemas.microsoft.com/office/drawing/2014/main" xmlns="" id="{162849C0-AA0D-4E1A-B4B6-E6A5917AC0A5}"/>
+                <a16:creationId xmlns="" xmlns:a16="http://schemas.microsoft.com/office/drawing/2014/main" id="{162849C0-AA0D-4E1A-B4B6-E6A5917AC0A5}"/>
               </a:ext>
             </a:extLst>
           </p:cNvPr>
@@ -17661,7 +15102,7 @@
           <p:cNvPr id="19" name="Right Triangle 18">
             <a:extLst>
               <a:ext uri="{FF2B5EF4-FFF2-40B4-BE49-F238E27FC236}">
-                <a16:creationId xmlns:a16="http://schemas.microsoft.com/office/drawing/2014/main" xmlns="" id="{71D0E8AA-902F-440D-9C55-2A391C22396A}"/>
+                <a16:creationId xmlns="" xmlns:a16="http://schemas.microsoft.com/office/drawing/2014/main" id="{71D0E8AA-902F-440D-9C55-2A391C22396A}"/>
               </a:ext>
             </a:extLst>
           </p:cNvPr>
@@ -17713,7 +15154,7 @@
           <p:cNvPr id="17" name="Parallelogram 16">
             <a:extLst>
               <a:ext uri="{FF2B5EF4-FFF2-40B4-BE49-F238E27FC236}">
-                <a16:creationId xmlns:a16="http://schemas.microsoft.com/office/drawing/2014/main" xmlns="" id="{7D937721-835D-4D84-94A3-6C79D4639514}"/>
+                <a16:creationId xmlns="" xmlns:a16="http://schemas.microsoft.com/office/drawing/2014/main" id="{7D937721-835D-4D84-94A3-6C79D4639514}"/>
               </a:ext>
             </a:extLst>
           </p:cNvPr>
@@ -17767,7 +15208,7 @@
           <p:cNvPr id="18" name="Straight Connector 17">
             <a:extLst>
               <a:ext uri="{FF2B5EF4-FFF2-40B4-BE49-F238E27FC236}">
-                <a16:creationId xmlns:a16="http://schemas.microsoft.com/office/drawing/2014/main" xmlns="" id="{732BB30B-8262-4715-998F-AAF6A81ADFD3}"/>
+                <a16:creationId xmlns="" xmlns:a16="http://schemas.microsoft.com/office/drawing/2014/main" id="{732BB30B-8262-4715-998F-AAF6A81ADFD3}"/>
               </a:ext>
             </a:extLst>
           </p:cNvPr>
@@ -17812,7 +15253,7 @@
           <p:cNvPr id="100" name="Title 1" title="Title">
             <a:extLst>
               <a:ext uri="{FF2B5EF4-FFF2-40B4-BE49-F238E27FC236}">
-                <a16:creationId xmlns:a16="http://schemas.microsoft.com/office/drawing/2014/main" xmlns="" id="{4D7EF399-DAA5-44EC-B712-79C755FE84CB}"/>
+                <a16:creationId xmlns="" xmlns:a16="http://schemas.microsoft.com/office/drawing/2014/main" id="{4D7EF399-DAA5-44EC-B712-79C755FE84CB}"/>
               </a:ext>
             </a:extLst>
           </p:cNvPr>
@@ -17860,7 +15301,7 @@
           <p:cNvPr id="101" name="Text Placeholder 2" title="Subtitle">
             <a:extLst>
               <a:ext uri="{FF2B5EF4-FFF2-40B4-BE49-F238E27FC236}">
-                <a16:creationId xmlns:a16="http://schemas.microsoft.com/office/drawing/2014/main" xmlns="" id="{26D13BFA-61B0-402F-8611-02D3DFDBEBCB}"/>
+                <a16:creationId xmlns="" xmlns:a16="http://schemas.microsoft.com/office/drawing/2014/main" id="{26D13BFA-61B0-402F-8611-02D3DFDBEBCB}"/>
               </a:ext>
             </a:extLst>
           </p:cNvPr>
@@ -17990,7 +15431,7 @@
           <p:cNvPr id="21" name="Straight Connector 20">
             <a:extLst>
               <a:ext uri="{FF2B5EF4-FFF2-40B4-BE49-F238E27FC236}">
-                <a16:creationId xmlns:a16="http://schemas.microsoft.com/office/drawing/2014/main" xmlns="" id="{DA0A0C24-D997-4E78-951F-AFB51C70EFCC}"/>
+                <a16:creationId xmlns="" xmlns:a16="http://schemas.microsoft.com/office/drawing/2014/main" id="{DA0A0C24-D997-4E78-951F-AFB51C70EFCC}"/>
               </a:ext>
             </a:extLst>
           </p:cNvPr>
@@ -18033,7 +15474,7 @@
           <p:cNvPr id="25" name="Parallelogram 24">
             <a:extLst>
               <a:ext uri="{FF2B5EF4-FFF2-40B4-BE49-F238E27FC236}">
-                <a16:creationId xmlns:a16="http://schemas.microsoft.com/office/drawing/2014/main" xmlns="" id="{E123A0CF-50D6-46EC-8BF6-43E38AFCD588}"/>
+                <a16:creationId xmlns="" xmlns:a16="http://schemas.microsoft.com/office/drawing/2014/main" id="{E123A0CF-50D6-46EC-8BF6-43E38AFCD588}"/>
               </a:ext>
             </a:extLst>
           </p:cNvPr>
@@ -18092,7 +15533,7 @@
           <p:cNvPr id="26" name="Straight Connector 25">
             <a:extLst>
               <a:ext uri="{FF2B5EF4-FFF2-40B4-BE49-F238E27FC236}">
-                <a16:creationId xmlns:a16="http://schemas.microsoft.com/office/drawing/2014/main" xmlns="" id="{2B2F1D2E-B631-4CB1-9448-2B50F8C46316}"/>
+                <a16:creationId xmlns="" xmlns:a16="http://schemas.microsoft.com/office/drawing/2014/main" id="{2B2F1D2E-B631-4CB1-9448-2B50F8C46316}"/>
               </a:ext>
             </a:extLst>
           </p:cNvPr>
@@ -18137,7 +15578,7 @@
           <p:cNvPr id="16" name="Straight Connector 15">
             <a:extLst>
               <a:ext uri="{FF2B5EF4-FFF2-40B4-BE49-F238E27FC236}">
-                <a16:creationId xmlns:a16="http://schemas.microsoft.com/office/drawing/2014/main" xmlns="" id="{5CF69447-82AD-475F-A3AE-3D7FF61DBFE2}"/>
+                <a16:creationId xmlns="" xmlns:a16="http://schemas.microsoft.com/office/drawing/2014/main" id="{5CF69447-82AD-475F-A3AE-3D7FF61DBFE2}"/>
               </a:ext>
             </a:extLst>
           </p:cNvPr>
@@ -18180,7 +15621,7 @@
           <p:cNvPr id="24" name="Parallelogram 23">
             <a:extLst>
               <a:ext uri="{FF2B5EF4-FFF2-40B4-BE49-F238E27FC236}">
-                <a16:creationId xmlns:a16="http://schemas.microsoft.com/office/drawing/2014/main" xmlns="" id="{FC8C82F3-94EE-4B4F-A01D-993A41BC00B1}"/>
+                <a16:creationId xmlns="" xmlns:a16="http://schemas.microsoft.com/office/drawing/2014/main" id="{FC8C82F3-94EE-4B4F-A01D-993A41BC00B1}"/>
               </a:ext>
             </a:extLst>
           </p:cNvPr>
@@ -18300,7 +15741,7 @@
           <p:cNvPr id="22" name="Straight Connector 21">
             <a:extLst>
               <a:ext uri="{FF2B5EF4-FFF2-40B4-BE49-F238E27FC236}">
-                <a16:creationId xmlns:a16="http://schemas.microsoft.com/office/drawing/2014/main" xmlns="" id="{01AF1CF9-9F46-4541-8FF1-B9C53244EE1A}"/>
+                <a16:creationId xmlns="" xmlns:a16="http://schemas.microsoft.com/office/drawing/2014/main" id="{01AF1CF9-9F46-4541-8FF1-B9C53244EE1A}"/>
               </a:ext>
             </a:extLst>
           </p:cNvPr>
@@ -18343,7 +15784,7 @@
           <p:cNvPr id="23" name="Group 22">
             <a:extLst>
               <a:ext uri="{FF2B5EF4-FFF2-40B4-BE49-F238E27FC236}">
-                <a16:creationId xmlns:a16="http://schemas.microsoft.com/office/drawing/2014/main" xmlns="" id="{AB0E1BA4-80FE-4826-BA2F-083C3A5BB7FA}"/>
+                <a16:creationId xmlns="" xmlns:a16="http://schemas.microsoft.com/office/drawing/2014/main" id="{AB0E1BA4-80FE-4826-BA2F-083C3A5BB7FA}"/>
               </a:ext>
             </a:extLst>
           </p:cNvPr>
@@ -18363,7 +15804,7 @@
             <p:cNvPr id="26" name="Diagonal Stripe 25">
               <a:extLst>
                 <a:ext uri="{FF2B5EF4-FFF2-40B4-BE49-F238E27FC236}">
-                  <a16:creationId xmlns:a16="http://schemas.microsoft.com/office/drawing/2014/main" xmlns="" id="{0697993E-CD44-40B9-805C-77BC608618A7}"/>
+                  <a16:creationId xmlns="" xmlns:a16="http://schemas.microsoft.com/office/drawing/2014/main" id="{0697993E-CD44-40B9-805C-77BC608618A7}"/>
                 </a:ext>
               </a:extLst>
             </p:cNvPr>
@@ -18421,7 +15862,7 @@
             <p:cNvPr id="28" name="Straight Connector 27">
               <a:extLst>
                 <a:ext uri="{FF2B5EF4-FFF2-40B4-BE49-F238E27FC236}">
-                  <a16:creationId xmlns:a16="http://schemas.microsoft.com/office/drawing/2014/main" xmlns="" id="{DDBD869A-51AE-4AC9-A3E0-38E8C732B1E8}"/>
+                  <a16:creationId xmlns="" xmlns:a16="http://schemas.microsoft.com/office/drawing/2014/main" id="{DDBD869A-51AE-4AC9-A3E0-38E8C732B1E8}"/>
                 </a:ext>
               </a:extLst>
             </p:cNvPr>
@@ -18466,7 +15907,7 @@
             <p:cNvPr id="30" name="Parallelogram 29">
               <a:extLst>
                 <a:ext uri="{FF2B5EF4-FFF2-40B4-BE49-F238E27FC236}">
-                  <a16:creationId xmlns:a16="http://schemas.microsoft.com/office/drawing/2014/main" xmlns="" id="{DE18C3B6-28E6-4BBC-B634-F81DE5A9D13C}"/>
+                  <a16:creationId xmlns="" xmlns:a16="http://schemas.microsoft.com/office/drawing/2014/main" id="{DE18C3B6-28E6-4BBC-B634-F81DE5A9D13C}"/>
                 </a:ext>
               </a:extLst>
             </p:cNvPr>
@@ -18521,7 +15962,7 @@
           <p:cNvPr id="25" name="TextBox 24">
             <a:extLst>
               <a:ext uri="{FF2B5EF4-FFF2-40B4-BE49-F238E27FC236}">
-                <a16:creationId xmlns:a16="http://schemas.microsoft.com/office/drawing/2014/main" xmlns="" id="{F0BB4D3D-930C-4FF4-BB7C-2CB24208150C}"/>
+                <a16:creationId xmlns="" xmlns:a16="http://schemas.microsoft.com/office/drawing/2014/main" id="{F0BB4D3D-930C-4FF4-BB7C-2CB24208150C}"/>
               </a:ext>
             </a:extLst>
           </p:cNvPr>
@@ -18561,7 +16002,7 @@
           <p:cNvPr id="36" name="Parallelogram 35">
             <a:extLst>
               <a:ext uri="{FF2B5EF4-FFF2-40B4-BE49-F238E27FC236}">
-                <a16:creationId xmlns:a16="http://schemas.microsoft.com/office/drawing/2014/main" xmlns="" id="{4EBB76E7-943E-4038-B700-114F66FBC609}"/>
+                <a16:creationId xmlns="" xmlns:a16="http://schemas.microsoft.com/office/drawing/2014/main" id="{4EBB76E7-943E-4038-B700-114F66FBC609}"/>
               </a:ext>
             </a:extLst>
           </p:cNvPr>
@@ -18620,7 +16061,7 @@
           <p:cNvPr id="2" name="Footer Placeholder 1">
             <a:extLst>
               <a:ext uri="{FF2B5EF4-FFF2-40B4-BE49-F238E27FC236}">
-                <a16:creationId xmlns:a16="http://schemas.microsoft.com/office/drawing/2014/main" xmlns="" id="{03E79E9C-D961-6E47-A5C6-57689BAFF243}"/>
+                <a16:creationId xmlns="" xmlns:a16="http://schemas.microsoft.com/office/drawing/2014/main" id="{03E79E9C-D961-6E47-A5C6-57689BAFF243}"/>
               </a:ext>
             </a:extLst>
           </p:cNvPr>
@@ -18652,7 +16093,7 @@
           <p:cNvPr id="3" name="Slide Number Placeholder 2">
             <a:extLst>
               <a:ext uri="{FF2B5EF4-FFF2-40B4-BE49-F238E27FC236}">
-                <a16:creationId xmlns:a16="http://schemas.microsoft.com/office/drawing/2014/main" xmlns="" id="{B08BE157-60F2-194D-8C13-4AE120FC9EDE}"/>
+                <a16:creationId xmlns="" xmlns:a16="http://schemas.microsoft.com/office/drawing/2014/main" id="{B08BE157-60F2-194D-8C13-4AE120FC9EDE}"/>
               </a:ext>
             </a:extLst>
           </p:cNvPr>
@@ -18681,7 +16122,7 @@
           <p:cNvPr id="27" name="Title 1" title="Title ">
             <a:extLst>
               <a:ext uri="{FF2B5EF4-FFF2-40B4-BE49-F238E27FC236}">
-                <a16:creationId xmlns:a16="http://schemas.microsoft.com/office/drawing/2014/main" xmlns="" id="{C3CC34F4-862A-42E7-B2FA-7B511CC2E879}"/>
+                <a16:creationId xmlns="" xmlns:a16="http://schemas.microsoft.com/office/drawing/2014/main" id="{C3CC34F4-862A-42E7-B2FA-7B511CC2E879}"/>
               </a:ext>
             </a:extLst>
           </p:cNvPr>
@@ -18727,7 +16168,7 @@
           <p:cNvPr id="29" name="Content Placeholder 2">
             <a:extLst>
               <a:ext uri="{FF2B5EF4-FFF2-40B4-BE49-F238E27FC236}">
-                <a16:creationId xmlns:a16="http://schemas.microsoft.com/office/drawing/2014/main" xmlns="" id="{1FAE0C34-9220-45F0-9FC2-9FE7C994E7BD}"/>
+                <a16:creationId xmlns="" xmlns:a16="http://schemas.microsoft.com/office/drawing/2014/main" id="{1FAE0C34-9220-45F0-9FC2-9FE7C994E7BD}"/>
               </a:ext>
             </a:extLst>
           </p:cNvPr>
@@ -18905,7 +16346,7 @@
           <p:cNvPr id="22" name="Straight Connector 21">
             <a:extLst>
               <a:ext uri="{FF2B5EF4-FFF2-40B4-BE49-F238E27FC236}">
-                <a16:creationId xmlns:a16="http://schemas.microsoft.com/office/drawing/2014/main" xmlns="" id="{01AF1CF9-9F46-4541-8FF1-B9C53244EE1A}"/>
+                <a16:creationId xmlns="" xmlns:a16="http://schemas.microsoft.com/office/drawing/2014/main" id="{01AF1CF9-9F46-4541-8FF1-B9C53244EE1A}"/>
               </a:ext>
             </a:extLst>
           </p:cNvPr>
@@ -18948,7 +16389,7 @@
           <p:cNvPr id="23" name="Group 22">
             <a:extLst>
               <a:ext uri="{FF2B5EF4-FFF2-40B4-BE49-F238E27FC236}">
-                <a16:creationId xmlns:a16="http://schemas.microsoft.com/office/drawing/2014/main" xmlns="" id="{AB0E1BA4-80FE-4826-BA2F-083C3A5BB7FA}"/>
+                <a16:creationId xmlns="" xmlns:a16="http://schemas.microsoft.com/office/drawing/2014/main" id="{AB0E1BA4-80FE-4826-BA2F-083C3A5BB7FA}"/>
               </a:ext>
             </a:extLst>
           </p:cNvPr>
@@ -18968,7 +16409,7 @@
             <p:cNvPr id="26" name="Diagonal Stripe 25">
               <a:extLst>
                 <a:ext uri="{FF2B5EF4-FFF2-40B4-BE49-F238E27FC236}">
-                  <a16:creationId xmlns:a16="http://schemas.microsoft.com/office/drawing/2014/main" xmlns="" id="{0697993E-CD44-40B9-805C-77BC608618A7}"/>
+                  <a16:creationId xmlns="" xmlns:a16="http://schemas.microsoft.com/office/drawing/2014/main" id="{0697993E-CD44-40B9-805C-77BC608618A7}"/>
                 </a:ext>
               </a:extLst>
             </p:cNvPr>
@@ -19026,7 +16467,7 @@
             <p:cNvPr id="28" name="Straight Connector 27">
               <a:extLst>
                 <a:ext uri="{FF2B5EF4-FFF2-40B4-BE49-F238E27FC236}">
-                  <a16:creationId xmlns:a16="http://schemas.microsoft.com/office/drawing/2014/main" xmlns="" id="{DDBD869A-51AE-4AC9-A3E0-38E8C732B1E8}"/>
+                  <a16:creationId xmlns="" xmlns:a16="http://schemas.microsoft.com/office/drawing/2014/main" id="{DDBD869A-51AE-4AC9-A3E0-38E8C732B1E8}"/>
                 </a:ext>
               </a:extLst>
             </p:cNvPr>
@@ -19071,7 +16512,7 @@
             <p:cNvPr id="30" name="Parallelogram 29">
               <a:extLst>
                 <a:ext uri="{FF2B5EF4-FFF2-40B4-BE49-F238E27FC236}">
-                  <a16:creationId xmlns:a16="http://schemas.microsoft.com/office/drawing/2014/main" xmlns="" id="{DE18C3B6-28E6-4BBC-B634-F81DE5A9D13C}"/>
+                  <a16:creationId xmlns="" xmlns:a16="http://schemas.microsoft.com/office/drawing/2014/main" id="{DE18C3B6-28E6-4BBC-B634-F81DE5A9D13C}"/>
                 </a:ext>
               </a:extLst>
             </p:cNvPr>
@@ -19126,7 +16567,7 @@
           <p:cNvPr id="25" name="TextBox 24">
             <a:extLst>
               <a:ext uri="{FF2B5EF4-FFF2-40B4-BE49-F238E27FC236}">
-                <a16:creationId xmlns:a16="http://schemas.microsoft.com/office/drawing/2014/main" xmlns="" id="{F0BB4D3D-930C-4FF4-BB7C-2CB24208150C}"/>
+                <a16:creationId xmlns="" xmlns:a16="http://schemas.microsoft.com/office/drawing/2014/main" id="{F0BB4D3D-930C-4FF4-BB7C-2CB24208150C}"/>
               </a:ext>
             </a:extLst>
           </p:cNvPr>
@@ -19166,7 +16607,7 @@
           <p:cNvPr id="36" name="Parallelogram 35">
             <a:extLst>
               <a:ext uri="{FF2B5EF4-FFF2-40B4-BE49-F238E27FC236}">
-                <a16:creationId xmlns:a16="http://schemas.microsoft.com/office/drawing/2014/main" xmlns="" id="{4EBB76E7-943E-4038-B700-114F66FBC609}"/>
+                <a16:creationId xmlns="" xmlns:a16="http://schemas.microsoft.com/office/drawing/2014/main" id="{4EBB76E7-943E-4038-B700-114F66FBC609}"/>
               </a:ext>
             </a:extLst>
           </p:cNvPr>
@@ -19225,7 +16666,7 @@
           <p:cNvPr id="2" name="Footer Placeholder 1">
             <a:extLst>
               <a:ext uri="{FF2B5EF4-FFF2-40B4-BE49-F238E27FC236}">
-                <a16:creationId xmlns:a16="http://schemas.microsoft.com/office/drawing/2014/main" xmlns="" id="{03E79E9C-D961-6E47-A5C6-57689BAFF243}"/>
+                <a16:creationId xmlns="" xmlns:a16="http://schemas.microsoft.com/office/drawing/2014/main" id="{03E79E9C-D961-6E47-A5C6-57689BAFF243}"/>
               </a:ext>
             </a:extLst>
           </p:cNvPr>
@@ -19257,7 +16698,7 @@
           <p:cNvPr id="3" name="Slide Number Placeholder 2">
             <a:extLst>
               <a:ext uri="{FF2B5EF4-FFF2-40B4-BE49-F238E27FC236}">
-                <a16:creationId xmlns:a16="http://schemas.microsoft.com/office/drawing/2014/main" xmlns="" id="{B08BE157-60F2-194D-8C13-4AE120FC9EDE}"/>
+                <a16:creationId xmlns="" xmlns:a16="http://schemas.microsoft.com/office/drawing/2014/main" id="{B08BE157-60F2-194D-8C13-4AE120FC9EDE}"/>
               </a:ext>
             </a:extLst>
           </p:cNvPr>
@@ -19286,7 +16727,7 @@
           <p:cNvPr id="27" name="Title 1" title="Title ">
             <a:extLst>
               <a:ext uri="{FF2B5EF4-FFF2-40B4-BE49-F238E27FC236}">
-                <a16:creationId xmlns:a16="http://schemas.microsoft.com/office/drawing/2014/main" xmlns="" id="{C3CC34F4-862A-42E7-B2FA-7B511CC2E879}"/>
+                <a16:creationId xmlns="" xmlns:a16="http://schemas.microsoft.com/office/drawing/2014/main" id="{C3CC34F4-862A-42E7-B2FA-7B511CC2E879}"/>
               </a:ext>
             </a:extLst>
           </p:cNvPr>
@@ -19332,7 +16773,7 @@
           <p:cNvPr id="14" name="Content Placeholder 2">
             <a:extLst>
               <a:ext uri="{FF2B5EF4-FFF2-40B4-BE49-F238E27FC236}">
-                <a16:creationId xmlns:a16="http://schemas.microsoft.com/office/drawing/2014/main" xmlns="" id="{217F9213-0142-420B-A84D-C5627A0C81E4}"/>
+                <a16:creationId xmlns="" xmlns:a16="http://schemas.microsoft.com/office/drawing/2014/main" id="{217F9213-0142-420B-A84D-C5627A0C81E4}"/>
               </a:ext>
             </a:extLst>
           </p:cNvPr>
@@ -19449,7 +16890,7 @@
           <p:cNvPr id="15" name="Content Placeholder 3">
             <a:extLst>
               <a:ext uri="{FF2B5EF4-FFF2-40B4-BE49-F238E27FC236}">
-                <a16:creationId xmlns:a16="http://schemas.microsoft.com/office/drawing/2014/main" xmlns="" id="{8014328B-D576-4B5C-A4AE-CF98318929FE}"/>
+                <a16:creationId xmlns="" xmlns:a16="http://schemas.microsoft.com/office/drawing/2014/main" id="{8014328B-D576-4B5C-A4AE-CF98318929FE}"/>
               </a:ext>
             </a:extLst>
           </p:cNvPr>
@@ -19627,7 +17068,7 @@
           <p:cNvPr id="22" name="Straight Connector 21">
             <a:extLst>
               <a:ext uri="{FF2B5EF4-FFF2-40B4-BE49-F238E27FC236}">
-                <a16:creationId xmlns:a16="http://schemas.microsoft.com/office/drawing/2014/main" xmlns="" id="{01AF1CF9-9F46-4541-8FF1-B9C53244EE1A}"/>
+                <a16:creationId xmlns="" xmlns:a16="http://schemas.microsoft.com/office/drawing/2014/main" id="{01AF1CF9-9F46-4541-8FF1-B9C53244EE1A}"/>
               </a:ext>
             </a:extLst>
           </p:cNvPr>
@@ -19670,7 +17111,7 @@
           <p:cNvPr id="23" name="Group 22">
             <a:extLst>
               <a:ext uri="{FF2B5EF4-FFF2-40B4-BE49-F238E27FC236}">
-                <a16:creationId xmlns:a16="http://schemas.microsoft.com/office/drawing/2014/main" xmlns="" id="{AB0E1BA4-80FE-4826-BA2F-083C3A5BB7FA}"/>
+                <a16:creationId xmlns="" xmlns:a16="http://schemas.microsoft.com/office/drawing/2014/main" id="{AB0E1BA4-80FE-4826-BA2F-083C3A5BB7FA}"/>
               </a:ext>
             </a:extLst>
           </p:cNvPr>
@@ -19690,7 +17131,7 @@
             <p:cNvPr id="26" name="Diagonal Stripe 25">
               <a:extLst>
                 <a:ext uri="{FF2B5EF4-FFF2-40B4-BE49-F238E27FC236}">
-                  <a16:creationId xmlns:a16="http://schemas.microsoft.com/office/drawing/2014/main" xmlns="" id="{0697993E-CD44-40B9-805C-77BC608618A7}"/>
+                  <a16:creationId xmlns="" xmlns:a16="http://schemas.microsoft.com/office/drawing/2014/main" id="{0697993E-CD44-40B9-805C-77BC608618A7}"/>
                 </a:ext>
               </a:extLst>
             </p:cNvPr>
@@ -19748,7 +17189,7 @@
             <p:cNvPr id="28" name="Straight Connector 27">
               <a:extLst>
                 <a:ext uri="{FF2B5EF4-FFF2-40B4-BE49-F238E27FC236}">
-                  <a16:creationId xmlns:a16="http://schemas.microsoft.com/office/drawing/2014/main" xmlns="" id="{DDBD869A-51AE-4AC9-A3E0-38E8C732B1E8}"/>
+                  <a16:creationId xmlns="" xmlns:a16="http://schemas.microsoft.com/office/drawing/2014/main" id="{DDBD869A-51AE-4AC9-A3E0-38E8C732B1E8}"/>
                 </a:ext>
               </a:extLst>
             </p:cNvPr>
@@ -19793,7 +17234,7 @@
             <p:cNvPr id="30" name="Parallelogram 29">
               <a:extLst>
                 <a:ext uri="{FF2B5EF4-FFF2-40B4-BE49-F238E27FC236}">
-                  <a16:creationId xmlns:a16="http://schemas.microsoft.com/office/drawing/2014/main" xmlns="" id="{DE18C3B6-28E6-4BBC-B634-F81DE5A9D13C}"/>
+                  <a16:creationId xmlns="" xmlns:a16="http://schemas.microsoft.com/office/drawing/2014/main" id="{DE18C3B6-28E6-4BBC-B634-F81DE5A9D13C}"/>
                 </a:ext>
               </a:extLst>
             </p:cNvPr>
@@ -19848,7 +17289,7 @@
           <p:cNvPr id="25" name="TextBox 24">
             <a:extLst>
               <a:ext uri="{FF2B5EF4-FFF2-40B4-BE49-F238E27FC236}">
-                <a16:creationId xmlns:a16="http://schemas.microsoft.com/office/drawing/2014/main" xmlns="" id="{F0BB4D3D-930C-4FF4-BB7C-2CB24208150C}"/>
+                <a16:creationId xmlns="" xmlns:a16="http://schemas.microsoft.com/office/drawing/2014/main" id="{F0BB4D3D-930C-4FF4-BB7C-2CB24208150C}"/>
               </a:ext>
             </a:extLst>
           </p:cNvPr>
@@ -19888,7 +17329,7 @@
           <p:cNvPr id="36" name="Parallelogram 35">
             <a:extLst>
               <a:ext uri="{FF2B5EF4-FFF2-40B4-BE49-F238E27FC236}">
-                <a16:creationId xmlns:a16="http://schemas.microsoft.com/office/drawing/2014/main" xmlns="" id="{4EBB76E7-943E-4038-B700-114F66FBC609}"/>
+                <a16:creationId xmlns="" xmlns:a16="http://schemas.microsoft.com/office/drawing/2014/main" id="{4EBB76E7-943E-4038-B700-114F66FBC609}"/>
               </a:ext>
             </a:extLst>
           </p:cNvPr>
@@ -19947,7 +17388,7 @@
           <p:cNvPr id="2" name="Footer Placeholder 1">
             <a:extLst>
               <a:ext uri="{FF2B5EF4-FFF2-40B4-BE49-F238E27FC236}">
-                <a16:creationId xmlns:a16="http://schemas.microsoft.com/office/drawing/2014/main" xmlns="" id="{03E79E9C-D961-6E47-A5C6-57689BAFF243}"/>
+                <a16:creationId xmlns="" xmlns:a16="http://schemas.microsoft.com/office/drawing/2014/main" id="{03E79E9C-D961-6E47-A5C6-57689BAFF243}"/>
               </a:ext>
             </a:extLst>
           </p:cNvPr>
@@ -19979,7 +17420,7 @@
           <p:cNvPr id="3" name="Slide Number Placeholder 2">
             <a:extLst>
               <a:ext uri="{FF2B5EF4-FFF2-40B4-BE49-F238E27FC236}">
-                <a16:creationId xmlns:a16="http://schemas.microsoft.com/office/drawing/2014/main" xmlns="" id="{B08BE157-60F2-194D-8C13-4AE120FC9EDE}"/>
+                <a16:creationId xmlns="" xmlns:a16="http://schemas.microsoft.com/office/drawing/2014/main" id="{B08BE157-60F2-194D-8C13-4AE120FC9EDE}"/>
               </a:ext>
             </a:extLst>
           </p:cNvPr>
@@ -20008,7 +17449,7 @@
           <p:cNvPr id="27" name="Title 1" title="Title ">
             <a:extLst>
               <a:ext uri="{FF2B5EF4-FFF2-40B4-BE49-F238E27FC236}">
-                <a16:creationId xmlns:a16="http://schemas.microsoft.com/office/drawing/2014/main" xmlns="" id="{C3CC34F4-862A-42E7-B2FA-7B511CC2E879}"/>
+                <a16:creationId xmlns="" xmlns:a16="http://schemas.microsoft.com/office/drawing/2014/main" id="{C3CC34F4-862A-42E7-B2FA-7B511CC2E879}"/>
               </a:ext>
             </a:extLst>
           </p:cNvPr>
@@ -20054,7 +17495,7 @@
           <p:cNvPr id="18" name="Text Placeholder 2">
             <a:extLst>
               <a:ext uri="{FF2B5EF4-FFF2-40B4-BE49-F238E27FC236}">
-                <a16:creationId xmlns:a16="http://schemas.microsoft.com/office/drawing/2014/main" xmlns="" id="{82BFF385-445D-4DBB-9773-F99669415884}"/>
+                <a16:creationId xmlns="" xmlns:a16="http://schemas.microsoft.com/office/drawing/2014/main" id="{82BFF385-445D-4DBB-9773-F99669415884}"/>
               </a:ext>
             </a:extLst>
           </p:cNvPr>
@@ -20100,7 +17541,7 @@
           <p:cNvPr id="20" name="Text Placeholder 4">
             <a:extLst>
               <a:ext uri="{FF2B5EF4-FFF2-40B4-BE49-F238E27FC236}">
-                <a16:creationId xmlns:a16="http://schemas.microsoft.com/office/drawing/2014/main" xmlns="" id="{311B1CFE-1B35-4B5C-B40A-DC5ADF211B5C}"/>
+                <a16:creationId xmlns="" xmlns:a16="http://schemas.microsoft.com/office/drawing/2014/main" id="{311B1CFE-1B35-4B5C-B40A-DC5ADF211B5C}"/>
               </a:ext>
             </a:extLst>
           </p:cNvPr>
@@ -20178,7 +17619,7 @@
           <p:cNvPr id="21" name="Content Placeholder 5">
             <a:extLst>
               <a:ext uri="{FF2B5EF4-FFF2-40B4-BE49-F238E27FC236}">
-                <a16:creationId xmlns:a16="http://schemas.microsoft.com/office/drawing/2014/main" xmlns="" id="{1CE840E8-D596-479D-AE97-E88F42DC1B13}"/>
+                <a16:creationId xmlns="" xmlns:a16="http://schemas.microsoft.com/office/drawing/2014/main" id="{1CE840E8-D596-479D-AE97-E88F42DC1B13}"/>
               </a:ext>
             </a:extLst>
           </p:cNvPr>
@@ -20295,7 +17736,7 @@
           <p:cNvPr id="24" name="Content Placeholder 3">
             <a:extLst>
               <a:ext uri="{FF2B5EF4-FFF2-40B4-BE49-F238E27FC236}">
-                <a16:creationId xmlns:a16="http://schemas.microsoft.com/office/drawing/2014/main" xmlns="" id="{B9A68D25-B19E-4E84-B65D-596EE8382DAD}"/>
+                <a16:creationId xmlns="" xmlns:a16="http://schemas.microsoft.com/office/drawing/2014/main" id="{B9A68D25-B19E-4E84-B65D-596EE8382DAD}"/>
               </a:ext>
             </a:extLst>
           </p:cNvPr>
@@ -20473,7 +17914,7 @@
           <p:cNvPr id="11" name="Right Triangle 10">
             <a:extLst>
               <a:ext uri="{FF2B5EF4-FFF2-40B4-BE49-F238E27FC236}">
-                <a16:creationId xmlns:a16="http://schemas.microsoft.com/office/drawing/2014/main" xmlns="" id="{037924D2-2AB4-4BE1-9687-836615C72DFC}"/>
+                <a16:creationId xmlns="" xmlns:a16="http://schemas.microsoft.com/office/drawing/2014/main" id="{037924D2-2AB4-4BE1-9687-836615C72DFC}"/>
               </a:ext>
             </a:extLst>
           </p:cNvPr>
@@ -20525,7 +17966,7 @@
           <p:cNvPr id="16" name="Straight Connector 15">
             <a:extLst>
               <a:ext uri="{FF2B5EF4-FFF2-40B4-BE49-F238E27FC236}">
-                <a16:creationId xmlns:a16="http://schemas.microsoft.com/office/drawing/2014/main" xmlns="" id="{A93BC534-BFA1-4292-899F-03AC711BF7C5}"/>
+                <a16:creationId xmlns="" xmlns:a16="http://schemas.microsoft.com/office/drawing/2014/main" id="{A93BC534-BFA1-4292-899F-03AC711BF7C5}"/>
               </a:ext>
             </a:extLst>
           </p:cNvPr>
@@ -20570,7 +18011,7 @@
           <p:cNvPr id="18" name="Straight Connector 17">
             <a:extLst>
               <a:ext uri="{FF2B5EF4-FFF2-40B4-BE49-F238E27FC236}">
-                <a16:creationId xmlns:a16="http://schemas.microsoft.com/office/drawing/2014/main" xmlns="" id="{EBEE4DB5-5DEF-4DDB-9764-FD834B9DCAEC}"/>
+                <a16:creationId xmlns="" xmlns:a16="http://schemas.microsoft.com/office/drawing/2014/main" id="{EBEE4DB5-5DEF-4DDB-9764-FD834B9DCAEC}"/>
               </a:ext>
             </a:extLst>
           </p:cNvPr>
@@ -20613,7 +18054,7 @@
           <p:cNvPr id="2" name="Title 1" title="Title">
             <a:extLst>
               <a:ext uri="{FF2B5EF4-FFF2-40B4-BE49-F238E27FC236}">
-                <a16:creationId xmlns:a16="http://schemas.microsoft.com/office/drawing/2014/main" xmlns="" id="{A648E0EA-49ED-4F2D-A107-8FCE6301FC88}"/>
+                <a16:creationId xmlns="" xmlns:a16="http://schemas.microsoft.com/office/drawing/2014/main" id="{A648E0EA-49ED-4F2D-A107-8FCE6301FC88}"/>
               </a:ext>
             </a:extLst>
           </p:cNvPr>
@@ -20661,7 +18102,7 @@
           <p:cNvPr id="9" name="Straight Connector 8">
             <a:extLst>
               <a:ext uri="{FF2B5EF4-FFF2-40B4-BE49-F238E27FC236}">
-                <a16:creationId xmlns:a16="http://schemas.microsoft.com/office/drawing/2014/main" xmlns="" id="{162849C0-AA0D-4E1A-B4B6-E6A5917AC0A5}"/>
+                <a16:creationId xmlns="" xmlns:a16="http://schemas.microsoft.com/office/drawing/2014/main" id="{162849C0-AA0D-4E1A-B4B6-E6A5917AC0A5}"/>
               </a:ext>
             </a:extLst>
           </p:cNvPr>
@@ -20704,7 +18145,7 @@
           <p:cNvPr id="13" name="Text Placeholder 3">
             <a:extLst>
               <a:ext uri="{FF2B5EF4-FFF2-40B4-BE49-F238E27FC236}">
-                <a16:creationId xmlns:a16="http://schemas.microsoft.com/office/drawing/2014/main" xmlns="" id="{BDEAC3CA-E21C-4A63-BE7D-DCC820552AB7}"/>
+                <a16:creationId xmlns="" xmlns:a16="http://schemas.microsoft.com/office/drawing/2014/main" id="{BDEAC3CA-E21C-4A63-BE7D-DCC820552AB7}"/>
               </a:ext>
             </a:extLst>
           </p:cNvPr>
@@ -20783,7 +18224,7 @@
           <p:cNvPr id="14" name="Content Placeholder 2">
             <a:extLst>
               <a:ext uri="{FF2B5EF4-FFF2-40B4-BE49-F238E27FC236}">
-                <a16:creationId xmlns:a16="http://schemas.microsoft.com/office/drawing/2014/main" xmlns="" id="{C9A1E80C-1A76-4D3E-92A1-846866867DE1}"/>
+                <a16:creationId xmlns="" xmlns:a16="http://schemas.microsoft.com/office/drawing/2014/main" id="{C9A1E80C-1A76-4D3E-92A1-846866867DE1}"/>
               </a:ext>
             </a:extLst>
           </p:cNvPr>
@@ -20963,7 +18404,7 @@
           <p:cNvPr id="11" name="Right Triangle 10">
             <a:extLst>
               <a:ext uri="{FF2B5EF4-FFF2-40B4-BE49-F238E27FC236}">
-                <a16:creationId xmlns:a16="http://schemas.microsoft.com/office/drawing/2014/main" xmlns="" id="{037924D2-2AB4-4BE1-9687-836615C72DFC}"/>
+                <a16:creationId xmlns="" xmlns:a16="http://schemas.microsoft.com/office/drawing/2014/main" id="{037924D2-2AB4-4BE1-9687-836615C72DFC}"/>
               </a:ext>
             </a:extLst>
           </p:cNvPr>
@@ -21015,7 +18456,7 @@
           <p:cNvPr id="16" name="Straight Connector 15">
             <a:extLst>
               <a:ext uri="{FF2B5EF4-FFF2-40B4-BE49-F238E27FC236}">
-                <a16:creationId xmlns:a16="http://schemas.microsoft.com/office/drawing/2014/main" xmlns="" id="{A93BC534-BFA1-4292-899F-03AC711BF7C5}"/>
+                <a16:creationId xmlns="" xmlns:a16="http://schemas.microsoft.com/office/drawing/2014/main" id="{A93BC534-BFA1-4292-899F-03AC711BF7C5}"/>
               </a:ext>
             </a:extLst>
           </p:cNvPr>
@@ -21060,7 +18501,7 @@
           <p:cNvPr id="18" name="Straight Connector 17">
             <a:extLst>
               <a:ext uri="{FF2B5EF4-FFF2-40B4-BE49-F238E27FC236}">
-                <a16:creationId xmlns:a16="http://schemas.microsoft.com/office/drawing/2014/main" xmlns="" id="{EBEE4DB5-5DEF-4DDB-9764-FD834B9DCAEC}"/>
+                <a16:creationId xmlns="" xmlns:a16="http://schemas.microsoft.com/office/drawing/2014/main" id="{EBEE4DB5-5DEF-4DDB-9764-FD834B9DCAEC}"/>
               </a:ext>
             </a:extLst>
           </p:cNvPr>
@@ -21103,7 +18544,7 @@
           <p:cNvPr id="2" name="Title 1" title="Title">
             <a:extLst>
               <a:ext uri="{FF2B5EF4-FFF2-40B4-BE49-F238E27FC236}">
-                <a16:creationId xmlns:a16="http://schemas.microsoft.com/office/drawing/2014/main" xmlns="" id="{A648E0EA-49ED-4F2D-A107-8FCE6301FC88}"/>
+                <a16:creationId xmlns="" xmlns:a16="http://schemas.microsoft.com/office/drawing/2014/main" id="{A648E0EA-49ED-4F2D-A107-8FCE6301FC88}"/>
               </a:ext>
             </a:extLst>
           </p:cNvPr>
@@ -21151,7 +18592,7 @@
           <p:cNvPr id="9" name="Straight Connector 8">
             <a:extLst>
               <a:ext uri="{FF2B5EF4-FFF2-40B4-BE49-F238E27FC236}">
-                <a16:creationId xmlns:a16="http://schemas.microsoft.com/office/drawing/2014/main" xmlns="" id="{162849C0-AA0D-4E1A-B4B6-E6A5917AC0A5}"/>
+                <a16:creationId xmlns="" xmlns:a16="http://schemas.microsoft.com/office/drawing/2014/main" id="{162849C0-AA0D-4E1A-B4B6-E6A5917AC0A5}"/>
               </a:ext>
             </a:extLst>
           </p:cNvPr>
@@ -21194,7 +18635,7 @@
           <p:cNvPr id="13" name="Text Placeholder 3">
             <a:extLst>
               <a:ext uri="{FF2B5EF4-FFF2-40B4-BE49-F238E27FC236}">
-                <a16:creationId xmlns:a16="http://schemas.microsoft.com/office/drawing/2014/main" xmlns="" id="{BDEAC3CA-E21C-4A63-BE7D-DCC820552AB7}"/>
+                <a16:creationId xmlns="" xmlns:a16="http://schemas.microsoft.com/office/drawing/2014/main" id="{BDEAC3CA-E21C-4A63-BE7D-DCC820552AB7}"/>
               </a:ext>
             </a:extLst>
           </p:cNvPr>
@@ -21273,7 +18714,7 @@
           <p:cNvPr id="12" name="Picture Placeholder 2">
             <a:extLst>
               <a:ext uri="{FF2B5EF4-FFF2-40B4-BE49-F238E27FC236}">
-                <a16:creationId xmlns:a16="http://schemas.microsoft.com/office/drawing/2014/main" xmlns="" id="{22728E0A-430E-4C6A-BF56-06FA8510F29F}"/>
+                <a16:creationId xmlns="" xmlns:a16="http://schemas.microsoft.com/office/drawing/2014/main" id="{22728E0A-430E-4C6A-BF56-06FA8510F29F}"/>
               </a:ext>
             </a:extLst>
           </p:cNvPr>
@@ -21418,7 +18859,7 @@
           <p:cNvPr id="18" name="TextBox 17">
             <a:extLst>
               <a:ext uri="{FF2B5EF4-FFF2-40B4-BE49-F238E27FC236}">
-                <a16:creationId xmlns:a16="http://schemas.microsoft.com/office/drawing/2014/main" xmlns="" id="{CC52C5C1-EC33-44C1-9D54-A1058BBF1812}"/>
+                <a16:creationId xmlns="" xmlns:a16="http://schemas.microsoft.com/office/drawing/2014/main" id="{CC52C5C1-EC33-44C1-9D54-A1058BBF1812}"/>
               </a:ext>
             </a:extLst>
           </p:cNvPr>
@@ -21458,7 +18899,7 @@
           <p:cNvPr id="26" name="Group 25">
             <a:extLst>
               <a:ext uri="{FF2B5EF4-FFF2-40B4-BE49-F238E27FC236}">
-                <a16:creationId xmlns:a16="http://schemas.microsoft.com/office/drawing/2014/main" xmlns="" id="{8A0030CD-8C9E-4AA5-8C5D-F9B2EDB7E17A}"/>
+                <a16:creationId xmlns="" xmlns:a16="http://schemas.microsoft.com/office/drawing/2014/main" id="{8A0030CD-8C9E-4AA5-8C5D-F9B2EDB7E17A}"/>
               </a:ext>
             </a:extLst>
           </p:cNvPr>
@@ -21478,7 +18919,7 @@
             <p:cNvPr id="27" name="Diagonal Stripe 26">
               <a:extLst>
                 <a:ext uri="{FF2B5EF4-FFF2-40B4-BE49-F238E27FC236}">
-                  <a16:creationId xmlns:a16="http://schemas.microsoft.com/office/drawing/2014/main" xmlns="" id="{872EE65E-EE50-4A3E-861E-1D6C241CB8EA}"/>
+                  <a16:creationId xmlns="" xmlns:a16="http://schemas.microsoft.com/office/drawing/2014/main" id="{872EE65E-EE50-4A3E-861E-1D6C241CB8EA}"/>
                 </a:ext>
               </a:extLst>
             </p:cNvPr>
@@ -21536,7 +18977,7 @@
             <p:cNvPr id="28" name="Straight Connector 27">
               <a:extLst>
                 <a:ext uri="{FF2B5EF4-FFF2-40B4-BE49-F238E27FC236}">
-                  <a16:creationId xmlns:a16="http://schemas.microsoft.com/office/drawing/2014/main" xmlns="" id="{E76AD1EF-E06C-4D3C-9693-26844D01C83C}"/>
+                  <a16:creationId xmlns="" xmlns:a16="http://schemas.microsoft.com/office/drawing/2014/main" id="{E76AD1EF-E06C-4D3C-9693-26844D01C83C}"/>
                 </a:ext>
               </a:extLst>
             </p:cNvPr>
@@ -21581,7 +19022,7 @@
             <p:cNvPr id="29" name="Parallelogram 28">
               <a:extLst>
                 <a:ext uri="{FF2B5EF4-FFF2-40B4-BE49-F238E27FC236}">
-                  <a16:creationId xmlns:a16="http://schemas.microsoft.com/office/drawing/2014/main" xmlns="" id="{57D44C42-44C0-420A-A125-9B1A979D4F56}"/>
+                  <a16:creationId xmlns="" xmlns:a16="http://schemas.microsoft.com/office/drawing/2014/main" id="{57D44C42-44C0-420A-A125-9B1A979D4F56}"/>
                 </a:ext>
               </a:extLst>
             </p:cNvPr>
@@ -21636,7 +19077,7 @@
           <p:cNvPr id="30" name="Parallelogram 29">
             <a:extLst>
               <a:ext uri="{FF2B5EF4-FFF2-40B4-BE49-F238E27FC236}">
-                <a16:creationId xmlns:a16="http://schemas.microsoft.com/office/drawing/2014/main" xmlns="" id="{406089BB-36DC-4E23-B215-527A8A18FCFB}"/>
+                <a16:creationId xmlns="" xmlns:a16="http://schemas.microsoft.com/office/drawing/2014/main" id="{406089BB-36DC-4E23-B215-527A8A18FCFB}"/>
               </a:ext>
             </a:extLst>
           </p:cNvPr>
@@ -21695,7 +19136,7 @@
           <p:cNvPr id="2" name="Footer Placeholder 1">
             <a:extLst>
               <a:ext uri="{FF2B5EF4-FFF2-40B4-BE49-F238E27FC236}">
-                <a16:creationId xmlns:a16="http://schemas.microsoft.com/office/drawing/2014/main" xmlns="" id="{578C43A6-50C6-704E-BADC-6D83BADE7316}"/>
+                <a16:creationId xmlns="" xmlns:a16="http://schemas.microsoft.com/office/drawing/2014/main" id="{578C43A6-50C6-704E-BADC-6D83BADE7316}"/>
               </a:ext>
             </a:extLst>
           </p:cNvPr>
@@ -21723,7 +19164,7 @@
           <p:cNvPr id="3" name="Slide Number Placeholder 2">
             <a:extLst>
               <a:ext uri="{FF2B5EF4-FFF2-40B4-BE49-F238E27FC236}">
-                <a16:creationId xmlns:a16="http://schemas.microsoft.com/office/drawing/2014/main" xmlns="" id="{ED91439B-965F-3548-AF77-89501B24F600}"/>
+                <a16:creationId xmlns="" xmlns:a16="http://schemas.microsoft.com/office/drawing/2014/main" id="{ED91439B-965F-3548-AF77-89501B24F600}"/>
               </a:ext>
             </a:extLst>
           </p:cNvPr>
@@ -21803,7 +19244,7 @@
           <p:cNvPr id="21" name="TextBox 20">
             <a:extLst>
               <a:ext uri="{FF2B5EF4-FFF2-40B4-BE49-F238E27FC236}">
-                <a16:creationId xmlns:a16="http://schemas.microsoft.com/office/drawing/2014/main" xmlns="" id="{7E8A2C98-F26E-415A-B931-1B89CA46C1CF}"/>
+                <a16:creationId xmlns="" xmlns:a16="http://schemas.microsoft.com/office/drawing/2014/main" id="{7E8A2C98-F26E-415A-B931-1B89CA46C1CF}"/>
               </a:ext>
             </a:extLst>
           </p:cNvPr>
@@ -21843,7 +19284,7 @@
           <p:cNvPr id="27" name="Group 26">
             <a:extLst>
               <a:ext uri="{FF2B5EF4-FFF2-40B4-BE49-F238E27FC236}">
-                <a16:creationId xmlns:a16="http://schemas.microsoft.com/office/drawing/2014/main" xmlns="" id="{1B2FB48C-0C70-4DBE-B904-A134B6644DD3}"/>
+                <a16:creationId xmlns="" xmlns:a16="http://schemas.microsoft.com/office/drawing/2014/main" id="{1B2FB48C-0C70-4DBE-B904-A134B6644DD3}"/>
               </a:ext>
             </a:extLst>
           </p:cNvPr>
@@ -21863,7 +19304,7 @@
             <p:cNvPr id="28" name="Diagonal Stripe 27">
               <a:extLst>
                 <a:ext uri="{FF2B5EF4-FFF2-40B4-BE49-F238E27FC236}">
-                  <a16:creationId xmlns:a16="http://schemas.microsoft.com/office/drawing/2014/main" xmlns="" id="{4F2E2158-1E6E-4E0D-BDAB-B20041C73615}"/>
+                  <a16:creationId xmlns="" xmlns:a16="http://schemas.microsoft.com/office/drawing/2014/main" id="{4F2E2158-1E6E-4E0D-BDAB-B20041C73615}"/>
                 </a:ext>
               </a:extLst>
             </p:cNvPr>
@@ -21921,7 +19362,7 @@
             <p:cNvPr id="29" name="Straight Connector 28">
               <a:extLst>
                 <a:ext uri="{FF2B5EF4-FFF2-40B4-BE49-F238E27FC236}">
-                  <a16:creationId xmlns:a16="http://schemas.microsoft.com/office/drawing/2014/main" xmlns="" id="{626D62DB-3A5A-4DA1-BFA4-D9E58676E86A}"/>
+                  <a16:creationId xmlns="" xmlns:a16="http://schemas.microsoft.com/office/drawing/2014/main" id="{626D62DB-3A5A-4DA1-BFA4-D9E58676E86A}"/>
                 </a:ext>
               </a:extLst>
             </p:cNvPr>
@@ -21966,7 +19407,7 @@
             <p:cNvPr id="30" name="Parallelogram 29">
               <a:extLst>
                 <a:ext uri="{FF2B5EF4-FFF2-40B4-BE49-F238E27FC236}">
-                  <a16:creationId xmlns:a16="http://schemas.microsoft.com/office/drawing/2014/main" xmlns="" id="{F5A729A7-3A5C-405C-AE06-180E7529E477}"/>
+                  <a16:creationId xmlns="" xmlns:a16="http://schemas.microsoft.com/office/drawing/2014/main" id="{F5A729A7-3A5C-405C-AE06-180E7529E477}"/>
                 </a:ext>
               </a:extLst>
             </p:cNvPr>
@@ -22021,7 +19462,7 @@
           <p:cNvPr id="31" name="Parallelogram 30">
             <a:extLst>
               <a:ext uri="{FF2B5EF4-FFF2-40B4-BE49-F238E27FC236}">
-                <a16:creationId xmlns:a16="http://schemas.microsoft.com/office/drawing/2014/main" xmlns="" id="{41E23981-B12A-4AC3-A030-337BBBA5E45B}"/>
+                <a16:creationId xmlns="" xmlns:a16="http://schemas.microsoft.com/office/drawing/2014/main" id="{41E23981-B12A-4AC3-A030-337BBBA5E45B}"/>
               </a:ext>
             </a:extLst>
           </p:cNvPr>
@@ -22080,7 +19521,7 @@
           <p:cNvPr id="33" name="Title 1" title="Title ">
             <a:extLst>
               <a:ext uri="{FF2B5EF4-FFF2-40B4-BE49-F238E27FC236}">
-                <a16:creationId xmlns:a16="http://schemas.microsoft.com/office/drawing/2014/main" xmlns="" id="{59067A2C-FE71-4381-BE51-08DAC5E4354A}"/>
+                <a16:creationId xmlns="" xmlns:a16="http://schemas.microsoft.com/office/drawing/2014/main" id="{59067A2C-FE71-4381-BE51-08DAC5E4354A}"/>
               </a:ext>
             </a:extLst>
           </p:cNvPr>
@@ -22126,7 +19567,7 @@
           <p:cNvPr id="2" name="Footer Placeholder 1">
             <a:extLst>
               <a:ext uri="{FF2B5EF4-FFF2-40B4-BE49-F238E27FC236}">
-                <a16:creationId xmlns:a16="http://schemas.microsoft.com/office/drawing/2014/main" xmlns="" id="{CB69A007-934D-7A4B-9EFA-82044EF4DC33}"/>
+                <a16:creationId xmlns="" xmlns:a16="http://schemas.microsoft.com/office/drawing/2014/main" id="{CB69A007-934D-7A4B-9EFA-82044EF4DC33}"/>
               </a:ext>
             </a:extLst>
           </p:cNvPr>
@@ -22154,7 +19595,7 @@
           <p:cNvPr id="3" name="Slide Number Placeholder 2">
             <a:extLst>
               <a:ext uri="{FF2B5EF4-FFF2-40B4-BE49-F238E27FC236}">
-                <a16:creationId xmlns:a16="http://schemas.microsoft.com/office/drawing/2014/main" xmlns="" id="{5A154DC2-98C7-4D4B-A17A-AA4731217F17}"/>
+                <a16:creationId xmlns="" xmlns:a16="http://schemas.microsoft.com/office/drawing/2014/main" id="{5A154DC2-98C7-4D4B-A17A-AA4731217F17}"/>
               </a:ext>
             </a:extLst>
           </p:cNvPr>
@@ -22234,7 +19675,7 @@
           <p:cNvPr id="2" name="Title 1">
             <a:extLst>
               <a:ext uri="{FF2B5EF4-FFF2-40B4-BE49-F238E27FC236}">
-                <a16:creationId xmlns:a16="http://schemas.microsoft.com/office/drawing/2014/main" xmlns="" id="{325CE2EB-00DF-4EBA-BF1F-D37805D45585}"/>
+                <a16:creationId xmlns="" xmlns:a16="http://schemas.microsoft.com/office/drawing/2014/main" id="{325CE2EB-00DF-4EBA-BF1F-D37805D45585}"/>
               </a:ext>
             </a:extLst>
           </p:cNvPr>
@@ -22293,7 +19734,7 @@
           <p:cNvPr id="19" name="Right Triangle 18">
             <a:extLst>
               <a:ext uri="{FF2B5EF4-FFF2-40B4-BE49-F238E27FC236}">
-                <a16:creationId xmlns:a16="http://schemas.microsoft.com/office/drawing/2014/main" xmlns="" id="{71D0E8AA-902F-440D-9C55-2A391C22396A}"/>
+                <a16:creationId xmlns="" xmlns:a16="http://schemas.microsoft.com/office/drawing/2014/main" id="{71D0E8AA-902F-440D-9C55-2A391C22396A}"/>
               </a:ext>
             </a:extLst>
           </p:cNvPr>
@@ -22345,7 +19786,7 @@
           <p:cNvPr id="17" name="Parallelogram 16">
             <a:extLst>
               <a:ext uri="{FF2B5EF4-FFF2-40B4-BE49-F238E27FC236}">
-                <a16:creationId xmlns:a16="http://schemas.microsoft.com/office/drawing/2014/main" xmlns="" id="{7D937721-835D-4D84-94A3-6C79D4639514}"/>
+                <a16:creationId xmlns="" xmlns:a16="http://schemas.microsoft.com/office/drawing/2014/main" id="{7D937721-835D-4D84-94A3-6C79D4639514}"/>
               </a:ext>
             </a:extLst>
           </p:cNvPr>
@@ -22399,7 +19840,7 @@
           <p:cNvPr id="18" name="Straight Connector 17">
             <a:extLst>
               <a:ext uri="{FF2B5EF4-FFF2-40B4-BE49-F238E27FC236}">
-                <a16:creationId xmlns:a16="http://schemas.microsoft.com/office/drawing/2014/main" xmlns="" id="{732BB30B-8262-4715-998F-AAF6A81ADFD3}"/>
+                <a16:creationId xmlns="" xmlns:a16="http://schemas.microsoft.com/office/drawing/2014/main" id="{732BB30B-8262-4715-998F-AAF6A81ADFD3}"/>
               </a:ext>
             </a:extLst>
           </p:cNvPr>
@@ -22444,7 +19885,7 @@
           <p:cNvPr id="100" name="Title 1" title="Title">
             <a:extLst>
               <a:ext uri="{FF2B5EF4-FFF2-40B4-BE49-F238E27FC236}">
-                <a16:creationId xmlns:a16="http://schemas.microsoft.com/office/drawing/2014/main" xmlns="" id="{4D7EF399-DAA5-44EC-B712-79C755FE84CB}"/>
+                <a16:creationId xmlns="" xmlns:a16="http://schemas.microsoft.com/office/drawing/2014/main" id="{4D7EF399-DAA5-44EC-B712-79C755FE84CB}"/>
               </a:ext>
             </a:extLst>
           </p:cNvPr>
@@ -22492,7 +19933,7 @@
           <p:cNvPr id="101" name="Text Placeholder 2" title="Subtitle">
             <a:extLst>
               <a:ext uri="{FF2B5EF4-FFF2-40B4-BE49-F238E27FC236}">
-                <a16:creationId xmlns:a16="http://schemas.microsoft.com/office/drawing/2014/main" xmlns="" id="{26D13BFA-61B0-402F-8611-02D3DFDBEBCB}"/>
+                <a16:creationId xmlns="" xmlns:a16="http://schemas.microsoft.com/office/drawing/2014/main" id="{26D13BFA-61B0-402F-8611-02D3DFDBEBCB}"/>
               </a:ext>
             </a:extLst>
           </p:cNvPr>
@@ -22622,7 +20063,7 @@
           <p:cNvPr id="21" name="Straight Connector 20">
             <a:extLst>
               <a:ext uri="{FF2B5EF4-FFF2-40B4-BE49-F238E27FC236}">
-                <a16:creationId xmlns:a16="http://schemas.microsoft.com/office/drawing/2014/main" xmlns="" id="{DA0A0C24-D997-4E78-951F-AFB51C70EFCC}"/>
+                <a16:creationId xmlns="" xmlns:a16="http://schemas.microsoft.com/office/drawing/2014/main" id="{DA0A0C24-D997-4E78-951F-AFB51C70EFCC}"/>
               </a:ext>
             </a:extLst>
           </p:cNvPr>
@@ -22665,7 +20106,7 @@
           <p:cNvPr id="25" name="Parallelogram 24">
             <a:extLst>
               <a:ext uri="{FF2B5EF4-FFF2-40B4-BE49-F238E27FC236}">
-                <a16:creationId xmlns:a16="http://schemas.microsoft.com/office/drawing/2014/main" xmlns="" id="{E123A0CF-50D6-46EC-8BF6-43E38AFCD588}"/>
+                <a16:creationId xmlns="" xmlns:a16="http://schemas.microsoft.com/office/drawing/2014/main" id="{E123A0CF-50D6-46EC-8BF6-43E38AFCD588}"/>
               </a:ext>
             </a:extLst>
           </p:cNvPr>
@@ -22724,7 +20165,7 @@
           <p:cNvPr id="26" name="Straight Connector 25">
             <a:extLst>
               <a:ext uri="{FF2B5EF4-FFF2-40B4-BE49-F238E27FC236}">
-                <a16:creationId xmlns:a16="http://schemas.microsoft.com/office/drawing/2014/main" xmlns="" id="{2B2F1D2E-B631-4CB1-9448-2B50F8C46316}"/>
+                <a16:creationId xmlns="" xmlns:a16="http://schemas.microsoft.com/office/drawing/2014/main" id="{2B2F1D2E-B631-4CB1-9448-2B50F8C46316}"/>
               </a:ext>
             </a:extLst>
           </p:cNvPr>
@@ -22769,7 +20210,7 @@
           <p:cNvPr id="27" name="Picture Placeholder 26">
             <a:extLst>
               <a:ext uri="{FF2B5EF4-FFF2-40B4-BE49-F238E27FC236}">
-                <a16:creationId xmlns:a16="http://schemas.microsoft.com/office/drawing/2014/main" xmlns="" id="{95572AA9-EFAE-4771-B1EE-47E361173778}"/>
+                <a16:creationId xmlns="" xmlns:a16="http://schemas.microsoft.com/office/drawing/2014/main" id="{95572AA9-EFAE-4771-B1EE-47E361173778}"/>
               </a:ext>
             </a:extLst>
           </p:cNvPr>
@@ -22876,7 +20317,7 @@
           <p:cNvPr id="16" name="Straight Connector 15">
             <a:extLst>
               <a:ext uri="{FF2B5EF4-FFF2-40B4-BE49-F238E27FC236}">
-                <a16:creationId xmlns:a16="http://schemas.microsoft.com/office/drawing/2014/main" xmlns="" id="{5CF69447-82AD-475F-A3AE-3D7FF61DBFE2}"/>
+                <a16:creationId xmlns="" xmlns:a16="http://schemas.microsoft.com/office/drawing/2014/main" id="{5CF69447-82AD-475F-A3AE-3D7FF61DBFE2}"/>
               </a:ext>
             </a:extLst>
           </p:cNvPr>
@@ -22919,7 +20360,7 @@
           <p:cNvPr id="24" name="Parallelogram 23">
             <a:extLst>
               <a:ext uri="{FF2B5EF4-FFF2-40B4-BE49-F238E27FC236}">
-                <a16:creationId xmlns:a16="http://schemas.microsoft.com/office/drawing/2014/main" xmlns="" id="{FC8C82F3-94EE-4B4F-A01D-993A41BC00B1}"/>
+                <a16:creationId xmlns="" xmlns:a16="http://schemas.microsoft.com/office/drawing/2014/main" id="{FC8C82F3-94EE-4B4F-A01D-993A41BC00B1}"/>
               </a:ext>
             </a:extLst>
           </p:cNvPr>
@@ -23041,7 +20482,7 @@
           <p:cNvPr id="3" name="Content Placeholder 2" title="Bullet Points">
             <a:extLst>
               <a:ext uri="{FF2B5EF4-FFF2-40B4-BE49-F238E27FC236}">
-                <a16:creationId xmlns:a16="http://schemas.microsoft.com/office/drawing/2014/main" xmlns="" id="{BFD7EA17-BE66-4636-9684-F93562587911}"/>
+                <a16:creationId xmlns="" xmlns:a16="http://schemas.microsoft.com/office/drawing/2014/main" id="{BFD7EA17-BE66-4636-9684-F93562587911}"/>
               </a:ext>
             </a:extLst>
           </p:cNvPr>
@@ -23160,7 +20601,7 @@
           <p:cNvPr id="24" name="Right Triangle 23">
             <a:extLst>
               <a:ext uri="{FF2B5EF4-FFF2-40B4-BE49-F238E27FC236}">
-                <a16:creationId xmlns:a16="http://schemas.microsoft.com/office/drawing/2014/main" xmlns="" id="{BD6ACE60-499D-41AB-89C4-D537D7C3D22A}"/>
+                <a16:creationId xmlns="" xmlns:a16="http://schemas.microsoft.com/office/drawing/2014/main" id="{BD6ACE60-499D-41AB-89C4-D537D7C3D22A}"/>
               </a:ext>
             </a:extLst>
           </p:cNvPr>
@@ -23212,7 +20653,7 @@
           <p:cNvPr id="25" name="Parallelogram 24">
             <a:extLst>
               <a:ext uri="{FF2B5EF4-FFF2-40B4-BE49-F238E27FC236}">
-                <a16:creationId xmlns:a16="http://schemas.microsoft.com/office/drawing/2014/main" xmlns="" id="{18C08F43-D42B-4CF1-912F-BC83D72AB415}"/>
+                <a16:creationId xmlns="" xmlns:a16="http://schemas.microsoft.com/office/drawing/2014/main" id="{18C08F43-D42B-4CF1-912F-BC83D72AB415}"/>
               </a:ext>
             </a:extLst>
           </p:cNvPr>
@@ -23271,7 +20712,7 @@
           <p:cNvPr id="34" name="Straight Connector 33">
             <a:extLst>
               <a:ext uri="{FF2B5EF4-FFF2-40B4-BE49-F238E27FC236}">
-                <a16:creationId xmlns:a16="http://schemas.microsoft.com/office/drawing/2014/main" xmlns="" id="{1411C731-2333-41B0-927A-0A48EEC79964}"/>
+                <a16:creationId xmlns="" xmlns:a16="http://schemas.microsoft.com/office/drawing/2014/main" id="{1411C731-2333-41B0-927A-0A48EEC79964}"/>
               </a:ext>
             </a:extLst>
           </p:cNvPr>
@@ -23314,7 +20755,7 @@
           <p:cNvPr id="5" name="Text Placeholder 4" title="Subtitle">
             <a:extLst>
               <a:ext uri="{FF2B5EF4-FFF2-40B4-BE49-F238E27FC236}">
-                <a16:creationId xmlns:a16="http://schemas.microsoft.com/office/drawing/2014/main" xmlns="" id="{D71EE635-EA0C-4139-8160-AE1EAD13AAEB}"/>
+                <a16:creationId xmlns="" xmlns:a16="http://schemas.microsoft.com/office/drawing/2014/main" id="{D71EE635-EA0C-4139-8160-AE1EAD13AAEB}"/>
               </a:ext>
             </a:extLst>
           </p:cNvPr>
@@ -23364,7 +20805,7 @@
           <p:cNvPr id="2" name="Title 1" title="Title ">
             <a:extLst>
               <a:ext uri="{FF2B5EF4-FFF2-40B4-BE49-F238E27FC236}">
-                <a16:creationId xmlns:a16="http://schemas.microsoft.com/office/drawing/2014/main" xmlns="" id="{20237B57-91C6-4F8B-8AA0-18FA50B0FD1D}"/>
+                <a16:creationId xmlns="" xmlns:a16="http://schemas.microsoft.com/office/drawing/2014/main" id="{20237B57-91C6-4F8B-8AA0-18FA50B0FD1D}"/>
               </a:ext>
             </a:extLst>
           </p:cNvPr>
@@ -23417,7 +20858,7 @@
           <p:cNvPr id="15" name="Picture Placeholder 14">
             <a:extLst>
               <a:ext uri="{FF2B5EF4-FFF2-40B4-BE49-F238E27FC236}">
-                <a16:creationId xmlns:a16="http://schemas.microsoft.com/office/drawing/2014/main" xmlns="" id="{FE1FADFB-0A3D-40F7-9B40-368DECD971E1}"/>
+                <a16:creationId xmlns="" xmlns:a16="http://schemas.microsoft.com/office/drawing/2014/main" id="{FE1FADFB-0A3D-40F7-9B40-368DECD971E1}"/>
               </a:ext>
             </a:extLst>
           </p:cNvPr>
@@ -23612,7 +21053,7 @@
           <p:cNvPr id="4" name="Footer Placeholder 3">
             <a:extLst>
               <a:ext uri="{FF2B5EF4-FFF2-40B4-BE49-F238E27FC236}">
-                <a16:creationId xmlns:a16="http://schemas.microsoft.com/office/drawing/2014/main" xmlns="" id="{5ADB14A5-A767-774C-85B8-68EF914689F6}"/>
+                <a16:creationId xmlns="" xmlns:a16="http://schemas.microsoft.com/office/drawing/2014/main" id="{5ADB14A5-A767-774C-85B8-68EF914689F6}"/>
               </a:ext>
             </a:extLst>
           </p:cNvPr>
@@ -23640,7 +21081,7 @@
           <p:cNvPr id="6" name="Slide Number Placeholder 5">
             <a:extLst>
               <a:ext uri="{FF2B5EF4-FFF2-40B4-BE49-F238E27FC236}">
-                <a16:creationId xmlns:a16="http://schemas.microsoft.com/office/drawing/2014/main" xmlns="" id="{D4B9B51B-EAA9-4B4D-A4F6-470CD95DAA79}"/>
+                <a16:creationId xmlns="" xmlns:a16="http://schemas.microsoft.com/office/drawing/2014/main" id="{D4B9B51B-EAA9-4B4D-A4F6-470CD95DAA79}"/>
               </a:ext>
             </a:extLst>
           </p:cNvPr>
@@ -23720,7 +21161,7 @@
           <p:cNvPr id="35" name="Right Triangle 34">
             <a:extLst>
               <a:ext uri="{FF2B5EF4-FFF2-40B4-BE49-F238E27FC236}">
-                <a16:creationId xmlns:a16="http://schemas.microsoft.com/office/drawing/2014/main" xmlns="" id="{805F1696-7D6B-4055-94C3-E4C179F63596}"/>
+                <a16:creationId xmlns="" xmlns:a16="http://schemas.microsoft.com/office/drawing/2014/main" id="{805F1696-7D6B-4055-94C3-E4C179F63596}"/>
               </a:ext>
             </a:extLst>
           </p:cNvPr>
@@ -23772,7 +21213,7 @@
           <p:cNvPr id="18" name="Picture Placeholder 17">
             <a:extLst>
               <a:ext uri="{FF2B5EF4-FFF2-40B4-BE49-F238E27FC236}">
-                <a16:creationId xmlns:a16="http://schemas.microsoft.com/office/drawing/2014/main" xmlns="" id="{8B9EC3A9-7039-403A-9414-429521308AE7}"/>
+                <a16:creationId xmlns="" xmlns:a16="http://schemas.microsoft.com/office/drawing/2014/main" id="{8B9EC3A9-7039-403A-9414-429521308AE7}"/>
               </a:ext>
             </a:extLst>
           </p:cNvPr>
@@ -23860,7 +21301,7 @@
           <p:cNvPr id="3" name="Content Placeholder 2" title="Bullet Points">
             <a:extLst>
               <a:ext uri="{FF2B5EF4-FFF2-40B4-BE49-F238E27FC236}">
-                <a16:creationId xmlns:a16="http://schemas.microsoft.com/office/drawing/2014/main" xmlns="" id="{BFD7EA17-BE66-4636-9684-F93562587911}"/>
+                <a16:creationId xmlns="" xmlns:a16="http://schemas.microsoft.com/office/drawing/2014/main" id="{BFD7EA17-BE66-4636-9684-F93562587911}"/>
               </a:ext>
             </a:extLst>
           </p:cNvPr>
@@ -23979,7 +21420,7 @@
           <p:cNvPr id="25" name="Parallelogram 24">
             <a:extLst>
               <a:ext uri="{FF2B5EF4-FFF2-40B4-BE49-F238E27FC236}">
-                <a16:creationId xmlns:a16="http://schemas.microsoft.com/office/drawing/2014/main" xmlns="" id="{18C08F43-D42B-4CF1-912F-BC83D72AB415}"/>
+                <a16:creationId xmlns="" xmlns:a16="http://schemas.microsoft.com/office/drawing/2014/main" id="{18C08F43-D42B-4CF1-912F-BC83D72AB415}"/>
               </a:ext>
             </a:extLst>
           </p:cNvPr>
@@ -24038,7 +21479,7 @@
           <p:cNvPr id="34" name="Straight Connector 33">
             <a:extLst>
               <a:ext uri="{FF2B5EF4-FFF2-40B4-BE49-F238E27FC236}">
-                <a16:creationId xmlns:a16="http://schemas.microsoft.com/office/drawing/2014/main" xmlns="" id="{1411C731-2333-41B0-927A-0A48EEC79964}"/>
+                <a16:creationId xmlns="" xmlns:a16="http://schemas.microsoft.com/office/drawing/2014/main" id="{1411C731-2333-41B0-927A-0A48EEC79964}"/>
               </a:ext>
             </a:extLst>
           </p:cNvPr>
@@ -24081,7 +21522,7 @@
           <p:cNvPr id="5" name="Text Placeholder 4" title="Subtitle">
             <a:extLst>
               <a:ext uri="{FF2B5EF4-FFF2-40B4-BE49-F238E27FC236}">
-                <a16:creationId xmlns:a16="http://schemas.microsoft.com/office/drawing/2014/main" xmlns="" id="{D71EE635-EA0C-4139-8160-AE1EAD13AAEB}"/>
+                <a16:creationId xmlns="" xmlns:a16="http://schemas.microsoft.com/office/drawing/2014/main" id="{D71EE635-EA0C-4139-8160-AE1EAD13AAEB}"/>
               </a:ext>
             </a:extLst>
           </p:cNvPr>
@@ -24131,7 +21572,7 @@
           <p:cNvPr id="17" name="TextBox 16">
             <a:extLst>
               <a:ext uri="{FF2B5EF4-FFF2-40B4-BE49-F238E27FC236}">
-                <a16:creationId xmlns:a16="http://schemas.microsoft.com/office/drawing/2014/main" xmlns="" id="{3EB154C1-CE47-4220-9832-4FD0868A64A8}"/>
+                <a16:creationId xmlns="" xmlns:a16="http://schemas.microsoft.com/office/drawing/2014/main" id="{3EB154C1-CE47-4220-9832-4FD0868A64A8}"/>
               </a:ext>
             </a:extLst>
           </p:cNvPr>
@@ -24171,7 +21612,7 @@
           <p:cNvPr id="19" name="Title 1" title="Title ">
             <a:extLst>
               <a:ext uri="{FF2B5EF4-FFF2-40B4-BE49-F238E27FC236}">
-                <a16:creationId xmlns:a16="http://schemas.microsoft.com/office/drawing/2014/main" xmlns="" id="{2DB9D671-9FC8-4306-96B7-D9D585694B83}"/>
+                <a16:creationId xmlns="" xmlns:a16="http://schemas.microsoft.com/office/drawing/2014/main" id="{2DB9D671-9FC8-4306-96B7-D9D585694B83}"/>
               </a:ext>
             </a:extLst>
           </p:cNvPr>
@@ -24224,7 +21665,7 @@
           <p:cNvPr id="2" name="Footer Placeholder 1">
             <a:extLst>
               <a:ext uri="{FF2B5EF4-FFF2-40B4-BE49-F238E27FC236}">
-                <a16:creationId xmlns:a16="http://schemas.microsoft.com/office/drawing/2014/main" xmlns="" id="{6E55A0B9-F639-8643-9C4D-B93B8EE21A79}"/>
+                <a16:creationId xmlns="" xmlns:a16="http://schemas.microsoft.com/office/drawing/2014/main" id="{6E55A0B9-F639-8643-9C4D-B93B8EE21A79}"/>
               </a:ext>
             </a:extLst>
           </p:cNvPr>
@@ -24252,7 +21693,7 @@
           <p:cNvPr id="4" name="Slide Number Placeholder 3">
             <a:extLst>
               <a:ext uri="{FF2B5EF4-FFF2-40B4-BE49-F238E27FC236}">
-                <a16:creationId xmlns:a16="http://schemas.microsoft.com/office/drawing/2014/main" xmlns="" id="{D0C29282-8AC7-494D-9A8E-A26C7F69948F}"/>
+                <a16:creationId xmlns="" xmlns:a16="http://schemas.microsoft.com/office/drawing/2014/main" id="{D0C29282-8AC7-494D-9A8E-A26C7F69948F}"/>
               </a:ext>
             </a:extLst>
           </p:cNvPr>
@@ -24332,7 +21773,7 @@
           <p:cNvPr id="22" name="Straight Connector 21">
             <a:extLst>
               <a:ext uri="{FF2B5EF4-FFF2-40B4-BE49-F238E27FC236}">
-                <a16:creationId xmlns:a16="http://schemas.microsoft.com/office/drawing/2014/main" xmlns="" id="{01AF1CF9-9F46-4541-8FF1-B9C53244EE1A}"/>
+                <a16:creationId xmlns="" xmlns:a16="http://schemas.microsoft.com/office/drawing/2014/main" id="{01AF1CF9-9F46-4541-8FF1-B9C53244EE1A}"/>
               </a:ext>
             </a:extLst>
           </p:cNvPr>
@@ -24375,7 +21816,7 @@
           <p:cNvPr id="23" name="Group 22">
             <a:extLst>
               <a:ext uri="{FF2B5EF4-FFF2-40B4-BE49-F238E27FC236}">
-                <a16:creationId xmlns:a16="http://schemas.microsoft.com/office/drawing/2014/main" xmlns="" id="{AB0E1BA4-80FE-4826-BA2F-083C3A5BB7FA}"/>
+                <a16:creationId xmlns="" xmlns:a16="http://schemas.microsoft.com/office/drawing/2014/main" id="{AB0E1BA4-80FE-4826-BA2F-083C3A5BB7FA}"/>
               </a:ext>
             </a:extLst>
           </p:cNvPr>
@@ -24395,7 +21836,7 @@
             <p:cNvPr id="26" name="Diagonal Stripe 25">
               <a:extLst>
                 <a:ext uri="{FF2B5EF4-FFF2-40B4-BE49-F238E27FC236}">
-                  <a16:creationId xmlns:a16="http://schemas.microsoft.com/office/drawing/2014/main" xmlns="" id="{0697993E-CD44-40B9-805C-77BC608618A7}"/>
+                  <a16:creationId xmlns="" xmlns:a16="http://schemas.microsoft.com/office/drawing/2014/main" id="{0697993E-CD44-40B9-805C-77BC608618A7}"/>
                 </a:ext>
               </a:extLst>
             </p:cNvPr>
@@ -24453,7 +21894,7 @@
             <p:cNvPr id="28" name="Straight Connector 27">
               <a:extLst>
                 <a:ext uri="{FF2B5EF4-FFF2-40B4-BE49-F238E27FC236}">
-                  <a16:creationId xmlns:a16="http://schemas.microsoft.com/office/drawing/2014/main" xmlns="" id="{DDBD869A-51AE-4AC9-A3E0-38E8C732B1E8}"/>
+                  <a16:creationId xmlns="" xmlns:a16="http://schemas.microsoft.com/office/drawing/2014/main" id="{DDBD869A-51AE-4AC9-A3E0-38E8C732B1E8}"/>
                 </a:ext>
               </a:extLst>
             </p:cNvPr>
@@ -24498,7 +21939,7 @@
             <p:cNvPr id="30" name="Parallelogram 29">
               <a:extLst>
                 <a:ext uri="{FF2B5EF4-FFF2-40B4-BE49-F238E27FC236}">
-                  <a16:creationId xmlns:a16="http://schemas.microsoft.com/office/drawing/2014/main" xmlns="" id="{DE18C3B6-28E6-4BBC-B634-F81DE5A9D13C}"/>
+                  <a16:creationId xmlns="" xmlns:a16="http://schemas.microsoft.com/office/drawing/2014/main" id="{DE18C3B6-28E6-4BBC-B634-F81DE5A9D13C}"/>
                 </a:ext>
               </a:extLst>
             </p:cNvPr>
@@ -24553,7 +21994,7 @@
           <p:cNvPr id="17" name="Text Placeholder 2">
             <a:extLst>
               <a:ext uri="{FF2B5EF4-FFF2-40B4-BE49-F238E27FC236}">
-                <a16:creationId xmlns:a16="http://schemas.microsoft.com/office/drawing/2014/main" xmlns="" id="{B2E19FBD-2379-4B3B-910D-F51E007CB63F}"/>
+                <a16:creationId xmlns="" xmlns:a16="http://schemas.microsoft.com/office/drawing/2014/main" id="{B2E19FBD-2379-4B3B-910D-F51E007CB63F}"/>
               </a:ext>
             </a:extLst>
           </p:cNvPr>
@@ -24639,7 +22080,7 @@
           <p:cNvPr id="18" name="Content Placeholder 3" title="Bullet Points">
             <a:extLst>
               <a:ext uri="{FF2B5EF4-FFF2-40B4-BE49-F238E27FC236}">
-                <a16:creationId xmlns:a16="http://schemas.microsoft.com/office/drawing/2014/main" xmlns="" id="{8715E757-6584-4841-8154-C92E70E0CD6B}"/>
+                <a16:creationId xmlns="" xmlns:a16="http://schemas.microsoft.com/office/drawing/2014/main" id="{8715E757-6584-4841-8154-C92E70E0CD6B}"/>
               </a:ext>
             </a:extLst>
           </p:cNvPr>
@@ -24763,7 +22204,7 @@
           <p:cNvPr id="19" name="Text Placeholder 4">
             <a:extLst>
               <a:ext uri="{FF2B5EF4-FFF2-40B4-BE49-F238E27FC236}">
-                <a16:creationId xmlns:a16="http://schemas.microsoft.com/office/drawing/2014/main" xmlns="" id="{47CDC5A2-8836-4ED3-8E78-18C24853D882}"/>
+                <a16:creationId xmlns="" xmlns:a16="http://schemas.microsoft.com/office/drawing/2014/main" id="{47CDC5A2-8836-4ED3-8E78-18C24853D882}"/>
               </a:ext>
             </a:extLst>
           </p:cNvPr>
@@ -24846,7 +22287,7 @@
           <p:cNvPr id="20" name="Content Placeholder 5" title="Bullet Points">
             <a:extLst>
               <a:ext uri="{FF2B5EF4-FFF2-40B4-BE49-F238E27FC236}">
-                <a16:creationId xmlns:a16="http://schemas.microsoft.com/office/drawing/2014/main" xmlns="" id="{D957FBD7-2C3C-4DD1-954F-DF1E007BE590}"/>
+                <a16:creationId xmlns="" xmlns:a16="http://schemas.microsoft.com/office/drawing/2014/main" id="{D957FBD7-2C3C-4DD1-954F-DF1E007BE590}"/>
               </a:ext>
             </a:extLst>
           </p:cNvPr>
@@ -24970,7 +22411,7 @@
           <p:cNvPr id="24" name="Text Placeholder 4" title="Subtitle">
             <a:extLst>
               <a:ext uri="{FF2B5EF4-FFF2-40B4-BE49-F238E27FC236}">
-                <a16:creationId xmlns:a16="http://schemas.microsoft.com/office/drawing/2014/main" xmlns="" id="{77DB65FF-A89E-4562-8251-2BB63EFDD28E}"/>
+                <a16:creationId xmlns="" xmlns:a16="http://schemas.microsoft.com/office/drawing/2014/main" id="{77DB65FF-A89E-4562-8251-2BB63EFDD28E}"/>
               </a:ext>
             </a:extLst>
           </p:cNvPr>
@@ -25020,7 +22461,7 @@
           <p:cNvPr id="25" name="TextBox 24">
             <a:extLst>
               <a:ext uri="{FF2B5EF4-FFF2-40B4-BE49-F238E27FC236}">
-                <a16:creationId xmlns:a16="http://schemas.microsoft.com/office/drawing/2014/main" xmlns="" id="{F0BB4D3D-930C-4FF4-BB7C-2CB24208150C}"/>
+                <a16:creationId xmlns="" xmlns:a16="http://schemas.microsoft.com/office/drawing/2014/main" id="{F0BB4D3D-930C-4FF4-BB7C-2CB24208150C}"/>
               </a:ext>
             </a:extLst>
           </p:cNvPr>
@@ -25060,7 +22501,7 @@
           <p:cNvPr id="36" name="Parallelogram 35">
             <a:extLst>
               <a:ext uri="{FF2B5EF4-FFF2-40B4-BE49-F238E27FC236}">
-                <a16:creationId xmlns:a16="http://schemas.microsoft.com/office/drawing/2014/main" xmlns="" id="{4EBB76E7-943E-4038-B700-114F66FBC609}"/>
+                <a16:creationId xmlns="" xmlns:a16="http://schemas.microsoft.com/office/drawing/2014/main" id="{4EBB76E7-943E-4038-B700-114F66FBC609}"/>
               </a:ext>
             </a:extLst>
           </p:cNvPr>
@@ -25119,7 +22560,7 @@
           <p:cNvPr id="2" name="Footer Placeholder 1">
             <a:extLst>
               <a:ext uri="{FF2B5EF4-FFF2-40B4-BE49-F238E27FC236}">
-                <a16:creationId xmlns:a16="http://schemas.microsoft.com/office/drawing/2014/main" xmlns="" id="{03E79E9C-D961-6E47-A5C6-57689BAFF243}"/>
+                <a16:creationId xmlns="" xmlns:a16="http://schemas.microsoft.com/office/drawing/2014/main" id="{03E79E9C-D961-6E47-A5C6-57689BAFF243}"/>
               </a:ext>
             </a:extLst>
           </p:cNvPr>
@@ -25151,7 +22592,7 @@
           <p:cNvPr id="3" name="Slide Number Placeholder 2">
             <a:extLst>
               <a:ext uri="{FF2B5EF4-FFF2-40B4-BE49-F238E27FC236}">
-                <a16:creationId xmlns:a16="http://schemas.microsoft.com/office/drawing/2014/main" xmlns="" id="{B08BE157-60F2-194D-8C13-4AE120FC9EDE}"/>
+                <a16:creationId xmlns="" xmlns:a16="http://schemas.microsoft.com/office/drawing/2014/main" id="{B08BE157-60F2-194D-8C13-4AE120FC9EDE}"/>
               </a:ext>
             </a:extLst>
           </p:cNvPr>
@@ -25180,7 +22621,7 @@
           <p:cNvPr id="27" name="Title 1" title="Title ">
             <a:extLst>
               <a:ext uri="{FF2B5EF4-FFF2-40B4-BE49-F238E27FC236}">
-                <a16:creationId xmlns:a16="http://schemas.microsoft.com/office/drawing/2014/main" xmlns="" id="{C3CC34F4-862A-42E7-B2FA-7B511CC2E879}"/>
+                <a16:creationId xmlns="" xmlns:a16="http://schemas.microsoft.com/office/drawing/2014/main" id="{C3CC34F4-862A-42E7-B2FA-7B511CC2E879}"/>
               </a:ext>
             </a:extLst>
           </p:cNvPr>
@@ -25287,7 +22728,7 @@
           <p:cNvPr id="16" name="TextBox 15">
             <a:extLst>
               <a:ext uri="{FF2B5EF4-FFF2-40B4-BE49-F238E27FC236}">
-                <a16:creationId xmlns:a16="http://schemas.microsoft.com/office/drawing/2014/main" xmlns="" id="{A4F49194-9068-41AA-B460-962319BF96A4}"/>
+                <a16:creationId xmlns="" xmlns:a16="http://schemas.microsoft.com/office/drawing/2014/main" id="{A4F49194-9068-41AA-B460-962319BF96A4}"/>
               </a:ext>
             </a:extLst>
           </p:cNvPr>
@@ -25327,7 +22768,7 @@
           <p:cNvPr id="28" name="Group 27">
             <a:extLst>
               <a:ext uri="{FF2B5EF4-FFF2-40B4-BE49-F238E27FC236}">
-                <a16:creationId xmlns:a16="http://schemas.microsoft.com/office/drawing/2014/main" xmlns="" id="{5806E656-313A-47B1-B381-D004200F7A01}"/>
+                <a16:creationId xmlns="" xmlns:a16="http://schemas.microsoft.com/office/drawing/2014/main" id="{5806E656-313A-47B1-B381-D004200F7A01}"/>
               </a:ext>
             </a:extLst>
           </p:cNvPr>
@@ -25347,7 +22788,7 @@
             <p:cNvPr id="29" name="Diagonal Stripe 28">
               <a:extLst>
                 <a:ext uri="{FF2B5EF4-FFF2-40B4-BE49-F238E27FC236}">
-                  <a16:creationId xmlns:a16="http://schemas.microsoft.com/office/drawing/2014/main" xmlns="" id="{65F8E2DA-4BB4-4421-9172-A11AF38DFEF4}"/>
+                  <a16:creationId xmlns="" xmlns:a16="http://schemas.microsoft.com/office/drawing/2014/main" id="{65F8E2DA-4BB4-4421-9172-A11AF38DFEF4}"/>
                 </a:ext>
               </a:extLst>
             </p:cNvPr>
@@ -25405,7 +22846,7 @@
             <p:cNvPr id="30" name="Straight Connector 29">
               <a:extLst>
                 <a:ext uri="{FF2B5EF4-FFF2-40B4-BE49-F238E27FC236}">
-                  <a16:creationId xmlns:a16="http://schemas.microsoft.com/office/drawing/2014/main" xmlns="" id="{6EDB47F2-B6A7-40B4-8A2C-06719F75C085}"/>
+                  <a16:creationId xmlns="" xmlns:a16="http://schemas.microsoft.com/office/drawing/2014/main" id="{6EDB47F2-B6A7-40B4-8A2C-06719F75C085}"/>
                 </a:ext>
               </a:extLst>
             </p:cNvPr>
@@ -25450,7 +22891,7 @@
             <p:cNvPr id="31" name="Parallelogram 30">
               <a:extLst>
                 <a:ext uri="{FF2B5EF4-FFF2-40B4-BE49-F238E27FC236}">
-                  <a16:creationId xmlns:a16="http://schemas.microsoft.com/office/drawing/2014/main" xmlns="" id="{B188E7A9-2351-4B68-98B8-10099CB39CD2}"/>
+                  <a16:creationId xmlns="" xmlns:a16="http://schemas.microsoft.com/office/drawing/2014/main" id="{B188E7A9-2351-4B68-98B8-10099CB39CD2}"/>
                 </a:ext>
               </a:extLst>
             </p:cNvPr>
@@ -25505,7 +22946,7 @@
           <p:cNvPr id="33" name="Parallelogram 32">
             <a:extLst>
               <a:ext uri="{FF2B5EF4-FFF2-40B4-BE49-F238E27FC236}">
-                <a16:creationId xmlns:a16="http://schemas.microsoft.com/office/drawing/2014/main" xmlns="" id="{F088C182-BF10-45B2-B159-7702E00D31D4}"/>
+                <a16:creationId xmlns="" xmlns:a16="http://schemas.microsoft.com/office/drawing/2014/main" id="{F088C182-BF10-45B2-B159-7702E00D31D4}"/>
               </a:ext>
             </a:extLst>
           </p:cNvPr>
@@ -25564,7 +23005,7 @@
           <p:cNvPr id="34" name="Text Placeholder 4" title="Subtitle">
             <a:extLst>
               <a:ext uri="{FF2B5EF4-FFF2-40B4-BE49-F238E27FC236}">
-                <a16:creationId xmlns:a16="http://schemas.microsoft.com/office/drawing/2014/main" xmlns="" id="{FB561B16-2788-452A-B7AF-A482256DCDF2}"/>
+                <a16:creationId xmlns="" xmlns:a16="http://schemas.microsoft.com/office/drawing/2014/main" id="{FB561B16-2788-452A-B7AF-A482256DCDF2}"/>
               </a:ext>
             </a:extLst>
           </p:cNvPr>
@@ -25614,7 +23055,7 @@
           <p:cNvPr id="2" name="Footer Placeholder 1">
             <a:extLst>
               <a:ext uri="{FF2B5EF4-FFF2-40B4-BE49-F238E27FC236}">
-                <a16:creationId xmlns:a16="http://schemas.microsoft.com/office/drawing/2014/main" xmlns="" id="{D6990C03-1647-2044-B335-6F5F19E4E5FC}"/>
+                <a16:creationId xmlns="" xmlns:a16="http://schemas.microsoft.com/office/drawing/2014/main" id="{D6990C03-1647-2044-B335-6F5F19E4E5FC}"/>
               </a:ext>
             </a:extLst>
           </p:cNvPr>
@@ -25642,7 +23083,7 @@
           <p:cNvPr id="3" name="Slide Number Placeholder 2">
             <a:extLst>
               <a:ext uri="{FF2B5EF4-FFF2-40B4-BE49-F238E27FC236}">
-                <a16:creationId xmlns:a16="http://schemas.microsoft.com/office/drawing/2014/main" xmlns="" id="{4F03A7CC-E6DC-1544-BE55-15EC1718B77C}"/>
+                <a16:creationId xmlns="" xmlns:a16="http://schemas.microsoft.com/office/drawing/2014/main" id="{4F03A7CC-E6DC-1544-BE55-15EC1718B77C}"/>
               </a:ext>
             </a:extLst>
           </p:cNvPr>
@@ -25671,7 +23112,7 @@
           <p:cNvPr id="17" name="Title 1" title="Title ">
             <a:extLst>
               <a:ext uri="{FF2B5EF4-FFF2-40B4-BE49-F238E27FC236}">
-                <a16:creationId xmlns:a16="http://schemas.microsoft.com/office/drawing/2014/main" xmlns="" id="{BDEC780E-6412-1344-A62E-6B84E9CCB678}"/>
+                <a16:creationId xmlns="" xmlns:a16="http://schemas.microsoft.com/office/drawing/2014/main" id="{BDEC780E-6412-1344-A62E-6B84E9CCB678}"/>
               </a:ext>
             </a:extLst>
           </p:cNvPr>
@@ -25717,7 +23158,7 @@
           <p:cNvPr id="5" name="Text Placeholder 4">
             <a:extLst>
               <a:ext uri="{FF2B5EF4-FFF2-40B4-BE49-F238E27FC236}">
-                <a16:creationId xmlns:a16="http://schemas.microsoft.com/office/drawing/2014/main" xmlns="" id="{2C82AC85-33B6-2B49-8BF4-08414444375C}"/>
+                <a16:creationId xmlns="" xmlns:a16="http://schemas.microsoft.com/office/drawing/2014/main" id="{2C82AC85-33B6-2B49-8BF4-08414444375C}"/>
               </a:ext>
             </a:extLst>
           </p:cNvPr>
@@ -25795,7 +23236,7 @@
           <p:cNvPr id="20" name="Chart Placeholder 2" title="Chart">
             <a:extLst>
               <a:ext uri="{FF2B5EF4-FFF2-40B4-BE49-F238E27FC236}">
-                <a16:creationId xmlns:a16="http://schemas.microsoft.com/office/drawing/2014/main" xmlns="" id="{0EF0FD2A-B62A-4931-846D-2602DED26606}"/>
+                <a16:creationId xmlns="" xmlns:a16="http://schemas.microsoft.com/office/drawing/2014/main" id="{0EF0FD2A-B62A-4931-846D-2602DED26606}"/>
               </a:ext>
             </a:extLst>
           </p:cNvPr>
@@ -25897,7 +23338,7 @@
           <p:cNvPr id="15" name="Table Placeholder 11" title="Table">
             <a:extLst>
               <a:ext uri="{FF2B5EF4-FFF2-40B4-BE49-F238E27FC236}">
-                <a16:creationId xmlns:a16="http://schemas.microsoft.com/office/drawing/2014/main" xmlns="" id="{7CD3E31F-0AF8-4EB8-B6FA-BD95A2EDA63B}"/>
+                <a16:creationId xmlns="" xmlns:a16="http://schemas.microsoft.com/office/drawing/2014/main" id="{7CD3E31F-0AF8-4EB8-B6FA-BD95A2EDA63B}"/>
               </a:ext>
             </a:extLst>
           </p:cNvPr>
@@ -25947,7 +23388,7 @@
           <p:cNvPr id="16" name="TextBox 15">
             <a:extLst>
               <a:ext uri="{FF2B5EF4-FFF2-40B4-BE49-F238E27FC236}">
-                <a16:creationId xmlns:a16="http://schemas.microsoft.com/office/drawing/2014/main" xmlns="" id="{B84020D1-D35E-497E-97F1-84A6EA9D048E}"/>
+                <a16:creationId xmlns="" xmlns:a16="http://schemas.microsoft.com/office/drawing/2014/main" id="{B84020D1-D35E-497E-97F1-84A6EA9D048E}"/>
               </a:ext>
             </a:extLst>
           </p:cNvPr>
@@ -25987,7 +23428,7 @@
           <p:cNvPr id="26" name="Group 25">
             <a:extLst>
               <a:ext uri="{FF2B5EF4-FFF2-40B4-BE49-F238E27FC236}">
-                <a16:creationId xmlns:a16="http://schemas.microsoft.com/office/drawing/2014/main" xmlns="" id="{36C8A74F-FDDF-48E8-AC2B-A5BD59D7D6A3}"/>
+                <a16:creationId xmlns="" xmlns:a16="http://schemas.microsoft.com/office/drawing/2014/main" id="{36C8A74F-FDDF-48E8-AC2B-A5BD59D7D6A3}"/>
               </a:ext>
             </a:extLst>
           </p:cNvPr>
@@ -26007,7 +23448,7 @@
             <p:cNvPr id="27" name="Diagonal Stripe 26">
               <a:extLst>
                 <a:ext uri="{FF2B5EF4-FFF2-40B4-BE49-F238E27FC236}">
-                  <a16:creationId xmlns:a16="http://schemas.microsoft.com/office/drawing/2014/main" xmlns="" id="{2D5247F3-E6EB-4003-B1FD-F6200F0738E5}"/>
+                  <a16:creationId xmlns="" xmlns:a16="http://schemas.microsoft.com/office/drawing/2014/main" id="{2D5247F3-E6EB-4003-B1FD-F6200F0738E5}"/>
                 </a:ext>
               </a:extLst>
             </p:cNvPr>
@@ -26065,7 +23506,7 @@
             <p:cNvPr id="28" name="Straight Connector 27">
               <a:extLst>
                 <a:ext uri="{FF2B5EF4-FFF2-40B4-BE49-F238E27FC236}">
-                  <a16:creationId xmlns:a16="http://schemas.microsoft.com/office/drawing/2014/main" xmlns="" id="{E9B7D995-9FB8-4461-8AAA-FA8B9A145B6B}"/>
+                  <a16:creationId xmlns="" xmlns:a16="http://schemas.microsoft.com/office/drawing/2014/main" id="{E9B7D995-9FB8-4461-8AAA-FA8B9A145B6B}"/>
                 </a:ext>
               </a:extLst>
             </p:cNvPr>
@@ -26110,7 +23551,7 @@
             <p:cNvPr id="33" name="Parallelogram 32">
               <a:extLst>
                 <a:ext uri="{FF2B5EF4-FFF2-40B4-BE49-F238E27FC236}">
-                  <a16:creationId xmlns:a16="http://schemas.microsoft.com/office/drawing/2014/main" xmlns="" id="{849B962F-68BC-4B89-B4D8-D862517534DF}"/>
+                  <a16:creationId xmlns="" xmlns:a16="http://schemas.microsoft.com/office/drawing/2014/main" id="{849B962F-68BC-4B89-B4D8-D862517534DF}"/>
                 </a:ext>
               </a:extLst>
             </p:cNvPr>
@@ -26165,7 +23606,7 @@
           <p:cNvPr id="36" name="Parallelogram 35">
             <a:extLst>
               <a:ext uri="{FF2B5EF4-FFF2-40B4-BE49-F238E27FC236}">
-                <a16:creationId xmlns:a16="http://schemas.microsoft.com/office/drawing/2014/main" xmlns="" id="{8006416B-866C-47E5-8480-109B40F9EAA9}"/>
+                <a16:creationId xmlns="" xmlns:a16="http://schemas.microsoft.com/office/drawing/2014/main" id="{8006416B-866C-47E5-8480-109B40F9EAA9}"/>
               </a:ext>
             </a:extLst>
           </p:cNvPr>
@@ -26224,7 +23665,7 @@
           <p:cNvPr id="37" name="Text Placeholder 4" title="Subtitle">
             <a:extLst>
               <a:ext uri="{FF2B5EF4-FFF2-40B4-BE49-F238E27FC236}">
-                <a16:creationId xmlns:a16="http://schemas.microsoft.com/office/drawing/2014/main" xmlns="" id="{FE79FAE9-2A8C-46BA-8738-44CBCF7294A9}"/>
+                <a16:creationId xmlns="" xmlns:a16="http://schemas.microsoft.com/office/drawing/2014/main" id="{FE79FAE9-2A8C-46BA-8738-44CBCF7294A9}"/>
               </a:ext>
             </a:extLst>
           </p:cNvPr>
@@ -26274,7 +23715,7 @@
           <p:cNvPr id="2" name="Footer Placeholder 1">
             <a:extLst>
               <a:ext uri="{FF2B5EF4-FFF2-40B4-BE49-F238E27FC236}">
-                <a16:creationId xmlns:a16="http://schemas.microsoft.com/office/drawing/2014/main" xmlns="" id="{5750A33E-CEFE-4D43-9554-513B01B1D3D9}"/>
+                <a16:creationId xmlns="" xmlns:a16="http://schemas.microsoft.com/office/drawing/2014/main" id="{5750A33E-CEFE-4D43-9554-513B01B1D3D9}"/>
               </a:ext>
             </a:extLst>
           </p:cNvPr>
@@ -26302,7 +23743,7 @@
           <p:cNvPr id="3" name="Slide Number Placeholder 2">
             <a:extLst>
               <a:ext uri="{FF2B5EF4-FFF2-40B4-BE49-F238E27FC236}">
-                <a16:creationId xmlns:a16="http://schemas.microsoft.com/office/drawing/2014/main" xmlns="" id="{4A960C75-8FA7-5740-9388-2B5112B2C5B9}"/>
+                <a16:creationId xmlns="" xmlns:a16="http://schemas.microsoft.com/office/drawing/2014/main" id="{4A960C75-8FA7-5740-9388-2B5112B2C5B9}"/>
               </a:ext>
             </a:extLst>
           </p:cNvPr>
@@ -26331,7 +23772,7 @@
           <p:cNvPr id="17" name="Title 1" title="Title ">
             <a:extLst>
               <a:ext uri="{FF2B5EF4-FFF2-40B4-BE49-F238E27FC236}">
-                <a16:creationId xmlns:a16="http://schemas.microsoft.com/office/drawing/2014/main" xmlns="" id="{0F525D04-A814-7A4D-9732-11097EA76257}"/>
+                <a16:creationId xmlns="" xmlns:a16="http://schemas.microsoft.com/office/drawing/2014/main" id="{0F525D04-A814-7A4D-9732-11097EA76257}"/>
               </a:ext>
             </a:extLst>
           </p:cNvPr>
@@ -26428,7 +23869,7 @@
           <p:cNvPr id="4" name="Right Triangle 3">
             <a:extLst>
               <a:ext uri="{FF2B5EF4-FFF2-40B4-BE49-F238E27FC236}">
-                <a16:creationId xmlns:a16="http://schemas.microsoft.com/office/drawing/2014/main" xmlns="" id="{79ED029D-F488-47E5-B064-0E35B31D23A5}"/>
+                <a16:creationId xmlns="" xmlns:a16="http://schemas.microsoft.com/office/drawing/2014/main" id="{79ED029D-F488-47E5-B064-0E35B31D23A5}"/>
               </a:ext>
             </a:extLst>
           </p:cNvPr>
@@ -26480,7 +23921,7 @@
           <p:cNvPr id="5" name="Picture Placeholder 31" title="Image">
             <a:extLst>
               <a:ext uri="{FF2B5EF4-FFF2-40B4-BE49-F238E27FC236}">
-                <a16:creationId xmlns:a16="http://schemas.microsoft.com/office/drawing/2014/main" xmlns="" id="{D683190A-95C6-428D-AEE4-FC8350C3246D}"/>
+                <a16:creationId xmlns="" xmlns:a16="http://schemas.microsoft.com/office/drawing/2014/main" id="{D683190A-95C6-428D-AEE4-FC8350C3246D}"/>
               </a:ext>
             </a:extLst>
           </p:cNvPr>
@@ -26529,7 +23970,7 @@
           <p:cNvPr id="6" name="Straight Connector 5">
             <a:extLst>
               <a:ext uri="{FF2B5EF4-FFF2-40B4-BE49-F238E27FC236}">
-                <a16:creationId xmlns:a16="http://schemas.microsoft.com/office/drawing/2014/main" xmlns="" id="{F78F4957-6DDE-40CE-9D33-00B1434FA085}"/>
+                <a16:creationId xmlns="" xmlns:a16="http://schemas.microsoft.com/office/drawing/2014/main" id="{F78F4957-6DDE-40CE-9D33-00B1434FA085}"/>
               </a:ext>
             </a:extLst>
           </p:cNvPr>
@@ -26574,7 +24015,7 @@
           <p:cNvPr id="9" name="Title 1" title="Title ">
             <a:extLst>
               <a:ext uri="{FF2B5EF4-FFF2-40B4-BE49-F238E27FC236}">
-                <a16:creationId xmlns:a16="http://schemas.microsoft.com/office/drawing/2014/main" xmlns="" id="{D9A8085F-72C4-4DFB-813E-C5666B0CCF3A}"/>
+                <a16:creationId xmlns="" xmlns:a16="http://schemas.microsoft.com/office/drawing/2014/main" id="{D9A8085F-72C4-4DFB-813E-C5666B0CCF3A}"/>
               </a:ext>
             </a:extLst>
           </p:cNvPr>
@@ -26671,7 +24112,7 @@
           <p:cNvPr id="2" name="Title 1" title="Title">
             <a:extLst>
               <a:ext uri="{FF2B5EF4-FFF2-40B4-BE49-F238E27FC236}">
-                <a16:creationId xmlns:a16="http://schemas.microsoft.com/office/drawing/2014/main" xmlns="" id="{A648E0EA-49ED-4F2D-A107-8FCE6301FC88}"/>
+                <a16:creationId xmlns="" xmlns:a16="http://schemas.microsoft.com/office/drawing/2014/main" id="{A648E0EA-49ED-4F2D-A107-8FCE6301FC88}"/>
               </a:ext>
             </a:extLst>
           </p:cNvPr>
@@ -26717,7 +24158,7 @@
           <p:cNvPr id="9" name="Text Placeholder 3">
             <a:extLst>
               <a:ext uri="{FF2B5EF4-FFF2-40B4-BE49-F238E27FC236}">
-                <a16:creationId xmlns:a16="http://schemas.microsoft.com/office/drawing/2014/main" xmlns="" id="{A488AB73-8058-4FB5-9619-FCECCA9F3941}"/>
+                <a16:creationId xmlns="" xmlns:a16="http://schemas.microsoft.com/office/drawing/2014/main" id="{A488AB73-8058-4FB5-9619-FCECCA9F3941}"/>
               </a:ext>
             </a:extLst>
           </p:cNvPr>
@@ -26761,7 +24202,7 @@
           <p:cNvPr id="10" name="Text Placeholder 4">
             <a:extLst>
               <a:ext uri="{FF2B5EF4-FFF2-40B4-BE49-F238E27FC236}">
-                <a16:creationId xmlns:a16="http://schemas.microsoft.com/office/drawing/2014/main" xmlns="" id="{359BE165-3EB5-4C11-8B53-6E98C0BC2E65}"/>
+                <a16:creationId xmlns="" xmlns:a16="http://schemas.microsoft.com/office/drawing/2014/main" id="{359BE165-3EB5-4C11-8B53-6E98C0BC2E65}"/>
               </a:ext>
             </a:extLst>
           </p:cNvPr>
@@ -26805,7 +24246,7 @@
           <p:cNvPr id="11" name="Text Placeholder 5">
             <a:extLst>
               <a:ext uri="{FF2B5EF4-FFF2-40B4-BE49-F238E27FC236}">
-                <a16:creationId xmlns:a16="http://schemas.microsoft.com/office/drawing/2014/main" xmlns="" id="{79D05293-35AD-495F-A7AE-942398090B15}"/>
+                <a16:creationId xmlns="" xmlns:a16="http://schemas.microsoft.com/office/drawing/2014/main" id="{79D05293-35AD-495F-A7AE-942398090B15}"/>
               </a:ext>
             </a:extLst>
           </p:cNvPr>
@@ -26849,7 +24290,7 @@
           <p:cNvPr id="13" name="Text Placeholder 21">
             <a:extLst>
               <a:ext uri="{FF2B5EF4-FFF2-40B4-BE49-F238E27FC236}">
-                <a16:creationId xmlns:a16="http://schemas.microsoft.com/office/drawing/2014/main" xmlns="" id="{997A03F2-8D8A-4425-9F56-66DB33CE11A1}"/>
+                <a16:creationId xmlns="" xmlns:a16="http://schemas.microsoft.com/office/drawing/2014/main" id="{997A03F2-8D8A-4425-9F56-66DB33CE11A1}"/>
               </a:ext>
             </a:extLst>
           </p:cNvPr>
@@ -26893,7 +24334,7 @@
           <p:cNvPr id="14" name="Shape 4157">
             <a:extLst>
               <a:ext uri="{FF2B5EF4-FFF2-40B4-BE49-F238E27FC236}">
-                <a16:creationId xmlns:a16="http://schemas.microsoft.com/office/drawing/2014/main" xmlns="" id="{A30A8F28-98F4-425F-A750-78192A157DF4}"/>
+                <a16:creationId xmlns="" xmlns:a16="http://schemas.microsoft.com/office/drawing/2014/main" id="{A30A8F28-98F4-425F-A750-78192A157DF4}"/>
               </a:ext>
             </a:extLst>
           </p:cNvPr>
@@ -27159,7 +24600,7 @@
           <p:cNvPr id="15" name="Shape 4186">
             <a:extLst>
               <a:ext uri="{FF2B5EF4-FFF2-40B4-BE49-F238E27FC236}">
-                <a16:creationId xmlns:a16="http://schemas.microsoft.com/office/drawing/2014/main" xmlns="" id="{2F84D399-8148-4E86-A1E4-BE7D1D81383A}"/>
+                <a16:creationId xmlns="" xmlns:a16="http://schemas.microsoft.com/office/drawing/2014/main" id="{2F84D399-8148-4E86-A1E4-BE7D1D81383A}"/>
               </a:ext>
             </a:extLst>
           </p:cNvPr>
@@ -27397,7 +24838,7 @@
           <p:cNvPr id="19" name="Shape 4379">
             <a:extLst>
               <a:ext uri="{FF2B5EF4-FFF2-40B4-BE49-F238E27FC236}">
-                <a16:creationId xmlns:a16="http://schemas.microsoft.com/office/drawing/2014/main" xmlns="" id="{E4408FF8-E342-42F8-BBE9-1220822B5E99}"/>
+                <a16:creationId xmlns="" xmlns:a16="http://schemas.microsoft.com/office/drawing/2014/main" id="{E4408FF8-E342-42F8-BBE9-1220822B5E99}"/>
               </a:ext>
             </a:extLst>
           </p:cNvPr>
@@ -27626,7 +25067,7 @@
           <p:cNvPr id="20" name="Shape 4487">
             <a:extLst>
               <a:ext uri="{FF2B5EF4-FFF2-40B4-BE49-F238E27FC236}">
-                <a16:creationId xmlns:a16="http://schemas.microsoft.com/office/drawing/2014/main" xmlns="" id="{11D27456-C005-4109-9E74-0B692200A0B3}"/>
+                <a16:creationId xmlns="" xmlns:a16="http://schemas.microsoft.com/office/drawing/2014/main" id="{11D27456-C005-4109-9E74-0B692200A0B3}"/>
               </a:ext>
             </a:extLst>
           </p:cNvPr>
@@ -28223,7 +25664,7 @@
           <p:cNvPr id="21" name="Right Triangle 20">
             <a:extLst>
               <a:ext uri="{FF2B5EF4-FFF2-40B4-BE49-F238E27FC236}">
-                <a16:creationId xmlns:a16="http://schemas.microsoft.com/office/drawing/2014/main" xmlns="" id="{FDDD2B84-3CB9-4567-8C91-C538E8A1C89F}"/>
+                <a16:creationId xmlns="" xmlns:a16="http://schemas.microsoft.com/office/drawing/2014/main" id="{FDDD2B84-3CB9-4567-8C91-C538E8A1C89F}"/>
               </a:ext>
             </a:extLst>
           </p:cNvPr>
@@ -28275,7 +25716,7 @@
           <p:cNvPr id="22" name="Straight Connector 21">
             <a:extLst>
               <a:ext uri="{FF2B5EF4-FFF2-40B4-BE49-F238E27FC236}">
-                <a16:creationId xmlns:a16="http://schemas.microsoft.com/office/drawing/2014/main" xmlns="" id="{34EF3020-1476-41B1-9FE7-B476A25C53D3}"/>
+                <a16:creationId xmlns="" xmlns:a16="http://schemas.microsoft.com/office/drawing/2014/main" id="{34EF3020-1476-41B1-9FE7-B476A25C53D3}"/>
               </a:ext>
             </a:extLst>
           </p:cNvPr>
@@ -28320,7 +25761,7 @@
           <p:cNvPr id="23" name="Straight Connector 22">
             <a:extLst>
               <a:ext uri="{FF2B5EF4-FFF2-40B4-BE49-F238E27FC236}">
-                <a16:creationId xmlns:a16="http://schemas.microsoft.com/office/drawing/2014/main" xmlns="" id="{B1B64EC3-B232-415D-8E27-EB3E24D13922}"/>
+                <a16:creationId xmlns="" xmlns:a16="http://schemas.microsoft.com/office/drawing/2014/main" id="{B1B64EC3-B232-415D-8E27-EB3E24D13922}"/>
               </a:ext>
             </a:extLst>
           </p:cNvPr>
@@ -28363,7 +25804,7 @@
           <p:cNvPr id="24" name="Straight Connector 23">
             <a:extLst>
               <a:ext uri="{FF2B5EF4-FFF2-40B4-BE49-F238E27FC236}">
-                <a16:creationId xmlns:a16="http://schemas.microsoft.com/office/drawing/2014/main" xmlns="" id="{2261CE2F-F199-4242-AC6C-692676B81FF1}"/>
+                <a16:creationId xmlns="" xmlns:a16="http://schemas.microsoft.com/office/drawing/2014/main" id="{2261CE2F-F199-4242-AC6C-692676B81FF1}"/>
               </a:ext>
             </a:extLst>
           </p:cNvPr>
@@ -28406,7 +25847,7 @@
           <p:cNvPr id="27" name="Picture Placeholder 24">
             <a:extLst>
               <a:ext uri="{FF2B5EF4-FFF2-40B4-BE49-F238E27FC236}">
-                <a16:creationId xmlns:a16="http://schemas.microsoft.com/office/drawing/2014/main" xmlns="" id="{89C0506D-0CA6-4583-9D04-24E7F4D16AD8}"/>
+                <a16:creationId xmlns="" xmlns:a16="http://schemas.microsoft.com/office/drawing/2014/main" id="{89C0506D-0CA6-4583-9D04-24E7F4D16AD8}"/>
               </a:ext>
             </a:extLst>
           </p:cNvPr>
@@ -28589,7 +26030,7 @@
           <p:cNvPr id="5" name="Footer Placeholder 4">
             <a:extLst>
               <a:ext uri="{FF2B5EF4-FFF2-40B4-BE49-F238E27FC236}">
-                <a16:creationId xmlns:a16="http://schemas.microsoft.com/office/drawing/2014/main" xmlns="" id="{BDB16155-303B-403D-8B49-D4CEE47D6863}"/>
+                <a16:creationId xmlns="" xmlns:a16="http://schemas.microsoft.com/office/drawing/2014/main" id="{BDB16155-303B-403D-8B49-D4CEE47D6863}"/>
               </a:ext>
             </a:extLst>
           </p:cNvPr>
@@ -28633,7 +26074,7 @@
           <p:cNvPr id="6" name="Slide Number Placeholder 5">
             <a:extLst>
               <a:ext uri="{FF2B5EF4-FFF2-40B4-BE49-F238E27FC236}">
-                <a16:creationId xmlns:a16="http://schemas.microsoft.com/office/drawing/2014/main" xmlns="" id="{6B915EF5-4ABE-4759-AC09-679CD6083A55}"/>
+                <a16:creationId xmlns="" xmlns:a16="http://schemas.microsoft.com/office/drawing/2014/main" id="{6B915EF5-4ABE-4759-AC09-679CD6083A55}"/>
               </a:ext>
             </a:extLst>
           </p:cNvPr>
@@ -28679,7 +26120,7 @@
           <p:cNvPr id="9" name="Title Placeholder 8">
             <a:extLst>
               <a:ext uri="{FF2B5EF4-FFF2-40B4-BE49-F238E27FC236}">
-                <a16:creationId xmlns:a16="http://schemas.microsoft.com/office/drawing/2014/main" xmlns="" id="{AA2D2B61-D240-024D-AD60-4162EF1528B9}"/>
+                <a16:creationId xmlns="" xmlns:a16="http://schemas.microsoft.com/office/drawing/2014/main" id="{AA2D2B61-D240-024D-AD60-4162EF1528B9}"/>
               </a:ext>
             </a:extLst>
           </p:cNvPr>
@@ -29063,7 +26504,7 @@
           <p:cNvPr id="2" name="Title 1">
             <a:extLst>
               <a:ext uri="{FF2B5EF4-FFF2-40B4-BE49-F238E27FC236}">
-                <a16:creationId xmlns:a16="http://schemas.microsoft.com/office/drawing/2014/main" xmlns="" id="{3D638ACE-163E-40EB-A458-E794C67EA2A6}"/>
+                <a16:creationId xmlns="" xmlns:a16="http://schemas.microsoft.com/office/drawing/2014/main" id="{3D638ACE-163E-40EB-A458-E794C67EA2A6}"/>
               </a:ext>
             </a:extLst>
           </p:cNvPr>
@@ -29161,7 +26602,7 @@
           <p:cNvPr id="3" name="Subtitle 2">
             <a:extLst>
               <a:ext uri="{FF2B5EF4-FFF2-40B4-BE49-F238E27FC236}">
-                <a16:creationId xmlns:a16="http://schemas.microsoft.com/office/drawing/2014/main" xmlns="" id="{5C9205DF-8F5E-49F7-B00E-6F58293F5130}"/>
+                <a16:creationId xmlns="" xmlns:a16="http://schemas.microsoft.com/office/drawing/2014/main" id="{5C9205DF-8F5E-49F7-B00E-6F58293F5130}"/>
               </a:ext>
             </a:extLst>
           </p:cNvPr>
@@ -29210,7 +26651,7 @@
           <p:cNvPr id="14" name="Picture 2">
             <a:extLst>
               <a:ext uri="{FF2B5EF4-FFF2-40B4-BE49-F238E27FC236}">
-                <a16:creationId xmlns="" xmlns:a16="http://schemas.microsoft.com/office/drawing/2014/main" id="{2E38ACAB-48CA-E738-AFD6-756B9FF6AC5D}"/>
+                <a16:creationId xmlns:a16="http://schemas.microsoft.com/office/drawing/2014/main" xmlns="" id="{2E38ACAB-48CA-E738-AFD6-756B9FF6AC5D}"/>
               </a:ext>
             </a:extLst>
           </p:cNvPr>
@@ -29241,7 +26682,7 @@
           <p:cNvPr id="15" name="TextBox 14">
             <a:extLst>
               <a:ext uri="{FF2B5EF4-FFF2-40B4-BE49-F238E27FC236}">
-                <a16:creationId xmlns="" xmlns:a16="http://schemas.microsoft.com/office/drawing/2014/main" id="{5E2BDE38-1ADF-B171-BD23-4265B836D8E2}"/>
+                <a16:creationId xmlns:a16="http://schemas.microsoft.com/office/drawing/2014/main" xmlns="" id="{5E2BDE38-1ADF-B171-BD23-4265B836D8E2}"/>
               </a:ext>
             </a:extLst>
           </p:cNvPr>
@@ -29290,7 +26731,7 @@
           <p:cNvPr id="16" name="TextBox 15">
             <a:extLst>
               <a:ext uri="{FF2B5EF4-FFF2-40B4-BE49-F238E27FC236}">
-                <a16:creationId xmlns="" xmlns:a16="http://schemas.microsoft.com/office/drawing/2014/main" id="{A38426C7-6BF9-2D20-6747-94DE422530AF}"/>
+                <a16:creationId xmlns:a16="http://schemas.microsoft.com/office/drawing/2014/main" xmlns="" id="{A38426C7-6BF9-2D20-6747-94DE422530AF}"/>
               </a:ext>
             </a:extLst>
           </p:cNvPr>
@@ -29470,14 +26911,7 @@
                 <a:latin typeface="Arial" panose="020B0604020202020204" pitchFamily="34" charset="0"/>
                 <a:cs typeface="Arial" panose="020B0604020202020204" pitchFamily="34" charset="0"/>
               </a:rPr>
-              <a:t>	: </a:t>
-            </a:r>
-            <a:r>
-              <a:rPr lang="en-US" sz="2000" dirty="0" smtClean="0">
-                <a:latin typeface="Arial" panose="020B0604020202020204" pitchFamily="34" charset="0"/>
-                <a:cs typeface="Arial" panose="020B0604020202020204" pitchFamily="34" charset="0"/>
-              </a:rPr>
-              <a:t>2019601953</a:t>
+              <a:t>	: 2019601953</a:t>
             </a:r>
             <a:endParaRPr lang="x-none" sz="2000" dirty="0">
               <a:latin typeface="Arial" panose="020B0604020202020204" pitchFamily="34" charset="0"/>
@@ -29521,7 +26955,7 @@
           <p:cNvPr id="41" name="Title 3">
             <a:extLst>
               <a:ext uri="{FF2B5EF4-FFF2-40B4-BE49-F238E27FC236}">
-                <a16:creationId xmlns:a16="http://schemas.microsoft.com/office/drawing/2014/main" xmlns="" id="{1ABD613F-111C-41D6-9F8E-8B2C42A5E047}"/>
+                <a16:creationId xmlns="" xmlns:a16="http://schemas.microsoft.com/office/drawing/2014/main" id="{1ABD613F-111C-41D6-9F8E-8B2C42A5E047}"/>
               </a:ext>
             </a:extLst>
           </p:cNvPr>
@@ -29563,7 +26997,7 @@
           <p:cNvPr id="35" name="Footer Placeholder 34">
             <a:extLst>
               <a:ext uri="{FF2B5EF4-FFF2-40B4-BE49-F238E27FC236}">
-                <a16:creationId xmlns:a16="http://schemas.microsoft.com/office/drawing/2014/main" xmlns="" id="{6390A22B-EC07-E942-A46F-F36FDD7FDB9D}"/>
+                <a16:creationId xmlns="" xmlns:a16="http://schemas.microsoft.com/office/drawing/2014/main" id="{6390A22B-EC07-E942-A46F-F36FDD7FDB9D}"/>
               </a:ext>
             </a:extLst>
           </p:cNvPr>
@@ -29591,7 +27025,7 @@
           <p:cNvPr id="10" name="Slide Number Placeholder 9">
             <a:extLst>
               <a:ext uri="{FF2B5EF4-FFF2-40B4-BE49-F238E27FC236}">
-                <a16:creationId xmlns:a16="http://schemas.microsoft.com/office/drawing/2014/main" xmlns="" id="{A267D224-5586-43DC-82CA-8605E158298B}"/>
+                <a16:creationId xmlns="" xmlns:a16="http://schemas.microsoft.com/office/drawing/2014/main" id="{A267D224-5586-43DC-82CA-8605E158298B}"/>
               </a:ext>
             </a:extLst>
           </p:cNvPr>
@@ -29651,7 +27085,7 @@
           <p:cNvPr id="20" name="Footer Placeholder 4">
             <a:extLst>
               <a:ext uri="{FF2B5EF4-FFF2-40B4-BE49-F238E27FC236}">
-                <a16:creationId xmlns:a16="http://schemas.microsoft.com/office/drawing/2014/main" xmlns="" id="{391D3201-20F9-4DD7-B4EB-F41AF17CA428}"/>
+                <a16:creationId xmlns="" xmlns:a16="http://schemas.microsoft.com/office/drawing/2014/main" id="{391D3201-20F9-4DD7-B4EB-F41AF17CA428}"/>
               </a:ext>
             </a:extLst>
           </p:cNvPr>
@@ -29691,7 +27125,7 @@
           <p:cNvPr id="21" name="Slide Number Placeholder 5">
             <a:extLst>
               <a:ext uri="{FF2B5EF4-FFF2-40B4-BE49-F238E27FC236}">
-                <a16:creationId xmlns:a16="http://schemas.microsoft.com/office/drawing/2014/main" xmlns="" id="{C7C65DDB-24F2-44CF-AE02-F3A6C8B1858B}"/>
+                <a16:creationId xmlns="" xmlns:a16="http://schemas.microsoft.com/office/drawing/2014/main" id="{C7C65DDB-24F2-44CF-AE02-F3A6C8B1858B}"/>
               </a:ext>
             </a:extLst>
           </p:cNvPr>
@@ -29734,7 +27168,7 @@
           <p:nvPr>
             <p:extLst>
               <p:ext uri="{D42A27DB-BD31-4B8C-83A1-F6EECF244321}">
-                <p14:modId xmlns:p14="http://schemas.microsoft.com/office/powerpoint/2010/main" val="2763743327"/>
+                <p14:modId xmlns:p14="http://schemas.microsoft.com/office/powerpoint/2010/main" val="1342728291"/>
               </p:ext>
             </p:extLst>
           </p:nvPr>
@@ -29784,7 +27218,7 @@
           <p:cNvPr id="5" name="Picture 2" descr="Thank You Images - Free Download on Freepik">
             <a:extLst>
               <a:ext uri="{FF2B5EF4-FFF2-40B4-BE49-F238E27FC236}">
-                <a16:creationId xmlns="" xmlns:a16="http://schemas.microsoft.com/office/drawing/2014/main" id="{12A9B648-F49B-4E1F-BFA4-A5649194D86F}"/>
+                <a16:creationId xmlns:a16="http://schemas.microsoft.com/office/drawing/2014/main" xmlns="" id="{12A9B648-F49B-4E1F-BFA4-A5649194D86F}"/>
               </a:ext>
             </a:extLst>
           </p:cNvPr>
@@ -29861,7 +27295,7 @@
           <p:cNvPr id="4" name="Title 3">
             <a:extLst>
               <a:ext uri="{FF2B5EF4-FFF2-40B4-BE49-F238E27FC236}">
-                <a16:creationId xmlns:a16="http://schemas.microsoft.com/office/drawing/2014/main" xmlns="" id="{1ABE11BF-33A5-4653-A144-CCCBACF58C30}"/>
+                <a16:creationId xmlns="" xmlns:a16="http://schemas.microsoft.com/office/drawing/2014/main" id="{1ABE11BF-33A5-4653-A144-CCCBACF58C30}"/>
               </a:ext>
             </a:extLst>
           </p:cNvPr>
@@ -29903,7 +27337,7 @@
           <p:cNvPr id="11" name="Footer Placeholder 10">
             <a:extLst>
               <a:ext uri="{FF2B5EF4-FFF2-40B4-BE49-F238E27FC236}">
-                <a16:creationId xmlns:a16="http://schemas.microsoft.com/office/drawing/2014/main" xmlns="" id="{47F4D2C2-B71A-4089-A3FE-603C32706CA6}"/>
+                <a16:creationId xmlns="" xmlns:a16="http://schemas.microsoft.com/office/drawing/2014/main" id="{47F4D2C2-B71A-4089-A3FE-603C32706CA6}"/>
               </a:ext>
             </a:extLst>
           </p:cNvPr>
@@ -29931,7 +27365,7 @@
           <p:cNvPr id="12" name="Slide Number Placeholder 11">
             <a:extLst>
               <a:ext uri="{FF2B5EF4-FFF2-40B4-BE49-F238E27FC236}">
-                <a16:creationId xmlns:a16="http://schemas.microsoft.com/office/drawing/2014/main" xmlns="" id="{FBA1BB58-7555-4382-B178-7ED04E137E77}"/>
+                <a16:creationId xmlns="" xmlns:a16="http://schemas.microsoft.com/office/drawing/2014/main" id="{FBA1BB58-7555-4382-B178-7ED04E137E77}"/>
               </a:ext>
             </a:extLst>
           </p:cNvPr>
@@ -30013,7 +27447,7 @@
           <p:cNvPr id="41" name="Title 3">
             <a:extLst>
               <a:ext uri="{FF2B5EF4-FFF2-40B4-BE49-F238E27FC236}">
-                <a16:creationId xmlns:a16="http://schemas.microsoft.com/office/drawing/2014/main" xmlns="" id="{1ABD613F-111C-41D6-9F8E-8B2C42A5E047}"/>
+                <a16:creationId xmlns="" xmlns:a16="http://schemas.microsoft.com/office/drawing/2014/main" id="{1ABD613F-111C-41D6-9F8E-8B2C42A5E047}"/>
               </a:ext>
             </a:extLst>
           </p:cNvPr>
@@ -30053,7 +27487,7 @@
           <p:cNvPr id="35" name="Footer Placeholder 34">
             <a:extLst>
               <a:ext uri="{FF2B5EF4-FFF2-40B4-BE49-F238E27FC236}">
-                <a16:creationId xmlns:a16="http://schemas.microsoft.com/office/drawing/2014/main" xmlns="" id="{6390A22B-EC07-E942-A46F-F36FDD7FDB9D}"/>
+                <a16:creationId xmlns="" xmlns:a16="http://schemas.microsoft.com/office/drawing/2014/main" id="{6390A22B-EC07-E942-A46F-F36FDD7FDB9D}"/>
               </a:ext>
             </a:extLst>
           </p:cNvPr>
@@ -30081,7 +27515,7 @@
           <p:cNvPr id="10" name="Slide Number Placeholder 9">
             <a:extLst>
               <a:ext uri="{FF2B5EF4-FFF2-40B4-BE49-F238E27FC236}">
-                <a16:creationId xmlns:a16="http://schemas.microsoft.com/office/drawing/2014/main" xmlns="" id="{A267D224-5586-43DC-82CA-8605E158298B}"/>
+                <a16:creationId xmlns="" xmlns:a16="http://schemas.microsoft.com/office/drawing/2014/main" id="{A267D224-5586-43DC-82CA-8605E158298B}"/>
               </a:ext>
             </a:extLst>
           </p:cNvPr>
@@ -30141,7 +27575,7 @@
           <p:cNvPr id="14" name="Title 13">
             <a:extLst>
               <a:ext uri="{FF2B5EF4-FFF2-40B4-BE49-F238E27FC236}">
-                <a16:creationId xmlns:a16="http://schemas.microsoft.com/office/drawing/2014/main" xmlns="" id="{E3E5EE03-FBF6-46F5-8085-716AC6CE1C8C}"/>
+                <a16:creationId xmlns="" xmlns:a16="http://schemas.microsoft.com/office/drawing/2014/main" id="{E3E5EE03-FBF6-46F5-8085-716AC6CE1C8C}"/>
               </a:ext>
             </a:extLst>
           </p:cNvPr>
@@ -30178,7 +27612,7 @@
           <p:cNvPr id="20" name="Footer Placeholder 4">
             <a:extLst>
               <a:ext uri="{FF2B5EF4-FFF2-40B4-BE49-F238E27FC236}">
-                <a16:creationId xmlns:a16="http://schemas.microsoft.com/office/drawing/2014/main" xmlns="" id="{391D3201-20F9-4DD7-B4EB-F41AF17CA428}"/>
+                <a16:creationId xmlns="" xmlns:a16="http://schemas.microsoft.com/office/drawing/2014/main" id="{391D3201-20F9-4DD7-B4EB-F41AF17CA428}"/>
               </a:ext>
             </a:extLst>
           </p:cNvPr>
@@ -30218,7 +27652,7 @@
           <p:cNvPr id="21" name="Slide Number Placeholder 5">
             <a:extLst>
               <a:ext uri="{FF2B5EF4-FFF2-40B4-BE49-F238E27FC236}">
-                <a16:creationId xmlns:a16="http://schemas.microsoft.com/office/drawing/2014/main" xmlns="" id="{C7C65DDB-24F2-44CF-AE02-F3A6C8B1858B}"/>
+                <a16:creationId xmlns="" xmlns:a16="http://schemas.microsoft.com/office/drawing/2014/main" id="{C7C65DDB-24F2-44CF-AE02-F3A6C8B1858B}"/>
               </a:ext>
             </a:extLst>
           </p:cNvPr>
@@ -30311,7 +27745,7 @@
           <p:cNvPr id="14" name="Title 13">
             <a:extLst>
               <a:ext uri="{FF2B5EF4-FFF2-40B4-BE49-F238E27FC236}">
-                <a16:creationId xmlns:a16="http://schemas.microsoft.com/office/drawing/2014/main" xmlns="" id="{E3E5EE03-FBF6-46F5-8085-716AC6CE1C8C}"/>
+                <a16:creationId xmlns="" xmlns:a16="http://schemas.microsoft.com/office/drawing/2014/main" id="{E3E5EE03-FBF6-46F5-8085-716AC6CE1C8C}"/>
               </a:ext>
             </a:extLst>
           </p:cNvPr>
@@ -30348,7 +27782,7 @@
           <p:cNvPr id="20" name="Footer Placeholder 4">
             <a:extLst>
               <a:ext uri="{FF2B5EF4-FFF2-40B4-BE49-F238E27FC236}">
-                <a16:creationId xmlns:a16="http://schemas.microsoft.com/office/drawing/2014/main" xmlns="" id="{391D3201-20F9-4DD7-B4EB-F41AF17CA428}"/>
+                <a16:creationId xmlns="" xmlns:a16="http://schemas.microsoft.com/office/drawing/2014/main" id="{391D3201-20F9-4DD7-B4EB-F41AF17CA428}"/>
               </a:ext>
             </a:extLst>
           </p:cNvPr>
@@ -30388,7 +27822,7 @@
           <p:cNvPr id="21" name="Slide Number Placeholder 5">
             <a:extLst>
               <a:ext uri="{FF2B5EF4-FFF2-40B4-BE49-F238E27FC236}">
-                <a16:creationId xmlns:a16="http://schemas.microsoft.com/office/drawing/2014/main" xmlns="" id="{C7C65DDB-24F2-44CF-AE02-F3A6C8B1858B}"/>
+                <a16:creationId xmlns="" xmlns:a16="http://schemas.microsoft.com/office/drawing/2014/main" id="{C7C65DDB-24F2-44CF-AE02-F3A6C8B1858B}"/>
               </a:ext>
             </a:extLst>
           </p:cNvPr>
@@ -30776,7 +28210,7 @@
           <p:cNvPr id="41" name="Title 3">
             <a:extLst>
               <a:ext uri="{FF2B5EF4-FFF2-40B4-BE49-F238E27FC236}">
-                <a16:creationId xmlns:a16="http://schemas.microsoft.com/office/drawing/2014/main" xmlns="" id="{1ABD613F-111C-41D6-9F8E-8B2C42A5E047}"/>
+                <a16:creationId xmlns="" xmlns:a16="http://schemas.microsoft.com/office/drawing/2014/main" id="{1ABD613F-111C-41D6-9F8E-8B2C42A5E047}"/>
               </a:ext>
             </a:extLst>
           </p:cNvPr>
@@ -30816,7 +28250,7 @@
           <p:cNvPr id="35" name="Footer Placeholder 34">
             <a:extLst>
               <a:ext uri="{FF2B5EF4-FFF2-40B4-BE49-F238E27FC236}">
-                <a16:creationId xmlns:a16="http://schemas.microsoft.com/office/drawing/2014/main" xmlns="" id="{6390A22B-EC07-E942-A46F-F36FDD7FDB9D}"/>
+                <a16:creationId xmlns="" xmlns:a16="http://schemas.microsoft.com/office/drawing/2014/main" id="{6390A22B-EC07-E942-A46F-F36FDD7FDB9D}"/>
               </a:ext>
             </a:extLst>
           </p:cNvPr>
@@ -30844,7 +28278,7 @@
           <p:cNvPr id="10" name="Slide Number Placeholder 9">
             <a:extLst>
               <a:ext uri="{FF2B5EF4-FFF2-40B4-BE49-F238E27FC236}">
-                <a16:creationId xmlns:a16="http://schemas.microsoft.com/office/drawing/2014/main" xmlns="" id="{A267D224-5586-43DC-82CA-8605E158298B}"/>
+                <a16:creationId xmlns="" xmlns:a16="http://schemas.microsoft.com/office/drawing/2014/main" id="{A267D224-5586-43DC-82CA-8605E158298B}"/>
               </a:ext>
             </a:extLst>
           </p:cNvPr>
@@ -30904,7 +28338,7 @@
           <p:cNvPr id="14" name="Title 13">
             <a:extLst>
               <a:ext uri="{FF2B5EF4-FFF2-40B4-BE49-F238E27FC236}">
-                <a16:creationId xmlns:a16="http://schemas.microsoft.com/office/drawing/2014/main" xmlns="" id="{E3E5EE03-FBF6-46F5-8085-716AC6CE1C8C}"/>
+                <a16:creationId xmlns="" xmlns:a16="http://schemas.microsoft.com/office/drawing/2014/main" id="{E3E5EE03-FBF6-46F5-8085-716AC6CE1C8C}"/>
               </a:ext>
             </a:extLst>
           </p:cNvPr>
@@ -30941,7 +28375,7 @@
           <p:cNvPr id="20" name="Footer Placeholder 4">
             <a:extLst>
               <a:ext uri="{FF2B5EF4-FFF2-40B4-BE49-F238E27FC236}">
-                <a16:creationId xmlns:a16="http://schemas.microsoft.com/office/drawing/2014/main" xmlns="" id="{391D3201-20F9-4DD7-B4EB-F41AF17CA428}"/>
+                <a16:creationId xmlns="" xmlns:a16="http://schemas.microsoft.com/office/drawing/2014/main" id="{391D3201-20F9-4DD7-B4EB-F41AF17CA428}"/>
               </a:ext>
             </a:extLst>
           </p:cNvPr>
@@ -30981,7 +28415,7 @@
           <p:cNvPr id="21" name="Slide Number Placeholder 5">
             <a:extLst>
               <a:ext uri="{FF2B5EF4-FFF2-40B4-BE49-F238E27FC236}">
-                <a16:creationId xmlns:a16="http://schemas.microsoft.com/office/drawing/2014/main" xmlns="" id="{C7C65DDB-24F2-44CF-AE02-F3A6C8B1858B}"/>
+                <a16:creationId xmlns="" xmlns:a16="http://schemas.microsoft.com/office/drawing/2014/main" id="{C7C65DDB-24F2-44CF-AE02-F3A6C8B1858B}"/>
               </a:ext>
             </a:extLst>
           </p:cNvPr>
@@ -31074,7 +28508,7 @@
           <p:cNvPr id="14" name="Title 13">
             <a:extLst>
               <a:ext uri="{FF2B5EF4-FFF2-40B4-BE49-F238E27FC236}">
-                <a16:creationId xmlns:a16="http://schemas.microsoft.com/office/drawing/2014/main" xmlns="" id="{E3E5EE03-FBF6-46F5-8085-716AC6CE1C8C}"/>
+                <a16:creationId xmlns="" xmlns:a16="http://schemas.microsoft.com/office/drawing/2014/main" id="{E3E5EE03-FBF6-46F5-8085-716AC6CE1C8C}"/>
               </a:ext>
             </a:extLst>
           </p:cNvPr>
@@ -31111,7 +28545,7 @@
           <p:cNvPr id="20" name="Footer Placeholder 4">
             <a:extLst>
               <a:ext uri="{FF2B5EF4-FFF2-40B4-BE49-F238E27FC236}">
-                <a16:creationId xmlns:a16="http://schemas.microsoft.com/office/drawing/2014/main" xmlns="" id="{391D3201-20F9-4DD7-B4EB-F41AF17CA428}"/>
+                <a16:creationId xmlns="" xmlns:a16="http://schemas.microsoft.com/office/drawing/2014/main" id="{391D3201-20F9-4DD7-B4EB-F41AF17CA428}"/>
               </a:ext>
             </a:extLst>
           </p:cNvPr>
@@ -31151,7 +28585,7 @@
           <p:cNvPr id="21" name="Slide Number Placeholder 5">
             <a:extLst>
               <a:ext uri="{FF2B5EF4-FFF2-40B4-BE49-F238E27FC236}">
-                <a16:creationId xmlns:a16="http://schemas.microsoft.com/office/drawing/2014/main" xmlns="" id="{C7C65DDB-24F2-44CF-AE02-F3A6C8B1858B}"/>
+                <a16:creationId xmlns="" xmlns:a16="http://schemas.microsoft.com/office/drawing/2014/main" id="{C7C65DDB-24F2-44CF-AE02-F3A6C8B1858B}"/>
               </a:ext>
             </a:extLst>
           </p:cNvPr>
@@ -31246,7 +28680,7 @@
           <p:cNvPr id="41" name="Title 3">
             <a:extLst>
               <a:ext uri="{FF2B5EF4-FFF2-40B4-BE49-F238E27FC236}">
-                <a16:creationId xmlns:a16="http://schemas.microsoft.com/office/drawing/2014/main" xmlns="" id="{1ABD613F-111C-41D6-9F8E-8B2C42A5E047}"/>
+                <a16:creationId xmlns="" xmlns:a16="http://schemas.microsoft.com/office/drawing/2014/main" id="{1ABD613F-111C-41D6-9F8E-8B2C42A5E047}"/>
               </a:ext>
             </a:extLst>
           </p:cNvPr>
@@ -31286,7 +28720,7 @@
           <p:cNvPr id="35" name="Footer Placeholder 34">
             <a:extLst>
               <a:ext uri="{FF2B5EF4-FFF2-40B4-BE49-F238E27FC236}">
-                <a16:creationId xmlns:a16="http://schemas.microsoft.com/office/drawing/2014/main" xmlns="" id="{6390A22B-EC07-E942-A46F-F36FDD7FDB9D}"/>
+                <a16:creationId xmlns="" xmlns:a16="http://schemas.microsoft.com/office/drawing/2014/main" id="{6390A22B-EC07-E942-A46F-F36FDD7FDB9D}"/>
               </a:ext>
             </a:extLst>
           </p:cNvPr>
@@ -31314,7 +28748,7 @@
           <p:cNvPr id="10" name="Slide Number Placeholder 9">
             <a:extLst>
               <a:ext uri="{FF2B5EF4-FFF2-40B4-BE49-F238E27FC236}">
-                <a16:creationId xmlns:a16="http://schemas.microsoft.com/office/drawing/2014/main" xmlns="" id="{A267D224-5586-43DC-82CA-8605E158298B}"/>
+                <a16:creationId xmlns="" xmlns:a16="http://schemas.microsoft.com/office/drawing/2014/main" id="{A267D224-5586-43DC-82CA-8605E158298B}"/>
               </a:ext>
             </a:extLst>
           </p:cNvPr>
@@ -32212,15 +29646,6 @@
 </file>
 
 <file path=customXml/item2.xml><?xml version="1.0" encoding="utf-8"?>
-<?mso-contentType ?>
-<FormTemplates xmlns="http://schemas.microsoft.com/sharepoint/v3/contenttype/forms">
-  <Display>DocumentLibraryForm</Display>
-  <Edit>DocumentLibraryForm</Edit>
-  <New>DocumentLibraryForm</New>
-</FormTemplates>
-</file>
-
-<file path=customXml/item3.xml><?xml version="1.0" encoding="utf-8"?>
 <ct:contentTypeSchema xmlns:ct="http://schemas.microsoft.com/office/2006/metadata/contentType" xmlns:ma="http://schemas.microsoft.com/office/2006/metadata/properties/metaAttributes" ct:_="" ma:_="" ma:contentTypeName="Document" ma:contentTypeID="0x01010079F111ED35F8CC479449609E8A0923A6" ma:contentTypeVersion="11" ma:contentTypeDescription="Create a new document." ma:contentTypeScope="" ma:versionID="96291512c1ee715ab617f4c07df79fc1">
   <xsd:schema xmlns:xsd="http://www.w3.org/2001/XMLSchema" xmlns:xs="http://www.w3.org/2001/XMLSchema" xmlns:p="http://schemas.microsoft.com/office/2006/metadata/properties" xmlns:ns2="71af3243-3dd4-4a8d-8c0d-dd76da1f02a5" xmlns:ns3="16c05727-aa75-4e4a-9b5f-8a80a1165891" targetNamespace="http://schemas.microsoft.com/office/2006/metadata/properties" ma:root="true" ma:fieldsID="8256c27c40ca5c40ce1cf6c44f0205df" ns2:_="" ns3:_="">
     <xsd:import namespace="71af3243-3dd4-4a8d-8c0d-dd76da1f02a5"/>
@@ -32431,6 +29856,15 @@
 </ct:contentTypeSchema>
 </file>
 
+<file path=customXml/item3.xml><?xml version="1.0" encoding="utf-8"?>
+<?mso-contentType ?>
+<FormTemplates xmlns="http://schemas.microsoft.com/sharepoint/v3/contenttype/forms">
+  <Display>DocumentLibraryForm</Display>
+  <Edit>DocumentLibraryForm</Edit>
+  <New>DocumentLibraryForm</New>
+</FormTemplates>
+</file>
+
 <file path=customXml/itemProps1.xml><?xml version="1.0" encoding="utf-8"?>
 <ds:datastoreItem xmlns:ds="http://schemas.openxmlformats.org/officeDocument/2006/customXml" ds:itemID="{C87F4215-C6BB-44A3-9A5E-9446E6835900}">
   <ds:schemaRefs>
@@ -32442,14 +29876,6 @@
 </file>
 
 <file path=customXml/itemProps2.xml><?xml version="1.0" encoding="utf-8"?>
-<ds:datastoreItem xmlns:ds="http://schemas.openxmlformats.org/officeDocument/2006/customXml" ds:itemID="{A80A5AF1-8C57-4290-936E-5FD27C957251}">
-  <ds:schemaRefs>
-    <ds:schemaRef ds:uri="http://schemas.microsoft.com/sharepoint/v3/contenttype/forms"/>
-  </ds:schemaRefs>
-</ds:datastoreItem>
-</file>
-
-<file path=customXml/itemProps3.xml><?xml version="1.0" encoding="utf-8"?>
 <ds:datastoreItem xmlns:ds="http://schemas.openxmlformats.org/officeDocument/2006/customXml" ds:itemID="{8F8919DE-9BD9-47A9-9F5D-16EBB9687974}">
   <ds:schemaRefs>
     <ds:schemaRef ds:uri="http://schemas.microsoft.com/office/2006/metadata/contentType"/>
@@ -32466,4 +29892,12 @@
     <ds:schemaRef ds:uri="http://schemas.microsoft.com/internal/obd"/>
   </ds:schemaRefs>
 </ds:datastoreItem>
+</file>
+
+<file path=customXml/itemProps3.xml><?xml version="1.0" encoding="utf-8"?>
+<ds:datastoreItem xmlns:ds="http://schemas.openxmlformats.org/officeDocument/2006/customXml" ds:itemID="{A80A5AF1-8C57-4290-936E-5FD27C957251}">
+  <ds:schemaRefs>
+    <ds:schemaRef ds:uri="http://schemas.microsoft.com/sharepoint/v3/contenttype/forms"/>
+  </ds:schemaRefs>
+</ds:datastoreItem>
 </file>